--- a/1. introduction to computer graphics.pptx
+++ b/1. introduction to computer graphics.pptx
@@ -1445,7 +1445,7 @@
           <a:p>
             <a:fld id="{1778D81D-7C06-4226-AF82-84AE23D1BA92}" type="datetimeFigureOut">
               <a:rPr lang="en-US" smtClean="0"/>
-              <a:t>4/13/2025</a:t>
+              <a:t>4/20/2025</a:t>
             </a:fld>
             <a:endParaRPr lang="en-US"/>
           </a:p>
@@ -1954,7 +1954,7 @@
           <a:p>
             <a:fld id="{B480EE93-A6CD-4AFA-9C8E-FC8315F3E860}" type="datetimeFigureOut">
               <a:rPr lang="en-SG" smtClean="0"/>
-              <a:t>13/4/2025</a:t>
+              <a:t>20/4/2025</a:t>
             </a:fld>
             <a:endParaRPr lang="en-SG"/>
           </a:p>
@@ -2182,7 +2182,7 @@
           <a:p>
             <a:fld id="{B480EE93-A6CD-4AFA-9C8E-FC8315F3E860}" type="datetimeFigureOut">
               <a:rPr lang="en-SG" smtClean="0"/>
-              <a:t>13/4/2025</a:t>
+              <a:t>20/4/2025</a:t>
             </a:fld>
             <a:endParaRPr lang="en-SG"/>
           </a:p>
@@ -2362,7 +2362,7 @@
           <a:p>
             <a:fld id="{B480EE93-A6CD-4AFA-9C8E-FC8315F3E860}" type="datetimeFigureOut">
               <a:rPr lang="en-SG" smtClean="0"/>
-              <a:t>13/4/2025</a:t>
+              <a:t>20/4/2025</a:t>
             </a:fld>
             <a:endParaRPr lang="en-SG"/>
           </a:p>
@@ -2532,7 +2532,7 @@
           <a:p>
             <a:fld id="{B480EE93-A6CD-4AFA-9C8E-FC8315F3E860}" type="datetimeFigureOut">
               <a:rPr lang="en-SG" smtClean="0"/>
-              <a:t>13/4/2025</a:t>
+              <a:t>20/4/2025</a:t>
             </a:fld>
             <a:endParaRPr lang="en-SG"/>
           </a:p>
@@ -2786,7 +2786,7 @@
           <a:p>
             <a:fld id="{B480EE93-A6CD-4AFA-9C8E-FC8315F3E860}" type="datetimeFigureOut">
               <a:rPr lang="en-SG" smtClean="0"/>
-              <a:t>13/4/2025</a:t>
+              <a:t>20/4/2025</a:t>
             </a:fld>
             <a:endParaRPr lang="en-SG"/>
           </a:p>
@@ -3112,7 +3112,7 @@
           <a:p>
             <a:fld id="{B480EE93-A6CD-4AFA-9C8E-FC8315F3E860}" type="datetimeFigureOut">
               <a:rPr lang="en-SG" smtClean="0"/>
-              <a:t>13/4/2025</a:t>
+              <a:t>20/4/2025</a:t>
             </a:fld>
             <a:endParaRPr lang="en-SG"/>
           </a:p>
@@ -3563,7 +3563,7 @@
           <a:p>
             <a:fld id="{B480EE93-A6CD-4AFA-9C8E-FC8315F3E860}" type="datetimeFigureOut">
               <a:rPr lang="en-SG" smtClean="0"/>
-              <a:t>13/4/2025</a:t>
+              <a:t>20/4/2025</a:t>
             </a:fld>
             <a:endParaRPr lang="en-SG"/>
           </a:p>
@@ -3681,7 +3681,7 @@
           <a:p>
             <a:fld id="{B480EE93-A6CD-4AFA-9C8E-FC8315F3E860}" type="datetimeFigureOut">
               <a:rPr lang="en-SG" smtClean="0"/>
-              <a:t>13/4/2025</a:t>
+              <a:t>20/4/2025</a:t>
             </a:fld>
             <a:endParaRPr lang="en-SG"/>
           </a:p>
@@ -3776,7 +3776,7 @@
           <a:p>
             <a:fld id="{B480EE93-A6CD-4AFA-9C8E-FC8315F3E860}" type="datetimeFigureOut">
               <a:rPr lang="en-SG" smtClean="0"/>
-              <a:t>13/4/2025</a:t>
+              <a:t>20/4/2025</a:t>
             </a:fld>
             <a:endParaRPr lang="en-SG"/>
           </a:p>
@@ -4063,7 +4063,7 @@
           <a:p>
             <a:fld id="{B480EE93-A6CD-4AFA-9C8E-FC8315F3E860}" type="datetimeFigureOut">
               <a:rPr lang="en-SG" smtClean="0"/>
-              <a:t>13/4/2025</a:t>
+              <a:t>20/4/2025</a:t>
             </a:fld>
             <a:endParaRPr lang="en-SG"/>
           </a:p>
@@ -4385,7 +4385,7 @@
           <a:p>
             <a:fld id="{B480EE93-A6CD-4AFA-9C8E-FC8315F3E860}" type="datetimeFigureOut">
               <a:rPr lang="en-SG" smtClean="0"/>
-              <a:t>13/4/2025</a:t>
+              <a:t>20/4/2025</a:t>
             </a:fld>
             <a:endParaRPr lang="en-SG"/>
           </a:p>
@@ -4639,7 +4639,7 @@
           <a:p>
             <a:fld id="{B480EE93-A6CD-4AFA-9C8E-FC8315F3E860}" type="datetimeFigureOut">
               <a:rPr lang="en-SG" smtClean="0"/>
-              <a:t>13/4/2025</a:t>
+              <a:t>20/4/2025</a:t>
             </a:fld>
             <a:endParaRPr lang="en-SG"/>
           </a:p>
@@ -5577,8 +5577,8 @@
         </p:nvSpPr>
         <p:spPr>
           <a:xfrm>
-            <a:off x="248653" y="711805"/>
-            <a:ext cx="5847347" cy="3046988"/>
+            <a:off x="248653" y="522380"/>
+            <a:ext cx="5847348" cy="3046988"/>
           </a:xfrm>
           <a:prstGeom prst="rect">
             <a:avLst/>
@@ -5644,10 +5644,14 @@
               <a:rPr lang="en-US" dirty="0">
                 <a:latin typeface="Aptos" panose="020B0004020202020204" pitchFamily="34" charset="0"/>
               </a:rPr>
-              <a:t>then 1 pt = 1 pixel</a:t>
-            </a:r>
-          </a:p>
-          <a:p>
+              <a:t>then 1 pt = 1 </a:t>
+            </a:r>
+            <a:r>
+              <a:rPr lang="en-US" dirty="0" smtClean="0">
+                <a:latin typeface="Aptos" panose="020B0004020202020204" pitchFamily="34" charset="0"/>
+              </a:rPr>
+              <a:t>pixel</a:t>
+            </a:r>
             <a:endParaRPr lang="en-US" dirty="0">
               <a:latin typeface="Aptos" panose="020B0004020202020204" pitchFamily="34" charset="0"/>
             </a:endParaRPr>
@@ -5660,7 +5664,7 @@
               <a:t>shades or Bit's Per Pixel: </a:t>
             </a:r>
             <a:r>
-              <a:rPr lang="en-US" sz="1800" kern="100" dirty="0">
+              <a:rPr lang="en-US" sz="1800" kern="100" dirty="0" smtClean="0">
                 <a:effectLst/>
                 <a:latin typeface="Calibri" panose="020F0502020204030204" pitchFamily="34" charset="0"/>
                 <a:ea typeface="Calibri" panose="020F0502020204030204" pitchFamily="34" charset="0"/>
@@ -5669,13 +5673,31 @@
               <a:t>2</a:t>
             </a:r>
             <a:r>
-              <a:rPr lang="en-US" sz="1800" kern="100" baseline="30000" dirty="0">
+              <a:rPr lang="en-US" sz="1800" kern="100" baseline="30000" dirty="0" smtClean="0">
                 <a:effectLst/>
                 <a:latin typeface="Calibri" panose="020F0502020204030204" pitchFamily="34" charset="0"/>
                 <a:ea typeface="Calibri" panose="020F0502020204030204" pitchFamily="34" charset="0"/>
                 <a:cs typeface="Vrinda" panose="020B0502040204020203" pitchFamily="34" charset="0"/>
               </a:rPr>
+              <a:t>bpp </a:t>
+            </a:r>
+          </a:p>
+          <a:p>
+            <a:r>
+              <a:rPr lang="en-US" dirty="0" smtClean="0"/>
+              <a:t>The </a:t>
+            </a:r>
+            <a:r>
+              <a:rPr lang="en-US" dirty="0"/>
+              <a:t>famous gray scale image is of 8 </a:t>
+            </a:r>
+            <a:r>
+              <a:rPr lang="en-US" dirty="0" err="1"/>
               <a:t>bpp</a:t>
+            </a:r>
+            <a:r>
+              <a:rPr lang="en-US" dirty="0"/>
+              <a:t> , means it has 256 different colors in it or 256 shades.</a:t>
             </a:r>
             <a:endParaRPr lang="en-US" sz="1800" kern="100" dirty="0">
               <a:effectLst/>
@@ -5700,7 +5722,7 @@
         </p:nvSpPr>
         <p:spPr>
           <a:xfrm>
-            <a:off x="248653" y="3718679"/>
+            <a:off x="248653" y="3501863"/>
             <a:ext cx="5686927" cy="3139321"/>
           </a:xfrm>
           <a:prstGeom prst="rect">
@@ -5810,7 +5832,7 @@
         </p:nvSpPr>
         <p:spPr>
           <a:xfrm>
-            <a:off x="248653" y="179548"/>
+            <a:off x="248653" y="-2223"/>
             <a:ext cx="5847348" cy="584775"/>
           </a:xfrm>
           <a:prstGeom prst="rect">
@@ -5873,7 +5895,7 @@
         </p:blipFill>
         <p:spPr>
           <a:xfrm>
-            <a:off x="6256422" y="859946"/>
+            <a:off x="6256422" y="793157"/>
             <a:ext cx="5830414" cy="968853"/>
           </a:xfrm>
           <a:prstGeom prst="rect">
@@ -5895,7 +5917,7 @@
         </p:nvSpPr>
         <p:spPr>
           <a:xfrm>
-            <a:off x="6304549" y="1985977"/>
+            <a:off x="6256422" y="1739276"/>
             <a:ext cx="5323298" cy="2031325"/>
           </a:xfrm>
           <a:prstGeom prst="rect">
@@ -5972,7 +5994,7 @@
         </p:nvSpPr>
         <p:spPr>
           <a:xfrm>
-            <a:off x="6256422" y="179548"/>
+            <a:off x="6256422" y="112759"/>
             <a:ext cx="5775158" cy="523220"/>
           </a:xfrm>
           <a:prstGeom prst="rect">
@@ -6007,6 +6029,132 @@
           </a:p>
         </p:txBody>
       </p:sp>
+      <p:sp>
+        <p:nvSpPr>
+          <p:cNvPr id="6" name="TextBox 5"/>
+          <p:cNvSpPr txBox="1"/>
+          <p:nvPr/>
+        </p:nvSpPr>
+        <p:spPr>
+          <a:xfrm>
+            <a:off x="4864229" y="3770601"/>
+            <a:ext cx="7422037" cy="3416320"/>
+          </a:xfrm>
+          <a:prstGeom prst="rect">
+            <a:avLst/>
+          </a:prstGeom>
+          <a:noFill/>
+        </p:spPr>
+        <p:txBody>
+          <a:bodyPr wrap="square" rtlCol="0">
+            <a:spAutoFit/>
+          </a:bodyPr>
+          <a:lstStyle/>
+          <a:p>
+            <a:r>
+              <a:rPr lang="en-US" b="1" dirty="0"/>
+              <a:t>BPP or Bits per Pixel </a:t>
+            </a:r>
+            <a:r>
+              <a:rPr lang="en-US" dirty="0"/>
+              <a:t>is used to denote the number of bits per pixel and the number depends on the depth of color or BPP</a:t>
+            </a:r>
+            <a:r>
+              <a:rPr lang="en-US" dirty="0" smtClean="0"/>
+              <a:t>.</a:t>
+            </a:r>
+          </a:p>
+          <a:p>
+            <a:r>
+              <a:rPr lang="en-US" b="1" dirty="0" smtClean="0"/>
+              <a:t>Ex: </a:t>
+            </a:r>
+            <a:r>
+              <a:rPr lang="en-US" dirty="0" smtClean="0"/>
+              <a:t>Let </a:t>
+            </a:r>
+            <a:r>
+              <a:rPr lang="en-US" dirty="0"/>
+              <a:t>row be 3000 and columns be 1687, and it has 256 shades of </a:t>
+            </a:r>
+            <a:r>
+              <a:rPr lang="en-US" dirty="0" err="1"/>
+              <a:t>bpp</a:t>
+            </a:r>
+            <a:r>
+              <a:rPr lang="en-US" dirty="0"/>
+              <a:t>.</a:t>
+            </a:r>
+            <a:br>
+              <a:rPr lang="en-US" dirty="0"/>
+            </a:br>
+            <a:r>
+              <a:rPr lang="en-US" dirty="0"/>
+              <a:t>Size of an image = rows * cols * </a:t>
+            </a:r>
+            <a:r>
+              <a:rPr lang="en-US" dirty="0" err="1"/>
+              <a:t>bpp</a:t>
+            </a:r>
+            <a:r>
+              <a:rPr lang="en-US" dirty="0"/>
+              <a:t/>
+            </a:r>
+            <a:br>
+              <a:rPr lang="en-US" dirty="0"/>
+            </a:br>
+            <a:r>
+              <a:rPr lang="en-US" dirty="0"/>
+              <a:t>=3000 * 1687 * </a:t>
+            </a:r>
+            <a:r>
+              <a:rPr lang="en-US" dirty="0" smtClean="0"/>
+              <a:t>8</a:t>
+            </a:r>
+            <a:r>
+              <a:rPr lang="en-US" dirty="0"/>
+              <a:t> </a:t>
+            </a:r>
+            <a:r>
+              <a:rPr lang="en-US" dirty="0" smtClean="0"/>
+              <a:t>= 40488000 </a:t>
+            </a:r>
+            <a:r>
+              <a:rPr lang="en-US" dirty="0"/>
+              <a:t>bits</a:t>
+            </a:r>
+          </a:p>
+          <a:p>
+            <a:r>
+              <a:rPr lang="en-US" dirty="0"/>
+              <a:t>As it is not a standard answer so we can convert it in the following ways:</a:t>
+            </a:r>
+          </a:p>
+          <a:p>
+            <a:r>
+              <a:rPr lang="en-US" dirty="0"/>
+              <a:t>Converting it into bytes = 8388608 / 8 = 5061000 bytes.</a:t>
+            </a:r>
+            <a:br>
+              <a:rPr lang="en-US" dirty="0"/>
+            </a:br>
+            <a:r>
+              <a:rPr lang="en-US" dirty="0"/>
+              <a:t>Converting into kilo bytes = 5061000 / 1024 = 4942kb.</a:t>
+            </a:r>
+            <a:br>
+              <a:rPr lang="en-US" dirty="0"/>
+            </a:br>
+            <a:r>
+              <a:rPr lang="en-US" dirty="0"/>
+              <a:t>Converting into Mega bytes = 4942 / 1024 = 4 Mb.</a:t>
+            </a:r>
+          </a:p>
+          <a:p>
+            <a:endParaRPr lang="en-US" dirty="0"/>
+          </a:p>
+        </p:txBody>
+      </p:sp>
     </p:spTree>
     <p:extLst>
       <p:ext uri="{BB962C8B-B14F-4D97-AF65-F5344CB8AC3E}">
@@ -6017,6 +6165,13 @@
   <p:clrMapOvr>
     <a:masterClrMapping/>
   </p:clrMapOvr>
+  <p:timing>
+    <p:tnLst>
+      <p:par>
+        <p:cTn id="1" dur="indefinite" restart="never" nodeType="tmRoot"/>
+      </p:par>
+    </p:tnLst>
+  </p:timing>
 </p:sld>
 </file>
 
@@ -12985,7 +13140,7 @@
                 <a:hlinkClick r:id="rId2">
                   <a:extLst>
                     <a:ext uri="{A12FA001-AC4F-418D-AE19-62706E023703}">
-                      <ahyp:hlinkClr xmlns:ahyp="http://schemas.microsoft.com/office/drawing/2018/hyperlinkcolor" xmlns="" val="tx"/>
+                      <ahyp:hlinkClr xmlns="" xmlns:ahyp="http://schemas.microsoft.com/office/drawing/2018/hyperlinkcolor" val="tx"/>
                     </a:ext>
                   </a:extLst>
                 </a:hlinkClick>

--- a/1. introduction to computer graphics.pptx
+++ b/1. introduction to computer graphics.pptx
@@ -5577,7 +5577,7 @@
         </p:nvSpPr>
         <p:spPr>
           <a:xfrm>
-            <a:off x="248653" y="522380"/>
+            <a:off x="248653" y="405755"/>
             <a:ext cx="5847348" cy="3046988"/>
           </a:xfrm>
           <a:prstGeom prst="rect">
@@ -5722,8 +5722,8 @@
         </p:nvSpPr>
         <p:spPr>
           <a:xfrm>
-            <a:off x="248653" y="3501863"/>
-            <a:ext cx="5686927" cy="3139321"/>
+            <a:off x="248653" y="3891673"/>
+            <a:ext cx="5686927" cy="2862322"/>
           </a:xfrm>
           <a:prstGeom prst="rect">
             <a:avLst/>
@@ -5740,7 +5740,24 @@
               <a:rPr lang="en-US" b="1" dirty="0">
                 <a:latin typeface="Aptos" panose="020B0004020202020204" pitchFamily="34" charset="0"/>
               </a:rPr>
-              <a:t>Example-1: Assume a picture has 1024 rows and 1024 columns. What is the size of an image?[Assume there are 8-bits per pixel]</a:t>
+              <a:t>Example-1: Assume a picture has 1024 rows and 1024 columns. </a:t>
+            </a:r>
+            <a:endParaRPr lang="en-US" b="1" dirty="0" smtClean="0">
+              <a:latin typeface="Aptos" panose="020B0004020202020204" pitchFamily="34" charset="0"/>
+            </a:endParaRPr>
+          </a:p>
+          <a:p>
+            <a:r>
+              <a:rPr lang="en-US" b="1" dirty="0" smtClean="0">
+                <a:latin typeface="Aptos" panose="020B0004020202020204" pitchFamily="34" charset="0"/>
+              </a:rPr>
+              <a:t>What </a:t>
+            </a:r>
+            <a:r>
+              <a:rPr lang="en-US" b="1" dirty="0">
+                <a:latin typeface="Aptos" panose="020B0004020202020204" pitchFamily="34" charset="0"/>
+              </a:rPr>
+              <a:t>is the size of an image?[Assume there are 8-bits per pixel]</a:t>
             </a:r>
           </a:p>
           <a:p>
@@ -5832,7 +5849,7 @@
         </p:nvSpPr>
         <p:spPr>
           <a:xfrm>
-            <a:off x="248653" y="-2223"/>
+            <a:off x="248653" y="-90970"/>
             <a:ext cx="5847348" cy="584775"/>
           </a:xfrm>
           <a:prstGeom prst="rect">
@@ -6037,8 +6054,8 @@
         </p:nvSpPr>
         <p:spPr>
           <a:xfrm>
-            <a:off x="4864229" y="3770601"/>
-            <a:ext cx="7422037" cy="3416320"/>
+            <a:off x="5300663" y="3770601"/>
+            <a:ext cx="6985603" cy="3416320"/>
           </a:xfrm>
           <a:prstGeom prst="rect">
             <a:avLst/>
@@ -13140,7 +13157,7 @@
                 <a:hlinkClick r:id="rId2">
                   <a:extLst>
                     <a:ext uri="{A12FA001-AC4F-418D-AE19-62706E023703}">
-                      <ahyp:hlinkClr xmlns="" xmlns:ahyp="http://schemas.microsoft.com/office/drawing/2018/hyperlinkcolor" val="tx"/>
+                      <ahyp:hlinkClr xmlns:ahyp="http://schemas.microsoft.com/office/drawing/2018/hyperlinkcolor" xmlns="" val="tx"/>
                     </a:ext>
                   </a:extLst>
                 </a:hlinkClick>

--- a/1. introduction to computer graphics.pptx
+++ b/1. introduction to computer graphics.pptx
@@ -5,7 +5,7 @@
     <p:sldMasterId id="2147483660" r:id="rId1"/>
   </p:sldMasterIdLst>
   <p:notesMasterIdLst>
-    <p:notesMasterId r:id="rId22"/>
+    <p:notesMasterId r:id="rId23"/>
   </p:notesMasterIdLst>
   <p:sldIdLst>
     <p:sldId id="256" r:id="rId2"/>
@@ -14,20 +14,21 @@
     <p:sldId id="263" r:id="rId5"/>
     <p:sldId id="261" r:id="rId6"/>
     <p:sldId id="306" r:id="rId7"/>
-    <p:sldId id="307" r:id="rId8"/>
-    <p:sldId id="326" r:id="rId9"/>
-    <p:sldId id="327" r:id="rId10"/>
-    <p:sldId id="311" r:id="rId11"/>
-    <p:sldId id="328" r:id="rId12"/>
-    <p:sldId id="314" r:id="rId13"/>
-    <p:sldId id="330" r:id="rId14"/>
-    <p:sldId id="336" r:id="rId15"/>
-    <p:sldId id="337" r:id="rId16"/>
-    <p:sldId id="342" r:id="rId17"/>
-    <p:sldId id="335" r:id="rId18"/>
-    <p:sldId id="338" r:id="rId19"/>
-    <p:sldId id="339" r:id="rId20"/>
-    <p:sldId id="340" r:id="rId21"/>
+    <p:sldId id="343" r:id="rId8"/>
+    <p:sldId id="307" r:id="rId9"/>
+    <p:sldId id="326" r:id="rId10"/>
+    <p:sldId id="327" r:id="rId11"/>
+    <p:sldId id="311" r:id="rId12"/>
+    <p:sldId id="328" r:id="rId13"/>
+    <p:sldId id="314" r:id="rId14"/>
+    <p:sldId id="330" r:id="rId15"/>
+    <p:sldId id="336" r:id="rId16"/>
+    <p:sldId id="337" r:id="rId17"/>
+    <p:sldId id="342" r:id="rId18"/>
+    <p:sldId id="335" r:id="rId19"/>
+    <p:sldId id="338" r:id="rId20"/>
+    <p:sldId id="339" r:id="rId21"/>
+    <p:sldId id="340" r:id="rId22"/>
   </p:sldIdLst>
   <p:sldSz cx="12192000" cy="6858000"/>
   <p:notesSz cx="6858000" cy="9144000"/>
@@ -1777,7 +1778,7 @@
           <a:p>
             <a:fld id="{ED1CF207-4157-4491-A96E-0D8E9CB980E6}" type="slidenum">
               <a:rPr lang="en-US" smtClean="0"/>
-              <a:t>12</a:t>
+              <a:t>13</a:t>
             </a:fld>
             <a:endParaRPr lang="en-US"/>
           </a:p>
@@ -5565,6 +5566,257 @@
       </p:grpSpPr>
       <p:sp>
         <p:nvSpPr>
+          <p:cNvPr id="5" name="TextBox 4">
+            <a:extLst>
+              <a:ext uri="{FF2B5EF4-FFF2-40B4-BE49-F238E27FC236}">
+                <a16:creationId xmlns:a16="http://schemas.microsoft.com/office/drawing/2014/main" id="{CB6C1B63-AA89-4CCD-A92C-8EAE74EC00D6}"/>
+              </a:ext>
+            </a:extLst>
+          </p:cNvPr>
+          <p:cNvSpPr txBox="1"/>
+          <p:nvPr/>
+        </p:nvSpPr>
+        <p:spPr>
+          <a:xfrm>
+            <a:off x="449580" y="258901"/>
+            <a:ext cx="11292840" cy="6340197"/>
+          </a:xfrm>
+          <a:prstGeom prst="rect">
+            <a:avLst/>
+          </a:prstGeom>
+          <a:noFill/>
+        </p:spPr>
+        <p:txBody>
+          <a:bodyPr wrap="square">
+            <a:spAutoFit/>
+          </a:bodyPr>
+          <a:lstStyle/>
+          <a:p>
+            <a:pPr marL="285750" indent="-285750" algn="just">
+              <a:buFont typeface="Wingdings" panose="05000000000000000000" pitchFamily="2" charset="2"/>
+              <a:buChar char="q"/>
+            </a:pPr>
+            <a:r>
+              <a:rPr lang="en-US" sz="2800" b="1" u="sng" dirty="0">
+                <a:latin typeface="Aptos" panose="020B0004020202020204" pitchFamily="34" charset="0"/>
+              </a:rPr>
+              <a:t>Properties of CRT:</a:t>
+            </a:r>
+          </a:p>
+          <a:p>
+            <a:pPr algn="just"/>
+            <a:endParaRPr lang="en-US" dirty="0">
+              <a:latin typeface="Aptos" panose="020B0004020202020204" pitchFamily="34" charset="0"/>
+            </a:endParaRPr>
+          </a:p>
+          <a:p>
+            <a:pPr algn="just"/>
+            <a:r>
+              <a:rPr lang="en-US" sz="2400" b="1" u="sng" dirty="0">
+                <a:latin typeface="Aptos" panose="020B0004020202020204" pitchFamily="34" charset="0"/>
+              </a:rPr>
+              <a:t>1. Persistence: </a:t>
+            </a:r>
+            <a:r>
+              <a:rPr lang="en-US" dirty="0">
+                <a:latin typeface="Aptos" panose="020B0004020202020204" pitchFamily="34" charset="0"/>
+              </a:rPr>
+              <a:t>It is defined as the time it takes the emitted light from the phosphor to decay to one-tenth(1/10-th) of it's original intensity. It means how long they continue to emit light after the e-beam is removed.</a:t>
+            </a:r>
+          </a:p>
+          <a:p>
+            <a:pPr algn="just"/>
+            <a:r>
+              <a:rPr lang="en-US" dirty="0">
+                <a:latin typeface="Aptos" panose="020B0004020202020204" pitchFamily="34" charset="0"/>
+              </a:rPr>
+              <a:t>Persistence range from 1- to 60 micro-seconds.</a:t>
+            </a:r>
+          </a:p>
+          <a:p>
+            <a:pPr algn="just"/>
+            <a:r>
+              <a:rPr lang="en-US" dirty="0">
+                <a:latin typeface="Aptos" panose="020B0004020202020204" pitchFamily="34" charset="0"/>
+              </a:rPr>
+              <a:t>In short, Persistence is the duration of phosphorescence exhibited b y a phosphor.</a:t>
+            </a:r>
+          </a:p>
+          <a:p>
+            <a:pPr algn="just"/>
+            <a:r>
+              <a:rPr lang="en-US" sz="2400" b="1" u="sng" dirty="0">
+                <a:latin typeface="Aptos" panose="020B0004020202020204" pitchFamily="34" charset="0"/>
+              </a:rPr>
+              <a:t>2. Refreshing of the screen: </a:t>
+            </a:r>
+            <a:r>
+              <a:rPr lang="en-US" dirty="0">
+                <a:latin typeface="Aptos" panose="020B0004020202020204" pitchFamily="34" charset="0"/>
+              </a:rPr>
+              <a:t>It is done by keeping the phosphorous glowing to redraw the picture repeatedly. By quickly directing the electron beam back to the same points.</a:t>
+            </a:r>
+          </a:p>
+          <a:p>
+            <a:pPr algn="just"/>
+            <a:endParaRPr lang="en-US" dirty="0">
+              <a:latin typeface="Aptos" panose="020B0004020202020204" pitchFamily="34" charset="0"/>
+            </a:endParaRPr>
+          </a:p>
+          <a:p>
+            <a:pPr algn="just"/>
+            <a:r>
+              <a:rPr lang="en-US" sz="2000" b="1" u="sng" dirty="0">
+                <a:latin typeface="Aptos" panose="020B0004020202020204" pitchFamily="34" charset="0"/>
+              </a:rPr>
+              <a:t>3. Refresh rate: </a:t>
+            </a:r>
+            <a:r>
+              <a:rPr lang="en-US" dirty="0">
+                <a:latin typeface="Aptos" panose="020B0004020202020204" pitchFamily="34" charset="0"/>
+              </a:rPr>
+              <a:t>It is the number of time per second the image is redrawn on the screen.</a:t>
+            </a:r>
+          </a:p>
+          <a:p>
+            <a:pPr algn="just"/>
+            <a:r>
+              <a:rPr lang="en-US" sz="2000" b="1" u="sng" dirty="0">
+                <a:latin typeface="Aptos" panose="020B0004020202020204" pitchFamily="34" charset="0"/>
+              </a:rPr>
+              <a:t>4. Critical Fusion Frequency(CFF): </a:t>
+            </a:r>
+            <a:r>
+              <a:rPr lang="en-US" dirty="0">
+                <a:latin typeface="Aptos" panose="020B0004020202020204" pitchFamily="34" charset="0"/>
+              </a:rPr>
+              <a:t>It is the refresh rate at which the image stops flickering and fuses into a steady image.</a:t>
+            </a:r>
+          </a:p>
+          <a:p>
+            <a:pPr algn="just"/>
+            <a:endParaRPr lang="en-US" dirty="0">
+              <a:latin typeface="Aptos" panose="020B0004020202020204" pitchFamily="34" charset="0"/>
+            </a:endParaRPr>
+          </a:p>
+          <a:p>
+            <a:pPr algn="just"/>
+            <a:r>
+              <a:rPr lang="en-US" sz="2000" b="1" u="sng" dirty="0">
+                <a:latin typeface="Aptos" panose="020B0004020202020204" pitchFamily="34" charset="0"/>
+              </a:rPr>
+              <a:t>5. Horizontal Scan Rate(HSN): </a:t>
+            </a:r>
+            <a:r>
+              <a:rPr lang="en-US" dirty="0">
+                <a:latin typeface="Aptos" panose="020B0004020202020204" pitchFamily="34" charset="0"/>
+              </a:rPr>
+              <a:t>It is the number of line that can be scanned per second by the CRT.</a:t>
+            </a:r>
+          </a:p>
+          <a:p>
+            <a:pPr algn="just"/>
+            <a:r>
+              <a:rPr lang="en-US" dirty="0">
+                <a:latin typeface="Aptos" panose="020B0004020202020204" pitchFamily="34" charset="0"/>
+              </a:rPr>
+              <a:t>HSN =  Refresh Rate * No. of scan line</a:t>
+            </a:r>
+          </a:p>
+          <a:p>
+            <a:pPr algn="just"/>
+            <a:endParaRPr lang="en-US" dirty="0">
+              <a:latin typeface="Aptos" panose="020B0004020202020204" pitchFamily="34" charset="0"/>
+            </a:endParaRPr>
+          </a:p>
+          <a:p>
+            <a:pPr algn="just"/>
+            <a:r>
+              <a:rPr lang="en-US" sz="2000" b="1" u="sng" dirty="0">
+                <a:latin typeface="Aptos" panose="020B0004020202020204" pitchFamily="34" charset="0"/>
+              </a:rPr>
+              <a:t>6. Pixel: </a:t>
+            </a:r>
+            <a:r>
+              <a:rPr lang="en-US" dirty="0">
+                <a:latin typeface="Aptos" panose="020B0004020202020204" pitchFamily="34" charset="0"/>
+              </a:rPr>
+              <a:t>Smallest unit of a digital image that can be displayed and represented on a digital display device.</a:t>
+            </a:r>
+          </a:p>
+          <a:p>
+            <a:pPr algn="just"/>
+            <a:r>
+              <a:rPr lang="en-US" dirty="0">
+                <a:latin typeface="Aptos" panose="020B0004020202020204" pitchFamily="34" charset="0"/>
+              </a:rPr>
+              <a:t>If a monitor has a property of 200ppi(pixel per inch), then there are 200pixel of per square inch.</a:t>
+            </a:r>
+          </a:p>
+          <a:p>
+            <a:pPr algn="just"/>
+            <a:endParaRPr lang="en-US" dirty="0">
+              <a:latin typeface="Aptos" panose="020B0004020202020204" pitchFamily="34" charset="0"/>
+            </a:endParaRPr>
+          </a:p>
+          <a:p>
+            <a:pPr algn="just"/>
+            <a:r>
+              <a:rPr lang="en-US" sz="2000" b="1" u="sng" dirty="0">
+                <a:latin typeface="Aptos" panose="020B0004020202020204" pitchFamily="34" charset="0"/>
+              </a:rPr>
+              <a:t>7. Pixel Resolution: </a:t>
+            </a:r>
+            <a:r>
+              <a:rPr lang="en-US" dirty="0">
+                <a:latin typeface="Aptos" panose="020B0004020202020204" pitchFamily="34" charset="0"/>
+              </a:rPr>
+              <a:t>It is the number of points per inch that can be plotted horizontally and vertically. </a:t>
+            </a:r>
+          </a:p>
+          <a:p>
+            <a:pPr algn="just"/>
+            <a:r>
+              <a:rPr lang="en-US" dirty="0">
+                <a:latin typeface="Aptos" panose="020B0004020202020204" pitchFamily="34" charset="0"/>
+              </a:rPr>
+              <a:t>If an image has M rows and N columns, then it's resolution can be defined as M X N</a:t>
+            </a:r>
+          </a:p>
+        </p:txBody>
+      </p:sp>
+    </p:spTree>
+    <p:extLst>
+      <p:ext uri="{BB962C8B-B14F-4D97-AF65-F5344CB8AC3E}">
+        <p14:creationId xmlns:p14="http://schemas.microsoft.com/office/powerpoint/2010/main" val="3487359124"/>
+      </p:ext>
+    </p:extLst>
+  </p:cSld>
+  <p:clrMapOvr>
+    <a:masterClrMapping/>
+  </p:clrMapOvr>
+</p:sld>
+</file>
+
+<file path=ppt/slides/slide11.xml><?xml version="1.0" encoding="utf-8"?>
+<p:sld xmlns:a="http://schemas.openxmlformats.org/drawingml/2006/main" xmlns:r="http://schemas.openxmlformats.org/officeDocument/2006/relationships" xmlns:p="http://schemas.openxmlformats.org/presentationml/2006/main" showMasterSp="0">
+  <p:cSld>
+    <p:spTree>
+      <p:nvGrpSpPr>
+        <p:cNvPr id="1" name=""/>
+        <p:cNvGrpSpPr/>
+        <p:nvPr/>
+      </p:nvGrpSpPr>
+      <p:grpSpPr>
+        <a:xfrm>
+          <a:off x="0" y="0"/>
+          <a:ext cx="0" cy="0"/>
+          <a:chOff x="0" y="0"/>
+          <a:chExt cx="0" cy="0"/>
+        </a:xfrm>
+      </p:grpSpPr>
+      <p:sp>
+        <p:nvSpPr>
           <p:cNvPr id="3" name="TextBox 2">
             <a:extLst>
               <a:ext uri="{FF2B5EF4-FFF2-40B4-BE49-F238E27FC236}">
@@ -6192,7 +6444,7 @@
 </p:sld>
 </file>
 
-<file path=ppt/slides/slide11.xml><?xml version="1.0" encoding="utf-8"?>
+<file path=ppt/slides/slide12.xml><?xml version="1.0" encoding="utf-8"?>
 <p:sld xmlns:a="http://schemas.openxmlformats.org/drawingml/2006/main" xmlns:r="http://schemas.openxmlformats.org/officeDocument/2006/relationships" xmlns:p="http://schemas.openxmlformats.org/presentationml/2006/main">
   <p:cSld>
     <p:spTree>
@@ -6566,7 +6818,7 @@
 </p:sld>
 </file>
 
-<file path=ppt/slides/slide12.xml><?xml version="1.0" encoding="utf-8"?>
+<file path=ppt/slides/slide13.xml><?xml version="1.0" encoding="utf-8"?>
 <p:sld xmlns:a="http://schemas.openxmlformats.org/drawingml/2006/main" xmlns:r="http://schemas.openxmlformats.org/officeDocument/2006/relationships" xmlns:p="http://schemas.openxmlformats.org/presentationml/2006/main" showMasterSp="0">
   <p:cSld>
     <p:spTree>
@@ -6843,7 +7095,7 @@
 </p:sld>
 </file>
 
-<file path=ppt/slides/slide13.xml><?xml version="1.0" encoding="utf-8"?>
+<file path=ppt/slides/slide14.xml><?xml version="1.0" encoding="utf-8"?>
 <p:sld xmlns:a="http://schemas.openxmlformats.org/drawingml/2006/main" xmlns:r="http://schemas.openxmlformats.org/officeDocument/2006/relationships" xmlns:p="http://schemas.openxmlformats.org/presentationml/2006/main">
   <p:cSld>
     <p:spTree>
@@ -7189,7 +7441,7 @@
 </p:sld>
 </file>
 
-<file path=ppt/slides/slide14.xml><?xml version="1.0" encoding="utf-8"?>
+<file path=ppt/slides/slide15.xml><?xml version="1.0" encoding="utf-8"?>
 <p:sld xmlns:a="http://schemas.openxmlformats.org/drawingml/2006/main" xmlns:r="http://schemas.openxmlformats.org/officeDocument/2006/relationships" xmlns:p="http://schemas.openxmlformats.org/presentationml/2006/main">
   <p:cSld>
     <p:spTree>
@@ -7923,7 +8175,7 @@
 </p:sld>
 </file>
 
-<file path=ppt/slides/slide15.xml><?xml version="1.0" encoding="utf-8"?>
+<file path=ppt/slides/slide16.xml><?xml version="1.0" encoding="utf-8"?>
 <p:sld xmlns:a="http://schemas.openxmlformats.org/drawingml/2006/main" xmlns:r="http://schemas.openxmlformats.org/officeDocument/2006/relationships" xmlns:p="http://schemas.openxmlformats.org/presentationml/2006/main">
   <p:cSld>
     <p:spTree>
@@ -8412,7 +8664,7 @@
 </p:sld>
 </file>
 
-<file path=ppt/slides/slide16.xml><?xml version="1.0" encoding="utf-8"?>
+<file path=ppt/slides/slide17.xml><?xml version="1.0" encoding="utf-8"?>
 <p:sld xmlns:a="http://schemas.openxmlformats.org/drawingml/2006/main" xmlns:r="http://schemas.openxmlformats.org/officeDocument/2006/relationships" xmlns:p="http://schemas.openxmlformats.org/presentationml/2006/main">
   <p:cSld>
     <p:spTree>
@@ -8752,7 +9004,7 @@
 </p:sld>
 </file>
 
-<file path=ppt/slides/slide17.xml><?xml version="1.0" encoding="utf-8"?>
+<file path=ppt/slides/slide18.xml><?xml version="1.0" encoding="utf-8"?>
 <p:sld xmlns:a="http://schemas.openxmlformats.org/drawingml/2006/main" xmlns:r="http://schemas.openxmlformats.org/officeDocument/2006/relationships" xmlns:p="http://schemas.openxmlformats.org/presentationml/2006/main">
   <p:cSld>
     <p:spTree>
@@ -9232,7 +9484,7 @@
 </p:sld>
 </file>
 
-<file path=ppt/slides/slide18.xml><?xml version="1.0" encoding="utf-8"?>
+<file path=ppt/slides/slide19.xml><?xml version="1.0" encoding="utf-8"?>
 <p:sld xmlns:a="http://schemas.openxmlformats.org/drawingml/2006/main" xmlns:r="http://schemas.openxmlformats.org/officeDocument/2006/relationships" xmlns:p="http://schemas.openxmlformats.org/presentationml/2006/main">
   <p:cSld>
     <p:spTree>
@@ -9673,1626 +9925,6 @@
     <p:extLst>
       <p:ext uri="{BB962C8B-B14F-4D97-AF65-F5344CB8AC3E}">
         <p14:creationId xmlns:p14="http://schemas.microsoft.com/office/powerpoint/2010/main" val="2445170642"/>
-      </p:ext>
-    </p:extLst>
-  </p:cSld>
-  <p:clrMapOvr>
-    <a:masterClrMapping/>
-  </p:clrMapOvr>
-</p:sld>
-</file>
-
-<file path=ppt/slides/slide19.xml><?xml version="1.0" encoding="utf-8"?>
-<p:sld xmlns:a="http://schemas.openxmlformats.org/drawingml/2006/main" xmlns:r="http://schemas.openxmlformats.org/officeDocument/2006/relationships" xmlns:p="http://schemas.openxmlformats.org/presentationml/2006/main">
-  <p:cSld>
-    <p:spTree>
-      <p:nvGrpSpPr>
-        <p:cNvPr id="1" name=""/>
-        <p:cNvGrpSpPr/>
-        <p:nvPr/>
-      </p:nvGrpSpPr>
-      <p:grpSpPr>
-        <a:xfrm>
-          <a:off x="0" y="0"/>
-          <a:ext cx="0" cy="0"/>
-          <a:chOff x="0" y="0"/>
-          <a:chExt cx="0" cy="0"/>
-        </a:xfrm>
-      </p:grpSpPr>
-      <p:sp>
-        <p:nvSpPr>
-          <p:cNvPr id="4" name="TextBox 3">
-            <a:extLst>
-              <a:ext uri="{FF2B5EF4-FFF2-40B4-BE49-F238E27FC236}">
-                <a16:creationId xmlns:a16="http://schemas.microsoft.com/office/drawing/2014/main" id="{40E2B443-B860-AF61-21D7-6DD7B5F8D00B}"/>
-              </a:ext>
-            </a:extLst>
-          </p:cNvPr>
-          <p:cNvSpPr txBox="1"/>
-          <p:nvPr/>
-        </p:nvSpPr>
-        <p:spPr>
-          <a:xfrm>
-            <a:off x="142202" y="94718"/>
-            <a:ext cx="11275340" cy="523220"/>
-          </a:xfrm>
-          <a:prstGeom prst="rect">
-            <a:avLst/>
-          </a:prstGeom>
-          <a:noFill/>
-        </p:spPr>
-        <p:txBody>
-          <a:bodyPr wrap="square" rtlCol="0">
-            <a:spAutoFit/>
-          </a:bodyPr>
-          <a:lstStyle/>
-          <a:p>
-            <a:r>
-              <a:rPr lang="en-US" sz="2800" b="1" u="sng" dirty="0">
-                <a:effectLst>
-                  <a:outerShdw blurRad="38100" dist="38100" dir="2700000" algn="tl">
-                    <a:srgbClr val="000000">
-                      <a:alpha val="43137"/>
-                    </a:srgbClr>
-                  </a:outerShdw>
-                </a:effectLst>
-                <a:latin typeface="Aptos" panose="020B0004020202020204" pitchFamily="34" charset="0"/>
-              </a:rPr>
-              <a:t>Aspect Ratio &amp; Pixel Density Solved Problems</a:t>
-            </a:r>
-          </a:p>
-        </p:txBody>
-      </p:sp>
-      <p:sp>
-        <p:nvSpPr>
-          <p:cNvPr id="8" name="TextBox 7">
-            <a:extLst>
-              <a:ext uri="{FF2B5EF4-FFF2-40B4-BE49-F238E27FC236}">
-                <a16:creationId xmlns:a16="http://schemas.microsoft.com/office/drawing/2014/main" id="{43D01090-4F76-F816-D9AD-B9ED5462AF25}"/>
-              </a:ext>
-            </a:extLst>
-          </p:cNvPr>
-          <p:cNvSpPr txBox="1"/>
-          <p:nvPr/>
-        </p:nvSpPr>
-        <p:spPr>
-          <a:xfrm>
-            <a:off x="235895" y="712355"/>
-            <a:ext cx="3752445" cy="5909823"/>
-          </a:xfrm>
-          <a:prstGeom prst="rect">
-            <a:avLst/>
-          </a:prstGeom>
-          <a:noFill/>
-          <a:ln>
-            <a:solidFill>
-              <a:schemeClr val="accent1"/>
-            </a:solidFill>
-          </a:ln>
-        </p:spPr>
-        <p:txBody>
-          <a:bodyPr wrap="square">
-            <a:spAutoFit/>
-          </a:bodyPr>
-          <a:lstStyle/>
-          <a:p>
-            <a:pPr marL="0" marR="0" algn="just">
-              <a:lnSpc>
-                <a:spcPct val="115000"/>
-              </a:lnSpc>
-            </a:pPr>
-            <a:r>
-              <a:rPr lang="en-US" sz="1500" b="1" dirty="0">
-                <a:effectLst/>
-                <a:latin typeface="Cambria" panose="02040503050406030204" pitchFamily="18" charset="0"/>
-                <a:ea typeface="MS Mincho" panose="02020609040205080304" pitchFamily="49" charset="-128"/>
-                <a:cs typeface="Vrinda" panose="020B0502040204020203" pitchFamily="34" charset="0"/>
-              </a:rPr>
-              <a:t>Example-1: </a:t>
-            </a:r>
-          </a:p>
-          <a:p>
-            <a:pPr marL="0" marR="0" algn="just">
-              <a:lnSpc>
-                <a:spcPct val="115000"/>
-              </a:lnSpc>
-            </a:pPr>
-            <a:r>
-              <a:rPr lang="en-US" sz="1500" b="1" dirty="0">
-                <a:effectLst/>
-                <a:latin typeface="Cambria" panose="02040503050406030204" pitchFamily="18" charset="0"/>
-                <a:ea typeface="MS Mincho" panose="02020609040205080304" pitchFamily="49" charset="-128"/>
-                <a:cs typeface="Vrinda" panose="020B0502040204020203" pitchFamily="34" charset="0"/>
-              </a:rPr>
-              <a:t>Given that a 22 inch monitor with an aspect ratio of 16:9 has a monitor resolution of 1920 x 1080, what is the width of the monitor?</a:t>
-            </a:r>
-          </a:p>
-          <a:p>
-            <a:pPr marL="0" marR="0" algn="just">
-              <a:lnSpc>
-                <a:spcPct val="115000"/>
-              </a:lnSpc>
-            </a:pPr>
-            <a:r>
-              <a:rPr lang="en-US" sz="1500" b="1" dirty="0">
-                <a:effectLst/>
-                <a:latin typeface="Cambria" panose="02040503050406030204" pitchFamily="18" charset="0"/>
-                <a:ea typeface="MS Mincho" panose="02020609040205080304" pitchFamily="49" charset="-128"/>
-                <a:cs typeface="Vrinda" panose="020B0502040204020203" pitchFamily="34" charset="0"/>
-              </a:rPr>
-              <a:t>Solution:</a:t>
-            </a:r>
-          </a:p>
-          <a:p>
-            <a:pPr marL="0" marR="0" algn="just">
-              <a:lnSpc>
-                <a:spcPct val="115000"/>
-              </a:lnSpc>
-            </a:pPr>
-            <a:r>
-              <a:rPr lang="en-US" sz="1500" dirty="0">
-                <a:effectLst/>
-                <a:latin typeface="Cambria" panose="02040503050406030204" pitchFamily="18" charset="0"/>
-                <a:ea typeface="MS Mincho" panose="02020609040205080304" pitchFamily="49" charset="-128"/>
-                <a:cs typeface="Vrinda" panose="020B0502040204020203" pitchFamily="34" charset="0"/>
-              </a:rPr>
-              <a:t>1. Screen size: 22 inches (diagonal)</a:t>
-            </a:r>
-          </a:p>
-          <a:p>
-            <a:pPr marL="0" marR="0" algn="just">
-              <a:lnSpc>
-                <a:spcPct val="115000"/>
-              </a:lnSpc>
-            </a:pPr>
-            <a:r>
-              <a:rPr lang="en-US" sz="1500" dirty="0">
-                <a:effectLst/>
-                <a:latin typeface="Cambria" panose="02040503050406030204" pitchFamily="18" charset="0"/>
-                <a:ea typeface="MS Mincho" panose="02020609040205080304" pitchFamily="49" charset="-128"/>
-                <a:cs typeface="Vrinda" panose="020B0502040204020203" pitchFamily="34" charset="0"/>
-              </a:rPr>
-              <a:t>2. Aspect ratio: 16:9</a:t>
-            </a:r>
-          </a:p>
-          <a:p>
-            <a:pPr marL="0" marR="0" algn="just">
-              <a:lnSpc>
-                <a:spcPct val="115000"/>
-              </a:lnSpc>
-            </a:pPr>
-            <a:r>
-              <a:rPr lang="en-US" sz="1500" dirty="0">
-                <a:effectLst/>
-                <a:latin typeface="Cambria" panose="02040503050406030204" pitchFamily="18" charset="0"/>
-                <a:ea typeface="MS Mincho" panose="02020609040205080304" pitchFamily="49" charset="-128"/>
-                <a:cs typeface="Vrinda" panose="020B0502040204020203" pitchFamily="34" charset="0"/>
-              </a:rPr>
-              <a:t>Using the Pythagorean theorem with the aspect ratio, </a:t>
-            </a:r>
-          </a:p>
-          <a:p>
-            <a:pPr marL="0" marR="0" algn="just">
-              <a:lnSpc>
-                <a:spcPct val="115000"/>
-              </a:lnSpc>
-            </a:pPr>
-            <a:r>
-              <a:rPr lang="en-US" sz="1500" dirty="0">
-                <a:effectLst/>
-                <a:latin typeface="Cambria" panose="02040503050406030204" pitchFamily="18" charset="0"/>
-                <a:ea typeface="MS Mincho" panose="02020609040205080304" pitchFamily="49" charset="-128"/>
-                <a:cs typeface="Vrinda" panose="020B0502040204020203" pitchFamily="34" charset="0"/>
-              </a:rPr>
-              <a:t>Let, width = 16x</a:t>
-            </a:r>
-          </a:p>
-          <a:p>
-            <a:pPr marL="0" marR="0" algn="just">
-              <a:lnSpc>
-                <a:spcPct val="115000"/>
-              </a:lnSpc>
-            </a:pPr>
-            <a:r>
-              <a:rPr lang="en-US" sz="1500" dirty="0">
-                <a:effectLst/>
-                <a:latin typeface="Cambria" panose="02040503050406030204" pitchFamily="18" charset="0"/>
-                <a:ea typeface="MS Mincho" panose="02020609040205080304" pitchFamily="49" charset="-128"/>
-                <a:cs typeface="Vrinda" panose="020B0502040204020203" pitchFamily="34" charset="0"/>
-              </a:rPr>
-              <a:t>height = 9x.</a:t>
-            </a:r>
-          </a:p>
-          <a:p>
-            <a:pPr marL="0" marR="0" algn="just">
-              <a:lnSpc>
-                <a:spcPct val="115000"/>
-              </a:lnSpc>
-            </a:pPr>
-            <a:r>
-              <a:rPr lang="en-US" sz="1500" dirty="0">
-                <a:effectLst/>
-                <a:latin typeface="Cambria" panose="02040503050406030204" pitchFamily="18" charset="0"/>
-                <a:ea typeface="MS Mincho" panose="02020609040205080304" pitchFamily="49" charset="-128"/>
-                <a:cs typeface="Vrinda" panose="020B0502040204020203" pitchFamily="34" charset="0"/>
-              </a:rPr>
-              <a:t>The diagonal in terms of x is:</a:t>
-            </a:r>
-          </a:p>
-          <a:p>
-            <a:pPr marL="0" marR="0" algn="just">
-              <a:lnSpc>
-                <a:spcPct val="115000"/>
-              </a:lnSpc>
-            </a:pPr>
-            <a:r>
-              <a:rPr lang="en-US" sz="1500" dirty="0">
-                <a:effectLst/>
-                <a:latin typeface="Cambria" panose="02040503050406030204" pitchFamily="18" charset="0"/>
-                <a:ea typeface="MS Mincho" panose="02020609040205080304" pitchFamily="49" charset="-128"/>
-                <a:cs typeface="Vrinda" panose="020B0502040204020203" pitchFamily="34" charset="0"/>
-              </a:rPr>
-              <a:t>    </a:t>
-            </a:r>
-            <a:r>
-              <a:rPr lang="en-US" sz="1500" dirty="0">
-                <a:effectLst/>
-                <a:latin typeface="MS Mincho" panose="02020609040205080304" pitchFamily="49" charset="-128"/>
-                <a:ea typeface="MS Mincho" panose="02020609040205080304" pitchFamily="49" charset="-128"/>
-                <a:cs typeface="Vrinda" panose="020B0502040204020203" pitchFamily="34" charset="0"/>
-              </a:rPr>
-              <a:t>√</a:t>
-            </a:r>
-            <a:r>
-              <a:rPr lang="en-US" sz="1500" dirty="0">
-                <a:effectLst/>
-                <a:latin typeface="Cambria" panose="02040503050406030204" pitchFamily="18" charset="0"/>
-                <a:ea typeface="MS Mincho" panose="02020609040205080304" pitchFamily="49" charset="-128"/>
-                <a:cs typeface="Vrinda" panose="020B0502040204020203" pitchFamily="34" charset="0"/>
-              </a:rPr>
-              <a:t>((16x)</a:t>
-            </a:r>
-            <a:r>
-              <a:rPr lang="en-US" sz="1500" baseline="30000" dirty="0">
-                <a:effectLst/>
-                <a:latin typeface="Cambria" panose="02040503050406030204" pitchFamily="18" charset="0"/>
-                <a:ea typeface="MS Mincho" panose="02020609040205080304" pitchFamily="49" charset="-128"/>
-                <a:cs typeface="Vrinda" panose="020B0502040204020203" pitchFamily="34" charset="0"/>
-              </a:rPr>
-              <a:t>2</a:t>
-            </a:r>
-            <a:r>
-              <a:rPr lang="en-US" sz="1500" dirty="0">
-                <a:effectLst/>
-                <a:latin typeface="Cambria" panose="02040503050406030204" pitchFamily="18" charset="0"/>
-                <a:ea typeface="MS Mincho" panose="02020609040205080304" pitchFamily="49" charset="-128"/>
-                <a:cs typeface="Vrinda" panose="020B0502040204020203" pitchFamily="34" charset="0"/>
-              </a:rPr>
-              <a:t> + (9x)</a:t>
-            </a:r>
-            <a:r>
-              <a:rPr lang="en-US" sz="1500" baseline="30000" dirty="0">
-                <a:effectLst/>
-                <a:latin typeface="Cambria" panose="02040503050406030204" pitchFamily="18" charset="0"/>
-                <a:ea typeface="MS Mincho" panose="02020609040205080304" pitchFamily="49" charset="-128"/>
-                <a:cs typeface="Vrinda" panose="020B0502040204020203" pitchFamily="34" charset="0"/>
-              </a:rPr>
-              <a:t>2</a:t>
-            </a:r>
-            <a:r>
-              <a:rPr lang="en-US" sz="1500" dirty="0">
-                <a:effectLst/>
-                <a:latin typeface="Cambria" panose="02040503050406030204" pitchFamily="18" charset="0"/>
-                <a:ea typeface="MS Mincho" panose="02020609040205080304" pitchFamily="49" charset="-128"/>
-                <a:cs typeface="Vrinda" panose="020B0502040204020203" pitchFamily="34" charset="0"/>
-              </a:rPr>
-              <a:t>) = 22</a:t>
-            </a:r>
-          </a:p>
-          <a:p>
-            <a:pPr marL="0" marR="0" algn="just">
-              <a:lnSpc>
-                <a:spcPct val="115000"/>
-              </a:lnSpc>
-            </a:pPr>
-            <a:r>
-              <a:rPr lang="en-US" sz="1500" dirty="0">
-                <a:effectLst/>
-                <a:latin typeface="Cambria" panose="02040503050406030204" pitchFamily="18" charset="0"/>
-                <a:ea typeface="MS Mincho" panose="02020609040205080304" pitchFamily="49" charset="-128"/>
-                <a:cs typeface="Vrinda" panose="020B0502040204020203" pitchFamily="34" charset="0"/>
-              </a:rPr>
-              <a:t>    </a:t>
-            </a:r>
-            <a:r>
-              <a:rPr lang="en-US" sz="1500" dirty="0">
-                <a:effectLst/>
-                <a:latin typeface="MS Mincho" panose="02020609040205080304" pitchFamily="49" charset="-128"/>
-                <a:ea typeface="MS Mincho" panose="02020609040205080304" pitchFamily="49" charset="-128"/>
-                <a:cs typeface="Vrinda" panose="020B0502040204020203" pitchFamily="34" charset="0"/>
-              </a:rPr>
-              <a:t>√</a:t>
-            </a:r>
-            <a:r>
-              <a:rPr lang="en-US" sz="1500" dirty="0">
-                <a:effectLst/>
-                <a:latin typeface="Cambria" panose="02040503050406030204" pitchFamily="18" charset="0"/>
-                <a:ea typeface="MS Mincho" panose="02020609040205080304" pitchFamily="49" charset="-128"/>
-                <a:cs typeface="Vrinda" panose="020B0502040204020203" pitchFamily="34" charset="0"/>
-              </a:rPr>
-              <a:t>(256x</a:t>
-            </a:r>
-            <a:r>
-              <a:rPr lang="en-US" sz="1500" baseline="30000" dirty="0">
-                <a:effectLst/>
-                <a:latin typeface="Cambria" panose="02040503050406030204" pitchFamily="18" charset="0"/>
-                <a:ea typeface="MS Mincho" panose="02020609040205080304" pitchFamily="49" charset="-128"/>
-                <a:cs typeface="Vrinda" panose="020B0502040204020203" pitchFamily="34" charset="0"/>
-              </a:rPr>
-              <a:t>2</a:t>
-            </a:r>
-            <a:r>
-              <a:rPr lang="en-US" sz="1500" dirty="0">
-                <a:effectLst/>
-                <a:latin typeface="Cambria" panose="02040503050406030204" pitchFamily="18" charset="0"/>
-                <a:ea typeface="MS Mincho" panose="02020609040205080304" pitchFamily="49" charset="-128"/>
-                <a:cs typeface="Vrinda" panose="020B0502040204020203" pitchFamily="34" charset="0"/>
-              </a:rPr>
-              <a:t> + 81x</a:t>
-            </a:r>
-            <a:r>
-              <a:rPr lang="en-US" sz="1500" baseline="30000" dirty="0">
-                <a:effectLst/>
-                <a:latin typeface="Cambria" panose="02040503050406030204" pitchFamily="18" charset="0"/>
-                <a:ea typeface="MS Mincho" panose="02020609040205080304" pitchFamily="49" charset="-128"/>
-                <a:cs typeface="Vrinda" panose="020B0502040204020203" pitchFamily="34" charset="0"/>
-              </a:rPr>
-              <a:t>2</a:t>
-            </a:r>
-            <a:r>
-              <a:rPr lang="en-US" sz="1500" dirty="0">
-                <a:effectLst/>
-                <a:latin typeface="Cambria" panose="02040503050406030204" pitchFamily="18" charset="0"/>
-                <a:ea typeface="MS Mincho" panose="02020609040205080304" pitchFamily="49" charset="-128"/>
-                <a:cs typeface="Vrinda" panose="020B0502040204020203" pitchFamily="34" charset="0"/>
-              </a:rPr>
-              <a:t>) = 22</a:t>
-            </a:r>
-          </a:p>
-          <a:p>
-            <a:pPr marL="0" marR="0" algn="just">
-              <a:lnSpc>
-                <a:spcPct val="115000"/>
-              </a:lnSpc>
-            </a:pPr>
-            <a:r>
-              <a:rPr lang="en-US" sz="1500" dirty="0">
-                <a:effectLst/>
-                <a:latin typeface="Cambria" panose="02040503050406030204" pitchFamily="18" charset="0"/>
-                <a:ea typeface="MS Mincho" panose="02020609040205080304" pitchFamily="49" charset="-128"/>
-                <a:cs typeface="Vrinda" panose="020B0502040204020203" pitchFamily="34" charset="0"/>
-              </a:rPr>
-              <a:t>    </a:t>
-            </a:r>
-            <a:r>
-              <a:rPr lang="en-US" sz="1500" dirty="0">
-                <a:effectLst/>
-                <a:latin typeface="MS Mincho" panose="02020609040205080304" pitchFamily="49" charset="-128"/>
-                <a:ea typeface="MS Mincho" panose="02020609040205080304" pitchFamily="49" charset="-128"/>
-                <a:cs typeface="Vrinda" panose="020B0502040204020203" pitchFamily="34" charset="0"/>
-              </a:rPr>
-              <a:t>√</a:t>
-            </a:r>
-            <a:r>
-              <a:rPr lang="en-US" sz="1500" dirty="0">
-                <a:effectLst/>
-                <a:latin typeface="Cambria" panose="02040503050406030204" pitchFamily="18" charset="0"/>
-                <a:ea typeface="MS Mincho" panose="02020609040205080304" pitchFamily="49" charset="-128"/>
-                <a:cs typeface="Vrinda" panose="020B0502040204020203" pitchFamily="34" charset="0"/>
-              </a:rPr>
-              <a:t>337x</a:t>
-            </a:r>
-            <a:r>
-              <a:rPr lang="en-US" sz="1500" baseline="30000" dirty="0">
-                <a:effectLst/>
-                <a:latin typeface="Cambria" panose="02040503050406030204" pitchFamily="18" charset="0"/>
-                <a:ea typeface="MS Mincho" panose="02020609040205080304" pitchFamily="49" charset="-128"/>
-                <a:cs typeface="Vrinda" panose="020B0502040204020203" pitchFamily="34" charset="0"/>
-              </a:rPr>
-              <a:t>2</a:t>
-            </a:r>
-            <a:r>
-              <a:rPr lang="en-US" sz="1500" dirty="0">
-                <a:effectLst/>
-                <a:latin typeface="Cambria" panose="02040503050406030204" pitchFamily="18" charset="0"/>
-                <a:ea typeface="MS Mincho" panose="02020609040205080304" pitchFamily="49" charset="-128"/>
-                <a:cs typeface="Vrinda" panose="020B0502040204020203" pitchFamily="34" charset="0"/>
-              </a:rPr>
-              <a:t> = 22</a:t>
-            </a:r>
-          </a:p>
-          <a:p>
-            <a:pPr marL="0" marR="0" algn="just">
-              <a:lnSpc>
-                <a:spcPct val="115000"/>
-              </a:lnSpc>
-            </a:pPr>
-            <a:r>
-              <a:rPr lang="en-US" sz="1500" dirty="0">
-                <a:effectLst/>
-                <a:latin typeface="Cambria" panose="02040503050406030204" pitchFamily="18" charset="0"/>
-                <a:ea typeface="MS Mincho" panose="02020609040205080304" pitchFamily="49" charset="-128"/>
-                <a:cs typeface="Vrinda" panose="020B0502040204020203" pitchFamily="34" charset="0"/>
-              </a:rPr>
-              <a:t>    x = 22 / </a:t>
-            </a:r>
-            <a:r>
-              <a:rPr lang="en-US" sz="1500" dirty="0">
-                <a:effectLst/>
-                <a:latin typeface="MS Mincho" panose="02020609040205080304" pitchFamily="49" charset="-128"/>
-                <a:ea typeface="MS Mincho" panose="02020609040205080304" pitchFamily="49" charset="-128"/>
-                <a:cs typeface="Vrinda" panose="020B0502040204020203" pitchFamily="34" charset="0"/>
-              </a:rPr>
-              <a:t>√</a:t>
-            </a:r>
-            <a:r>
-              <a:rPr lang="en-US" sz="1500" dirty="0">
-                <a:effectLst/>
-                <a:latin typeface="Cambria" panose="02040503050406030204" pitchFamily="18" charset="0"/>
-                <a:ea typeface="MS Mincho" panose="02020609040205080304" pitchFamily="49" charset="-128"/>
-                <a:cs typeface="Vrinda" panose="020B0502040204020203" pitchFamily="34" charset="0"/>
-              </a:rPr>
-              <a:t>337 ≈ 1.198</a:t>
-            </a:r>
-          </a:p>
-          <a:p>
-            <a:pPr marL="0" marR="0" algn="just">
-              <a:lnSpc>
-                <a:spcPct val="115000"/>
-              </a:lnSpc>
-            </a:pPr>
-            <a:r>
-              <a:rPr lang="en-US" sz="1500" dirty="0">
-                <a:effectLst/>
-                <a:latin typeface="Cambria" panose="02040503050406030204" pitchFamily="18" charset="0"/>
-                <a:ea typeface="MS Mincho" panose="02020609040205080304" pitchFamily="49" charset="-128"/>
-                <a:cs typeface="Vrinda" panose="020B0502040204020203" pitchFamily="34" charset="0"/>
-              </a:rPr>
-              <a:t>Calculate the width:</a:t>
-            </a:r>
-          </a:p>
-          <a:p>
-            <a:pPr marL="0" marR="0" algn="just">
-              <a:lnSpc>
-                <a:spcPct val="115000"/>
-              </a:lnSpc>
-            </a:pPr>
-            <a:r>
-              <a:rPr lang="en-US" sz="1500" dirty="0">
-                <a:effectLst/>
-                <a:latin typeface="Cambria" panose="02040503050406030204" pitchFamily="18" charset="0"/>
-                <a:ea typeface="MS Mincho" panose="02020609040205080304" pitchFamily="49" charset="-128"/>
-                <a:cs typeface="Vrinda" panose="020B0502040204020203" pitchFamily="34" charset="0"/>
-              </a:rPr>
-              <a:t>    Width = 16x ≈ 16 * 1.198 </a:t>
-            </a:r>
-          </a:p>
-          <a:p>
-            <a:pPr marL="0" marR="0" algn="just">
-              <a:lnSpc>
-                <a:spcPct val="115000"/>
-              </a:lnSpc>
-            </a:pPr>
-            <a:r>
-              <a:rPr lang="en-US" sz="1500" dirty="0">
-                <a:latin typeface="Cambria" panose="02040503050406030204" pitchFamily="18" charset="0"/>
-                <a:ea typeface="MS Mincho" panose="02020609040205080304" pitchFamily="49" charset="-128"/>
-                <a:cs typeface="Vrinda" panose="020B0502040204020203" pitchFamily="34" charset="0"/>
-              </a:rPr>
-              <a:t>                 </a:t>
-            </a:r>
-            <a:r>
-              <a:rPr lang="en-US" sz="1500" dirty="0">
-                <a:effectLst/>
-                <a:latin typeface="Cambria" panose="02040503050406030204" pitchFamily="18" charset="0"/>
-                <a:ea typeface="MS Mincho" panose="02020609040205080304" pitchFamily="49" charset="-128"/>
-                <a:cs typeface="Vrinda" panose="020B0502040204020203" pitchFamily="34" charset="0"/>
-              </a:rPr>
-              <a:t>≈ 19.17 inches</a:t>
-            </a:r>
-          </a:p>
-          <a:p>
-            <a:pPr marL="0" marR="0" algn="just">
-              <a:lnSpc>
-                <a:spcPct val="115000"/>
-              </a:lnSpc>
-            </a:pPr>
-            <a:endParaRPr lang="en-US" sz="1500" dirty="0">
-              <a:effectLst/>
-              <a:latin typeface="Cambria" panose="02040503050406030204" pitchFamily="18" charset="0"/>
-              <a:ea typeface="MS Mincho" panose="02020609040205080304" pitchFamily="49" charset="-128"/>
-              <a:cs typeface="Vrinda" panose="020B0502040204020203" pitchFamily="34" charset="0"/>
-            </a:endParaRPr>
-          </a:p>
-          <a:p>
-            <a:pPr marL="0" marR="0" algn="just">
-              <a:lnSpc>
-                <a:spcPct val="115000"/>
-              </a:lnSpc>
-            </a:pPr>
-            <a:r>
-              <a:rPr lang="en-US" sz="1500" dirty="0">
-                <a:effectLst/>
-                <a:latin typeface="Cambria" panose="02040503050406030204" pitchFamily="18" charset="0"/>
-                <a:ea typeface="MS Mincho" panose="02020609040205080304" pitchFamily="49" charset="-128"/>
-                <a:cs typeface="Vrinda" panose="020B0502040204020203" pitchFamily="34" charset="0"/>
-              </a:rPr>
-              <a:t>Answer: Width ≈ 19.17 inches</a:t>
-            </a:r>
-          </a:p>
-        </p:txBody>
-      </p:sp>
-      <p:sp>
-        <p:nvSpPr>
-          <p:cNvPr id="10" name="TextBox 9">
-            <a:extLst>
-              <a:ext uri="{FF2B5EF4-FFF2-40B4-BE49-F238E27FC236}">
-                <a16:creationId xmlns:a16="http://schemas.microsoft.com/office/drawing/2014/main" id="{430051D2-B80C-74BA-7BEB-8ABCC135A761}"/>
-              </a:ext>
-            </a:extLst>
-          </p:cNvPr>
-          <p:cNvSpPr txBox="1"/>
-          <p:nvPr/>
-        </p:nvSpPr>
-        <p:spPr>
-          <a:xfrm>
-            <a:off x="4533899" y="712355"/>
-            <a:ext cx="3581402" cy="5909823"/>
-          </a:xfrm>
-          <a:prstGeom prst="rect">
-            <a:avLst/>
-          </a:prstGeom>
-          <a:noFill/>
-          <a:ln>
-            <a:solidFill>
-              <a:schemeClr val="accent1"/>
-            </a:solidFill>
-          </a:ln>
-        </p:spPr>
-        <p:txBody>
-          <a:bodyPr wrap="square">
-            <a:spAutoFit/>
-          </a:bodyPr>
-          <a:lstStyle/>
-          <a:p>
-            <a:pPr marL="0" marR="0">
-              <a:lnSpc>
-                <a:spcPct val="115000"/>
-              </a:lnSpc>
-            </a:pPr>
-            <a:r>
-              <a:rPr lang="en-US" sz="1500" b="1" dirty="0">
-                <a:effectLst/>
-                <a:latin typeface="Cambria" panose="02040503050406030204" pitchFamily="18" charset="0"/>
-                <a:ea typeface="MS Mincho" panose="02020609040205080304" pitchFamily="49" charset="-128"/>
-                <a:cs typeface="Vrinda" panose="020B0502040204020203" pitchFamily="34" charset="0"/>
-              </a:rPr>
-              <a:t>Example-2:</a:t>
-            </a:r>
-          </a:p>
-          <a:p>
-            <a:pPr marL="0" marR="0">
-              <a:lnSpc>
-                <a:spcPct val="115000"/>
-              </a:lnSpc>
-            </a:pPr>
-            <a:r>
-              <a:rPr lang="en-US" sz="1500" b="1" dirty="0">
-                <a:effectLst/>
-                <a:latin typeface="Cambria" panose="02040503050406030204" pitchFamily="18" charset="0"/>
-                <a:ea typeface="MS Mincho" panose="02020609040205080304" pitchFamily="49" charset="-128"/>
-                <a:cs typeface="Vrinda" panose="020B0502040204020203" pitchFamily="34" charset="0"/>
-              </a:rPr>
-              <a:t>Find the width and height of a 40 inch full HD(1920 X 1080) TV screen.</a:t>
-            </a:r>
-          </a:p>
-          <a:p>
-            <a:pPr marL="0" marR="0">
-              <a:lnSpc>
-                <a:spcPct val="115000"/>
-              </a:lnSpc>
-            </a:pPr>
-            <a:r>
-              <a:rPr lang="en-US" sz="1500" b="1" dirty="0">
-                <a:effectLst/>
-                <a:latin typeface="Cambria" panose="02040503050406030204" pitchFamily="18" charset="0"/>
-                <a:ea typeface="MS Mincho" panose="02020609040205080304" pitchFamily="49" charset="-128"/>
-                <a:cs typeface="Vrinda" panose="020B0502040204020203" pitchFamily="34" charset="0"/>
-              </a:rPr>
-              <a:t>Solution:</a:t>
-            </a:r>
-          </a:p>
-          <a:p>
-            <a:pPr marL="0" marR="0">
-              <a:lnSpc>
-                <a:spcPct val="115000"/>
-              </a:lnSpc>
-            </a:pPr>
-            <a:r>
-              <a:rPr lang="en-US" sz="1500" dirty="0">
-                <a:effectLst/>
-                <a:latin typeface="Cambria" panose="02040503050406030204" pitchFamily="18" charset="0"/>
-                <a:ea typeface="MS Mincho" panose="02020609040205080304" pitchFamily="49" charset="-128"/>
-                <a:cs typeface="Vrinda" panose="020B0502040204020203" pitchFamily="34" charset="0"/>
-              </a:rPr>
-              <a:t>1. Screen size: 40 inches (diagonal)</a:t>
-            </a:r>
-          </a:p>
-          <a:p>
-            <a:pPr marL="0" marR="0">
-              <a:lnSpc>
-                <a:spcPct val="115000"/>
-              </a:lnSpc>
-            </a:pPr>
-            <a:r>
-              <a:rPr lang="en-US" sz="1500" dirty="0">
-                <a:effectLst/>
-                <a:latin typeface="Cambria" panose="02040503050406030204" pitchFamily="18" charset="0"/>
-                <a:ea typeface="MS Mincho" panose="02020609040205080304" pitchFamily="49" charset="-128"/>
-                <a:cs typeface="Vrinda" panose="020B0502040204020203" pitchFamily="34" charset="0"/>
-              </a:rPr>
-              <a:t>2. Aspect ratio: 16:9</a:t>
-            </a:r>
-          </a:p>
-          <a:p>
-            <a:pPr marL="0" marR="0">
-              <a:lnSpc>
-                <a:spcPct val="115000"/>
-              </a:lnSpc>
-            </a:pPr>
-            <a:r>
-              <a:rPr lang="en-US" sz="1500" dirty="0">
-                <a:effectLst/>
-                <a:latin typeface="Cambria" panose="02040503050406030204" pitchFamily="18" charset="0"/>
-                <a:ea typeface="MS Mincho" panose="02020609040205080304" pitchFamily="49" charset="-128"/>
-                <a:cs typeface="Vrinda" panose="020B0502040204020203" pitchFamily="34" charset="0"/>
-              </a:rPr>
-              <a:t>Using the same method, </a:t>
-            </a:r>
-          </a:p>
-          <a:p>
-            <a:pPr marL="0" marR="0">
-              <a:lnSpc>
-                <a:spcPct val="115000"/>
-              </a:lnSpc>
-            </a:pPr>
-            <a:r>
-              <a:rPr lang="en-US" sz="1500" dirty="0">
-                <a:effectLst/>
-                <a:latin typeface="Cambria" panose="02040503050406030204" pitchFamily="18" charset="0"/>
-                <a:ea typeface="MS Mincho" panose="02020609040205080304" pitchFamily="49" charset="-128"/>
-                <a:cs typeface="Vrinda" panose="020B0502040204020203" pitchFamily="34" charset="0"/>
-              </a:rPr>
-              <a:t>Let, width = 16x </a:t>
-            </a:r>
-          </a:p>
-          <a:p>
-            <a:pPr marL="0" marR="0">
-              <a:lnSpc>
-                <a:spcPct val="115000"/>
-              </a:lnSpc>
-            </a:pPr>
-            <a:r>
-              <a:rPr lang="en-US" sz="1500" dirty="0">
-                <a:effectLst/>
-                <a:latin typeface="Cambria" panose="02040503050406030204" pitchFamily="18" charset="0"/>
-                <a:ea typeface="MS Mincho" panose="02020609040205080304" pitchFamily="49" charset="-128"/>
-                <a:cs typeface="Vrinda" panose="020B0502040204020203" pitchFamily="34" charset="0"/>
-              </a:rPr>
-              <a:t>height = 9x.</a:t>
-            </a:r>
-          </a:p>
-          <a:p>
-            <a:pPr>
-              <a:lnSpc>
-                <a:spcPct val="115000"/>
-              </a:lnSpc>
-            </a:pPr>
-            <a:r>
-              <a:rPr lang="en-US" sz="1500" dirty="0">
-                <a:effectLst/>
-                <a:latin typeface="Cambria" panose="02040503050406030204" pitchFamily="18" charset="0"/>
-                <a:ea typeface="MS Mincho" panose="02020609040205080304" pitchFamily="49" charset="-128"/>
-                <a:cs typeface="Vrinda" panose="020B0502040204020203" pitchFamily="34" charset="0"/>
-              </a:rPr>
-              <a:t>The diagonal in terms of x is:</a:t>
-            </a:r>
-          </a:p>
-          <a:p>
-            <a:pPr marL="0" marR="0">
-              <a:lnSpc>
-                <a:spcPct val="115000"/>
-              </a:lnSpc>
-            </a:pPr>
-            <a:r>
-              <a:rPr lang="en-US" sz="1500" dirty="0">
-                <a:effectLst/>
-                <a:latin typeface="Cambria" panose="02040503050406030204" pitchFamily="18" charset="0"/>
-                <a:ea typeface="MS Mincho" panose="02020609040205080304" pitchFamily="49" charset="-128"/>
-                <a:cs typeface="Vrinda" panose="020B0502040204020203" pitchFamily="34" charset="0"/>
-              </a:rPr>
-              <a:t>    </a:t>
-            </a:r>
-            <a:r>
-              <a:rPr lang="en-US" sz="1500" dirty="0">
-                <a:effectLst/>
-                <a:latin typeface="MS Mincho" panose="02020609040205080304" pitchFamily="49" charset="-128"/>
-                <a:ea typeface="MS Mincho" panose="02020609040205080304" pitchFamily="49" charset="-128"/>
-                <a:cs typeface="Vrinda" panose="020B0502040204020203" pitchFamily="34" charset="0"/>
-              </a:rPr>
-              <a:t>√</a:t>
-            </a:r>
-            <a:r>
-              <a:rPr lang="en-US" sz="1500" dirty="0">
-                <a:effectLst/>
-                <a:latin typeface="Cambria" panose="02040503050406030204" pitchFamily="18" charset="0"/>
-                <a:ea typeface="MS Mincho" panose="02020609040205080304" pitchFamily="49" charset="-128"/>
-                <a:cs typeface="Vrinda" panose="020B0502040204020203" pitchFamily="34" charset="0"/>
-              </a:rPr>
-              <a:t>((16x)</a:t>
-            </a:r>
-            <a:r>
-              <a:rPr lang="en-US" sz="1500" baseline="30000" dirty="0">
-                <a:effectLst/>
-                <a:latin typeface="Cambria" panose="02040503050406030204" pitchFamily="18" charset="0"/>
-                <a:ea typeface="MS Mincho" panose="02020609040205080304" pitchFamily="49" charset="-128"/>
-                <a:cs typeface="Vrinda" panose="020B0502040204020203" pitchFamily="34" charset="0"/>
-              </a:rPr>
-              <a:t>2 </a:t>
-            </a:r>
-            <a:r>
-              <a:rPr lang="en-US" sz="1500" dirty="0">
-                <a:effectLst/>
-                <a:latin typeface="Cambria" panose="02040503050406030204" pitchFamily="18" charset="0"/>
-                <a:ea typeface="MS Mincho" panose="02020609040205080304" pitchFamily="49" charset="-128"/>
-                <a:cs typeface="Vrinda" panose="020B0502040204020203" pitchFamily="34" charset="0"/>
-              </a:rPr>
-              <a:t>+ (9x)</a:t>
-            </a:r>
-            <a:r>
-              <a:rPr lang="en-US" sz="1500" baseline="30000" dirty="0">
-                <a:effectLst/>
-                <a:latin typeface="Cambria" panose="02040503050406030204" pitchFamily="18" charset="0"/>
-                <a:ea typeface="MS Mincho" panose="02020609040205080304" pitchFamily="49" charset="-128"/>
-                <a:cs typeface="Vrinda" panose="020B0502040204020203" pitchFamily="34" charset="0"/>
-              </a:rPr>
-              <a:t>2</a:t>
-            </a:r>
-            <a:r>
-              <a:rPr lang="en-US" sz="1500" dirty="0">
-                <a:effectLst/>
-                <a:latin typeface="Cambria" panose="02040503050406030204" pitchFamily="18" charset="0"/>
-                <a:ea typeface="MS Mincho" panose="02020609040205080304" pitchFamily="49" charset="-128"/>
-                <a:cs typeface="Vrinda" panose="020B0502040204020203" pitchFamily="34" charset="0"/>
-              </a:rPr>
-              <a:t>) = 40</a:t>
-            </a:r>
-          </a:p>
-          <a:p>
-            <a:pPr marL="0" marR="0">
-              <a:lnSpc>
-                <a:spcPct val="115000"/>
-              </a:lnSpc>
-            </a:pPr>
-            <a:r>
-              <a:rPr lang="en-US" sz="1500" dirty="0">
-                <a:effectLst/>
-                <a:latin typeface="Cambria" panose="02040503050406030204" pitchFamily="18" charset="0"/>
-                <a:ea typeface="MS Mincho" panose="02020609040205080304" pitchFamily="49" charset="-128"/>
-                <a:cs typeface="Vrinda" panose="020B0502040204020203" pitchFamily="34" charset="0"/>
-              </a:rPr>
-              <a:t>    </a:t>
-            </a:r>
-            <a:r>
-              <a:rPr lang="en-US" sz="1500" dirty="0">
-                <a:effectLst/>
-                <a:latin typeface="MS Mincho" panose="02020609040205080304" pitchFamily="49" charset="-128"/>
-                <a:ea typeface="MS Mincho" panose="02020609040205080304" pitchFamily="49" charset="-128"/>
-                <a:cs typeface="Vrinda" panose="020B0502040204020203" pitchFamily="34" charset="0"/>
-              </a:rPr>
-              <a:t>√</a:t>
-            </a:r>
-            <a:r>
-              <a:rPr lang="en-US" sz="1500" dirty="0">
-                <a:effectLst/>
-                <a:latin typeface="Cambria" panose="02040503050406030204" pitchFamily="18" charset="0"/>
-                <a:ea typeface="MS Mincho" panose="02020609040205080304" pitchFamily="49" charset="-128"/>
-                <a:cs typeface="Vrinda" panose="020B0502040204020203" pitchFamily="34" charset="0"/>
-              </a:rPr>
-              <a:t>(256x</a:t>
-            </a:r>
-            <a:r>
-              <a:rPr lang="en-US" sz="1500" baseline="30000" dirty="0">
-                <a:effectLst/>
-                <a:latin typeface="Cambria" panose="02040503050406030204" pitchFamily="18" charset="0"/>
-                <a:ea typeface="MS Mincho" panose="02020609040205080304" pitchFamily="49" charset="-128"/>
-                <a:cs typeface="Vrinda" panose="020B0502040204020203" pitchFamily="34" charset="0"/>
-              </a:rPr>
-              <a:t>2</a:t>
-            </a:r>
-            <a:r>
-              <a:rPr lang="en-US" sz="1500" dirty="0">
-                <a:effectLst/>
-                <a:latin typeface="Cambria" panose="02040503050406030204" pitchFamily="18" charset="0"/>
-                <a:ea typeface="MS Mincho" panose="02020609040205080304" pitchFamily="49" charset="-128"/>
-                <a:cs typeface="Vrinda" panose="020B0502040204020203" pitchFamily="34" charset="0"/>
-              </a:rPr>
-              <a:t> + 81x</a:t>
-            </a:r>
-            <a:r>
-              <a:rPr lang="en-US" sz="1500" baseline="30000" dirty="0">
-                <a:effectLst/>
-                <a:latin typeface="Cambria" panose="02040503050406030204" pitchFamily="18" charset="0"/>
-                <a:ea typeface="MS Mincho" panose="02020609040205080304" pitchFamily="49" charset="-128"/>
-                <a:cs typeface="Vrinda" panose="020B0502040204020203" pitchFamily="34" charset="0"/>
-              </a:rPr>
-              <a:t>2</a:t>
-            </a:r>
-            <a:r>
-              <a:rPr lang="en-US" sz="1500" dirty="0">
-                <a:effectLst/>
-                <a:latin typeface="Cambria" panose="02040503050406030204" pitchFamily="18" charset="0"/>
-                <a:ea typeface="MS Mincho" panose="02020609040205080304" pitchFamily="49" charset="-128"/>
-                <a:cs typeface="Vrinda" panose="020B0502040204020203" pitchFamily="34" charset="0"/>
-              </a:rPr>
-              <a:t>) = 40</a:t>
-            </a:r>
-          </a:p>
-          <a:p>
-            <a:pPr marL="0" marR="0">
-              <a:lnSpc>
-                <a:spcPct val="115000"/>
-              </a:lnSpc>
-            </a:pPr>
-            <a:r>
-              <a:rPr lang="en-US" sz="1500" dirty="0">
-                <a:effectLst/>
-                <a:latin typeface="Cambria" panose="02040503050406030204" pitchFamily="18" charset="0"/>
-                <a:ea typeface="MS Mincho" panose="02020609040205080304" pitchFamily="49" charset="-128"/>
-                <a:cs typeface="Vrinda" panose="020B0502040204020203" pitchFamily="34" charset="0"/>
-              </a:rPr>
-              <a:t>    </a:t>
-            </a:r>
-            <a:r>
-              <a:rPr lang="en-US" sz="1500" dirty="0">
-                <a:effectLst/>
-                <a:latin typeface="MS Mincho" panose="02020609040205080304" pitchFamily="49" charset="-128"/>
-                <a:ea typeface="MS Mincho" panose="02020609040205080304" pitchFamily="49" charset="-128"/>
-                <a:cs typeface="Vrinda" panose="020B0502040204020203" pitchFamily="34" charset="0"/>
-              </a:rPr>
-              <a:t>√</a:t>
-            </a:r>
-            <a:r>
-              <a:rPr lang="en-US" sz="1500" dirty="0">
-                <a:effectLst/>
-                <a:latin typeface="Cambria" panose="02040503050406030204" pitchFamily="18" charset="0"/>
-                <a:ea typeface="MS Mincho" panose="02020609040205080304" pitchFamily="49" charset="-128"/>
-                <a:cs typeface="Vrinda" panose="020B0502040204020203" pitchFamily="34" charset="0"/>
-              </a:rPr>
-              <a:t>337x</a:t>
-            </a:r>
-            <a:r>
-              <a:rPr lang="en-US" sz="1500" baseline="30000" dirty="0">
-                <a:effectLst/>
-                <a:latin typeface="Cambria" panose="02040503050406030204" pitchFamily="18" charset="0"/>
-                <a:ea typeface="MS Mincho" panose="02020609040205080304" pitchFamily="49" charset="-128"/>
-                <a:cs typeface="Vrinda" panose="020B0502040204020203" pitchFamily="34" charset="0"/>
-              </a:rPr>
-              <a:t>2</a:t>
-            </a:r>
-            <a:r>
-              <a:rPr lang="en-US" sz="1500" dirty="0">
-                <a:effectLst/>
-                <a:latin typeface="Cambria" panose="02040503050406030204" pitchFamily="18" charset="0"/>
-                <a:ea typeface="MS Mincho" panose="02020609040205080304" pitchFamily="49" charset="-128"/>
-                <a:cs typeface="Vrinda" panose="020B0502040204020203" pitchFamily="34" charset="0"/>
-              </a:rPr>
-              <a:t> = 40</a:t>
-            </a:r>
-          </a:p>
-          <a:p>
-            <a:pPr marL="0" marR="0">
-              <a:lnSpc>
-                <a:spcPct val="115000"/>
-              </a:lnSpc>
-            </a:pPr>
-            <a:r>
-              <a:rPr lang="en-US" sz="1500" dirty="0">
-                <a:effectLst/>
-                <a:latin typeface="Cambria" panose="02040503050406030204" pitchFamily="18" charset="0"/>
-                <a:ea typeface="MS Mincho" panose="02020609040205080304" pitchFamily="49" charset="-128"/>
-                <a:cs typeface="Vrinda" panose="020B0502040204020203" pitchFamily="34" charset="0"/>
-              </a:rPr>
-              <a:t>    x = 40 / </a:t>
-            </a:r>
-            <a:r>
-              <a:rPr lang="en-US" sz="1500" dirty="0">
-                <a:effectLst/>
-                <a:latin typeface="MS Mincho" panose="02020609040205080304" pitchFamily="49" charset="-128"/>
-                <a:ea typeface="MS Mincho" panose="02020609040205080304" pitchFamily="49" charset="-128"/>
-                <a:cs typeface="Vrinda" panose="020B0502040204020203" pitchFamily="34" charset="0"/>
-              </a:rPr>
-              <a:t>√</a:t>
-            </a:r>
-            <a:r>
-              <a:rPr lang="en-US" sz="1500" dirty="0">
-                <a:effectLst/>
-                <a:latin typeface="Cambria" panose="02040503050406030204" pitchFamily="18" charset="0"/>
-                <a:ea typeface="MS Mincho" panose="02020609040205080304" pitchFamily="49" charset="-128"/>
-                <a:cs typeface="Vrinda" panose="020B0502040204020203" pitchFamily="34" charset="0"/>
-              </a:rPr>
-              <a:t>337 = 2.178</a:t>
-            </a:r>
-          </a:p>
-          <a:p>
-            <a:pPr marL="0" marR="0">
-              <a:lnSpc>
-                <a:spcPct val="115000"/>
-              </a:lnSpc>
-            </a:pPr>
-            <a:r>
-              <a:rPr lang="en-US" sz="1500" dirty="0">
-                <a:effectLst/>
-                <a:latin typeface="Cambria" panose="02040503050406030204" pitchFamily="18" charset="0"/>
-                <a:ea typeface="MS Mincho" panose="02020609040205080304" pitchFamily="49" charset="-128"/>
-                <a:cs typeface="Vrinda" panose="020B0502040204020203" pitchFamily="34" charset="0"/>
-              </a:rPr>
-              <a:t>Calculate the width and height:</a:t>
-            </a:r>
-          </a:p>
-          <a:p>
-            <a:pPr marL="0" marR="0">
-              <a:lnSpc>
-                <a:spcPct val="115000"/>
-              </a:lnSpc>
-            </a:pPr>
-            <a:r>
-              <a:rPr lang="en-US" sz="1500" dirty="0">
-                <a:effectLst/>
-                <a:latin typeface="Cambria" panose="02040503050406030204" pitchFamily="18" charset="0"/>
-                <a:ea typeface="MS Mincho" panose="02020609040205080304" pitchFamily="49" charset="-128"/>
-                <a:cs typeface="Vrinda" panose="020B0502040204020203" pitchFamily="34" charset="0"/>
-              </a:rPr>
-              <a:t>    Width = 16x ≈ 16 * 2.178 </a:t>
-            </a:r>
-          </a:p>
-          <a:p>
-            <a:pPr marL="0" marR="0">
-              <a:lnSpc>
-                <a:spcPct val="115000"/>
-              </a:lnSpc>
-            </a:pPr>
-            <a:r>
-              <a:rPr lang="en-US" sz="1500" dirty="0">
-                <a:latin typeface="Cambria" panose="02040503050406030204" pitchFamily="18" charset="0"/>
-                <a:ea typeface="MS Mincho" panose="02020609040205080304" pitchFamily="49" charset="-128"/>
-                <a:cs typeface="Vrinda" panose="020B0502040204020203" pitchFamily="34" charset="0"/>
-              </a:rPr>
-              <a:t>                 </a:t>
-            </a:r>
-            <a:r>
-              <a:rPr lang="en-US" sz="1500" dirty="0">
-                <a:effectLst/>
-                <a:latin typeface="Cambria" panose="02040503050406030204" pitchFamily="18" charset="0"/>
-                <a:ea typeface="MS Mincho" panose="02020609040205080304" pitchFamily="49" charset="-128"/>
-                <a:cs typeface="Vrinda" panose="020B0502040204020203" pitchFamily="34" charset="0"/>
-              </a:rPr>
-              <a:t>≈ 34.863 inches</a:t>
-            </a:r>
-          </a:p>
-          <a:p>
-            <a:pPr marL="0" marR="0">
-              <a:lnSpc>
-                <a:spcPct val="115000"/>
-              </a:lnSpc>
-            </a:pPr>
-            <a:r>
-              <a:rPr lang="en-US" sz="1500" dirty="0">
-                <a:effectLst/>
-                <a:latin typeface="Cambria" panose="02040503050406030204" pitchFamily="18" charset="0"/>
-                <a:ea typeface="MS Mincho" panose="02020609040205080304" pitchFamily="49" charset="-128"/>
-                <a:cs typeface="Vrinda" panose="020B0502040204020203" pitchFamily="34" charset="0"/>
-              </a:rPr>
-              <a:t>    Height = 9x ≈ 9 *2.178 </a:t>
-            </a:r>
-          </a:p>
-          <a:p>
-            <a:pPr marL="0" marR="0">
-              <a:lnSpc>
-                <a:spcPct val="115000"/>
-              </a:lnSpc>
-            </a:pPr>
-            <a:r>
-              <a:rPr lang="en-US" sz="1500" dirty="0">
-                <a:latin typeface="Cambria" panose="02040503050406030204" pitchFamily="18" charset="0"/>
-                <a:ea typeface="MS Mincho" panose="02020609040205080304" pitchFamily="49" charset="-128"/>
-                <a:cs typeface="Vrinda" panose="020B0502040204020203" pitchFamily="34" charset="0"/>
-              </a:rPr>
-              <a:t>                  </a:t>
-            </a:r>
-            <a:r>
-              <a:rPr lang="en-US" sz="1500" dirty="0">
-                <a:effectLst/>
-                <a:latin typeface="Cambria" panose="02040503050406030204" pitchFamily="18" charset="0"/>
-                <a:ea typeface="MS Mincho" panose="02020609040205080304" pitchFamily="49" charset="-128"/>
-                <a:cs typeface="Vrinda" panose="020B0502040204020203" pitchFamily="34" charset="0"/>
-              </a:rPr>
-              <a:t>≈ 19.61 inches</a:t>
-            </a:r>
-          </a:p>
-          <a:p>
-            <a:pPr marL="0" marR="0">
-              <a:lnSpc>
-                <a:spcPct val="115000"/>
-              </a:lnSpc>
-            </a:pPr>
-            <a:endParaRPr lang="en-US" sz="1500" dirty="0">
-              <a:effectLst/>
-              <a:latin typeface="Cambria" panose="02040503050406030204" pitchFamily="18" charset="0"/>
-              <a:ea typeface="MS Mincho" panose="02020609040205080304" pitchFamily="49" charset="-128"/>
-              <a:cs typeface="Vrinda" panose="020B0502040204020203" pitchFamily="34" charset="0"/>
-            </a:endParaRPr>
-          </a:p>
-          <a:p>
-            <a:pPr marL="0" marR="0">
-              <a:lnSpc>
-                <a:spcPct val="115000"/>
-              </a:lnSpc>
-            </a:pPr>
-            <a:r>
-              <a:rPr lang="en-US" sz="1500" dirty="0">
-                <a:effectLst/>
-                <a:latin typeface="Cambria" panose="02040503050406030204" pitchFamily="18" charset="0"/>
-                <a:ea typeface="MS Mincho" panose="02020609040205080304" pitchFamily="49" charset="-128"/>
-                <a:cs typeface="Vrinda" panose="020B0502040204020203" pitchFamily="34" charset="0"/>
-              </a:rPr>
-              <a:t>Answer: Width ≈ 34.863 inches, </a:t>
-            </a:r>
-          </a:p>
-          <a:p>
-            <a:pPr marL="0" marR="0">
-              <a:lnSpc>
-                <a:spcPct val="115000"/>
-              </a:lnSpc>
-            </a:pPr>
-            <a:r>
-              <a:rPr lang="en-US" sz="1500" dirty="0">
-                <a:effectLst/>
-                <a:latin typeface="Cambria" panose="02040503050406030204" pitchFamily="18" charset="0"/>
-                <a:ea typeface="MS Mincho" panose="02020609040205080304" pitchFamily="49" charset="-128"/>
-                <a:cs typeface="Vrinda" panose="020B0502040204020203" pitchFamily="34" charset="0"/>
-              </a:rPr>
-              <a:t>Height ≈ 19.61 inches</a:t>
-            </a:r>
-          </a:p>
-        </p:txBody>
-      </p:sp>
-      <p:sp>
-        <p:nvSpPr>
-          <p:cNvPr id="11" name="TextBox 10">
-            <a:extLst>
-              <a:ext uri="{FF2B5EF4-FFF2-40B4-BE49-F238E27FC236}">
-                <a16:creationId xmlns:a16="http://schemas.microsoft.com/office/drawing/2014/main" id="{C55ED1E7-633B-E035-2BF3-8AF5BE55227B}"/>
-              </a:ext>
-            </a:extLst>
-          </p:cNvPr>
-          <p:cNvSpPr txBox="1"/>
-          <p:nvPr/>
-        </p:nvSpPr>
-        <p:spPr>
-          <a:xfrm>
-            <a:off x="8660861" y="712355"/>
-            <a:ext cx="3295244" cy="5644366"/>
-          </a:xfrm>
-          <a:prstGeom prst="rect">
-            <a:avLst/>
-          </a:prstGeom>
-          <a:noFill/>
-          <a:ln>
-            <a:solidFill>
-              <a:schemeClr val="accent1"/>
-            </a:solidFill>
-          </a:ln>
-        </p:spPr>
-        <p:txBody>
-          <a:bodyPr wrap="square">
-            <a:spAutoFit/>
-          </a:bodyPr>
-          <a:lstStyle/>
-          <a:p>
-            <a:pPr marL="0" marR="0" algn="just">
-              <a:lnSpc>
-                <a:spcPct val="115000"/>
-              </a:lnSpc>
-            </a:pPr>
-            <a:r>
-              <a:rPr lang="en-US" sz="1500" b="1" dirty="0">
-                <a:effectLst/>
-                <a:latin typeface="Cambria" panose="02040503050406030204" pitchFamily="18" charset="0"/>
-                <a:ea typeface="MS Mincho" panose="02020609040205080304" pitchFamily="49" charset="-128"/>
-                <a:cs typeface="Vrinda" panose="020B0502040204020203" pitchFamily="34" charset="0"/>
-              </a:rPr>
-              <a:t>Example-3:</a:t>
-            </a:r>
-          </a:p>
-          <a:p>
-            <a:pPr marL="0" marR="0" algn="just">
-              <a:lnSpc>
-                <a:spcPct val="115000"/>
-              </a:lnSpc>
-            </a:pPr>
-            <a:r>
-              <a:rPr lang="en-US" sz="1500" b="1" dirty="0">
-                <a:effectLst/>
-                <a:latin typeface="Cambria" panose="02040503050406030204" pitchFamily="18" charset="0"/>
-                <a:ea typeface="MS Mincho" panose="02020609040205080304" pitchFamily="49" charset="-128"/>
-                <a:cs typeface="Vrinda" panose="020B0502040204020203" pitchFamily="34" charset="0"/>
-              </a:rPr>
-              <a:t>Find the width and </a:t>
-            </a:r>
-            <a:r>
-              <a:rPr lang="en-US" sz="1500" b="1" dirty="0" err="1">
-                <a:effectLst/>
-                <a:latin typeface="Cambria" panose="02040503050406030204" pitchFamily="18" charset="0"/>
-                <a:ea typeface="MS Mincho" panose="02020609040205080304" pitchFamily="49" charset="-128"/>
-                <a:cs typeface="Vrinda" panose="020B0502040204020203" pitchFamily="34" charset="0"/>
-              </a:rPr>
-              <a:t>heigth</a:t>
-            </a:r>
-            <a:r>
-              <a:rPr lang="en-US" sz="1500" b="1" dirty="0">
-                <a:effectLst/>
-                <a:latin typeface="Cambria" panose="02040503050406030204" pitchFamily="18" charset="0"/>
-                <a:ea typeface="MS Mincho" panose="02020609040205080304" pitchFamily="49" charset="-128"/>
-                <a:cs typeface="Vrinda" panose="020B0502040204020203" pitchFamily="34" charset="0"/>
-              </a:rPr>
-              <a:t> of an older 20 inch TV whose screen has an aspect ratio of 4:3.</a:t>
-            </a:r>
-          </a:p>
-          <a:p>
-            <a:pPr marL="0" marR="0" algn="just">
-              <a:lnSpc>
-                <a:spcPct val="115000"/>
-              </a:lnSpc>
-            </a:pPr>
-            <a:r>
-              <a:rPr lang="en-US" sz="1500" b="1" dirty="0">
-                <a:effectLst/>
-                <a:latin typeface="Cambria" panose="02040503050406030204" pitchFamily="18" charset="0"/>
-                <a:ea typeface="MS Mincho" panose="02020609040205080304" pitchFamily="49" charset="-128"/>
-                <a:cs typeface="Vrinda" panose="020B0502040204020203" pitchFamily="34" charset="0"/>
-              </a:rPr>
-              <a:t>Solution:</a:t>
-            </a:r>
-          </a:p>
-          <a:p>
-            <a:pPr marL="0" marR="0" algn="just">
-              <a:lnSpc>
-                <a:spcPct val="115000"/>
-              </a:lnSpc>
-            </a:pPr>
-            <a:r>
-              <a:rPr lang="en-US" sz="1500" dirty="0">
-                <a:effectLst/>
-                <a:latin typeface="Cambria" panose="02040503050406030204" pitchFamily="18" charset="0"/>
-                <a:ea typeface="MS Mincho" panose="02020609040205080304" pitchFamily="49" charset="-128"/>
-                <a:cs typeface="Vrinda" panose="020B0502040204020203" pitchFamily="34" charset="0"/>
-              </a:rPr>
-              <a:t>1. Screen size: 20 inches (diagonal)</a:t>
-            </a:r>
-          </a:p>
-          <a:p>
-            <a:pPr marL="0" marR="0" algn="just">
-              <a:lnSpc>
-                <a:spcPct val="115000"/>
-              </a:lnSpc>
-            </a:pPr>
-            <a:r>
-              <a:rPr lang="en-US" sz="1500" dirty="0">
-                <a:effectLst/>
-                <a:latin typeface="Cambria" panose="02040503050406030204" pitchFamily="18" charset="0"/>
-                <a:ea typeface="MS Mincho" panose="02020609040205080304" pitchFamily="49" charset="-128"/>
-                <a:cs typeface="Vrinda" panose="020B0502040204020203" pitchFamily="34" charset="0"/>
-              </a:rPr>
-              <a:t>2. Aspect ratio: 4:3</a:t>
-            </a:r>
-          </a:p>
-          <a:p>
-            <a:pPr marL="0" marR="0" algn="just">
-              <a:lnSpc>
-                <a:spcPct val="115000"/>
-              </a:lnSpc>
-            </a:pPr>
-            <a:r>
-              <a:rPr lang="en-US" sz="1500" dirty="0">
-                <a:effectLst/>
-                <a:latin typeface="Cambria" panose="02040503050406030204" pitchFamily="18" charset="0"/>
-                <a:ea typeface="MS Mincho" panose="02020609040205080304" pitchFamily="49" charset="-128"/>
-                <a:cs typeface="Vrinda" panose="020B0502040204020203" pitchFamily="34" charset="0"/>
-              </a:rPr>
-              <a:t>Let, width = 4x</a:t>
-            </a:r>
-          </a:p>
-          <a:p>
-            <a:pPr marL="0" marR="0" algn="just">
-              <a:lnSpc>
-                <a:spcPct val="115000"/>
-              </a:lnSpc>
-            </a:pPr>
-            <a:r>
-              <a:rPr lang="en-US" sz="1500" dirty="0">
-                <a:effectLst/>
-                <a:latin typeface="Cambria" panose="02040503050406030204" pitchFamily="18" charset="0"/>
-                <a:ea typeface="MS Mincho" panose="02020609040205080304" pitchFamily="49" charset="-128"/>
-                <a:cs typeface="Vrinda" panose="020B0502040204020203" pitchFamily="34" charset="0"/>
-              </a:rPr>
-              <a:t>height = 3x.</a:t>
-            </a:r>
-          </a:p>
-          <a:p>
-            <a:pPr marL="0" marR="0" algn="just">
-              <a:lnSpc>
-                <a:spcPct val="115000"/>
-              </a:lnSpc>
-            </a:pPr>
-            <a:endParaRPr lang="en-US" sz="1500" dirty="0">
-              <a:effectLst/>
-              <a:latin typeface="Cambria" panose="02040503050406030204" pitchFamily="18" charset="0"/>
-              <a:ea typeface="MS Mincho" panose="02020609040205080304" pitchFamily="49" charset="-128"/>
-              <a:cs typeface="Vrinda" panose="020B0502040204020203" pitchFamily="34" charset="0"/>
-            </a:endParaRPr>
-          </a:p>
-          <a:p>
-            <a:pPr algn="just">
-              <a:lnSpc>
-                <a:spcPct val="115000"/>
-              </a:lnSpc>
-            </a:pPr>
-            <a:r>
-              <a:rPr lang="en-US" sz="1500" dirty="0">
-                <a:effectLst/>
-                <a:latin typeface="Cambria" panose="02040503050406030204" pitchFamily="18" charset="0"/>
-                <a:ea typeface="MS Mincho" panose="02020609040205080304" pitchFamily="49" charset="-128"/>
-                <a:cs typeface="Vrinda" panose="020B0502040204020203" pitchFamily="34" charset="0"/>
-              </a:rPr>
-              <a:t>The diagonal in terms of x is:</a:t>
-            </a:r>
-          </a:p>
-          <a:p>
-            <a:pPr marL="0" marR="0" algn="just">
-              <a:lnSpc>
-                <a:spcPct val="115000"/>
-              </a:lnSpc>
-            </a:pPr>
-            <a:r>
-              <a:rPr lang="en-US" sz="1500" dirty="0">
-                <a:effectLst/>
-                <a:latin typeface="Cambria" panose="02040503050406030204" pitchFamily="18" charset="0"/>
-                <a:ea typeface="MS Mincho" panose="02020609040205080304" pitchFamily="49" charset="-128"/>
-                <a:cs typeface="Vrinda" panose="020B0502040204020203" pitchFamily="34" charset="0"/>
-              </a:rPr>
-              <a:t>    </a:t>
-            </a:r>
-            <a:r>
-              <a:rPr lang="en-US" sz="1500" dirty="0">
-                <a:effectLst/>
-                <a:latin typeface="MS Mincho" panose="02020609040205080304" pitchFamily="49" charset="-128"/>
-                <a:ea typeface="MS Mincho" panose="02020609040205080304" pitchFamily="49" charset="-128"/>
-                <a:cs typeface="Vrinda" panose="020B0502040204020203" pitchFamily="34" charset="0"/>
-              </a:rPr>
-              <a:t>√</a:t>
-            </a:r>
-            <a:r>
-              <a:rPr lang="en-US" sz="1500" dirty="0">
-                <a:effectLst/>
-                <a:latin typeface="Cambria" panose="02040503050406030204" pitchFamily="18" charset="0"/>
-                <a:ea typeface="MS Mincho" panose="02020609040205080304" pitchFamily="49" charset="-128"/>
-                <a:cs typeface="Vrinda" panose="020B0502040204020203" pitchFamily="34" charset="0"/>
-              </a:rPr>
-              <a:t>((4x)</a:t>
-            </a:r>
-            <a:r>
-              <a:rPr lang="en-US" sz="1500" baseline="30000" dirty="0">
-                <a:effectLst/>
-                <a:latin typeface="Cambria" panose="02040503050406030204" pitchFamily="18" charset="0"/>
-                <a:ea typeface="MS Mincho" panose="02020609040205080304" pitchFamily="49" charset="-128"/>
-                <a:cs typeface="Vrinda" panose="020B0502040204020203" pitchFamily="34" charset="0"/>
-              </a:rPr>
-              <a:t>2</a:t>
-            </a:r>
-            <a:r>
-              <a:rPr lang="en-US" sz="1500" dirty="0">
-                <a:effectLst/>
-                <a:latin typeface="Cambria" panose="02040503050406030204" pitchFamily="18" charset="0"/>
-                <a:ea typeface="MS Mincho" panose="02020609040205080304" pitchFamily="49" charset="-128"/>
-                <a:cs typeface="Vrinda" panose="020B0502040204020203" pitchFamily="34" charset="0"/>
-              </a:rPr>
-              <a:t> + (3x)</a:t>
-            </a:r>
-            <a:r>
-              <a:rPr lang="en-US" sz="1500" baseline="30000" dirty="0">
-                <a:effectLst/>
-                <a:latin typeface="Cambria" panose="02040503050406030204" pitchFamily="18" charset="0"/>
-                <a:ea typeface="MS Mincho" panose="02020609040205080304" pitchFamily="49" charset="-128"/>
-                <a:cs typeface="Vrinda" panose="020B0502040204020203" pitchFamily="34" charset="0"/>
-              </a:rPr>
-              <a:t>2</a:t>
-            </a:r>
-            <a:r>
-              <a:rPr lang="en-US" sz="1500" dirty="0">
-                <a:effectLst/>
-                <a:latin typeface="Cambria" panose="02040503050406030204" pitchFamily="18" charset="0"/>
-                <a:ea typeface="MS Mincho" panose="02020609040205080304" pitchFamily="49" charset="-128"/>
-                <a:cs typeface="Vrinda" panose="020B0502040204020203" pitchFamily="34" charset="0"/>
-              </a:rPr>
-              <a:t>) = 20</a:t>
-            </a:r>
-          </a:p>
-          <a:p>
-            <a:pPr marL="0" marR="0" algn="just">
-              <a:lnSpc>
-                <a:spcPct val="115000"/>
-              </a:lnSpc>
-            </a:pPr>
-            <a:r>
-              <a:rPr lang="en-US" sz="1500" dirty="0">
-                <a:effectLst/>
-                <a:latin typeface="Cambria" panose="02040503050406030204" pitchFamily="18" charset="0"/>
-                <a:ea typeface="MS Mincho" panose="02020609040205080304" pitchFamily="49" charset="-128"/>
-                <a:cs typeface="Vrinda" panose="020B0502040204020203" pitchFamily="34" charset="0"/>
-              </a:rPr>
-              <a:t>    </a:t>
-            </a:r>
-            <a:r>
-              <a:rPr lang="en-US" sz="1500" dirty="0">
-                <a:effectLst/>
-                <a:latin typeface="MS Mincho" panose="02020609040205080304" pitchFamily="49" charset="-128"/>
-                <a:ea typeface="MS Mincho" panose="02020609040205080304" pitchFamily="49" charset="-128"/>
-                <a:cs typeface="Vrinda" panose="020B0502040204020203" pitchFamily="34" charset="0"/>
-              </a:rPr>
-              <a:t>√</a:t>
-            </a:r>
-            <a:r>
-              <a:rPr lang="en-US" sz="1500" dirty="0">
-                <a:effectLst/>
-                <a:latin typeface="Cambria" panose="02040503050406030204" pitchFamily="18" charset="0"/>
-                <a:ea typeface="MS Mincho" panose="02020609040205080304" pitchFamily="49" charset="-128"/>
-                <a:cs typeface="Vrinda" panose="020B0502040204020203" pitchFamily="34" charset="0"/>
-              </a:rPr>
-              <a:t>(16x</a:t>
-            </a:r>
-            <a:r>
-              <a:rPr lang="en-US" sz="1500" baseline="30000" dirty="0">
-                <a:effectLst/>
-                <a:latin typeface="Cambria" panose="02040503050406030204" pitchFamily="18" charset="0"/>
-                <a:ea typeface="MS Mincho" panose="02020609040205080304" pitchFamily="49" charset="-128"/>
-                <a:cs typeface="Vrinda" panose="020B0502040204020203" pitchFamily="34" charset="0"/>
-              </a:rPr>
-              <a:t>2</a:t>
-            </a:r>
-            <a:r>
-              <a:rPr lang="en-US" sz="1500" dirty="0">
-                <a:effectLst/>
-                <a:latin typeface="Cambria" panose="02040503050406030204" pitchFamily="18" charset="0"/>
-                <a:ea typeface="MS Mincho" panose="02020609040205080304" pitchFamily="49" charset="-128"/>
-                <a:cs typeface="Vrinda" panose="020B0502040204020203" pitchFamily="34" charset="0"/>
-              </a:rPr>
-              <a:t> + 9x</a:t>
-            </a:r>
-            <a:r>
-              <a:rPr lang="en-US" sz="1500" baseline="30000" dirty="0">
-                <a:effectLst/>
-                <a:latin typeface="Cambria" panose="02040503050406030204" pitchFamily="18" charset="0"/>
-                <a:ea typeface="MS Mincho" panose="02020609040205080304" pitchFamily="49" charset="-128"/>
-                <a:cs typeface="Vrinda" panose="020B0502040204020203" pitchFamily="34" charset="0"/>
-              </a:rPr>
-              <a:t>2</a:t>
-            </a:r>
-            <a:r>
-              <a:rPr lang="en-US" sz="1500" dirty="0">
-                <a:effectLst/>
-                <a:latin typeface="Cambria" panose="02040503050406030204" pitchFamily="18" charset="0"/>
-                <a:ea typeface="MS Mincho" panose="02020609040205080304" pitchFamily="49" charset="-128"/>
-                <a:cs typeface="Vrinda" panose="020B0502040204020203" pitchFamily="34" charset="0"/>
-              </a:rPr>
-              <a:t>) = 20</a:t>
-            </a:r>
-          </a:p>
-          <a:p>
-            <a:pPr marL="0" marR="0" algn="just">
-              <a:lnSpc>
-                <a:spcPct val="115000"/>
-              </a:lnSpc>
-            </a:pPr>
-            <a:r>
-              <a:rPr lang="en-US" sz="1500" dirty="0">
-                <a:effectLst/>
-                <a:latin typeface="Cambria" panose="02040503050406030204" pitchFamily="18" charset="0"/>
-                <a:ea typeface="MS Mincho" panose="02020609040205080304" pitchFamily="49" charset="-128"/>
-                <a:cs typeface="Vrinda" panose="020B0502040204020203" pitchFamily="34" charset="0"/>
-              </a:rPr>
-              <a:t>    </a:t>
-            </a:r>
-            <a:r>
-              <a:rPr lang="en-US" sz="1500" dirty="0">
-                <a:effectLst/>
-                <a:latin typeface="MS Mincho" panose="02020609040205080304" pitchFamily="49" charset="-128"/>
-                <a:ea typeface="MS Mincho" panose="02020609040205080304" pitchFamily="49" charset="-128"/>
-                <a:cs typeface="Vrinda" panose="020B0502040204020203" pitchFamily="34" charset="0"/>
-              </a:rPr>
-              <a:t>√</a:t>
-            </a:r>
-            <a:r>
-              <a:rPr lang="en-US" sz="1500" dirty="0">
-                <a:effectLst/>
-                <a:latin typeface="Cambria" panose="02040503050406030204" pitchFamily="18" charset="0"/>
-                <a:ea typeface="MS Mincho" panose="02020609040205080304" pitchFamily="49" charset="-128"/>
-                <a:cs typeface="Vrinda" panose="020B0502040204020203" pitchFamily="34" charset="0"/>
-              </a:rPr>
-              <a:t>25x</a:t>
-            </a:r>
-            <a:r>
-              <a:rPr lang="en-US" sz="1500" baseline="30000" dirty="0">
-                <a:effectLst/>
-                <a:latin typeface="Cambria" panose="02040503050406030204" pitchFamily="18" charset="0"/>
-                <a:ea typeface="MS Mincho" panose="02020609040205080304" pitchFamily="49" charset="-128"/>
-                <a:cs typeface="Vrinda" panose="020B0502040204020203" pitchFamily="34" charset="0"/>
-              </a:rPr>
-              <a:t>2</a:t>
-            </a:r>
-            <a:r>
-              <a:rPr lang="en-US" sz="1500" dirty="0">
-                <a:effectLst/>
-                <a:latin typeface="Cambria" panose="02040503050406030204" pitchFamily="18" charset="0"/>
-                <a:ea typeface="MS Mincho" panose="02020609040205080304" pitchFamily="49" charset="-128"/>
-                <a:cs typeface="Vrinda" panose="020B0502040204020203" pitchFamily="34" charset="0"/>
-              </a:rPr>
-              <a:t> = 20</a:t>
-            </a:r>
-          </a:p>
-          <a:p>
-            <a:pPr marL="0" marR="0" algn="just">
-              <a:lnSpc>
-                <a:spcPct val="115000"/>
-              </a:lnSpc>
-            </a:pPr>
-            <a:r>
-              <a:rPr lang="en-US" sz="1500" dirty="0">
-                <a:effectLst/>
-                <a:latin typeface="Cambria" panose="02040503050406030204" pitchFamily="18" charset="0"/>
-                <a:ea typeface="MS Mincho" panose="02020609040205080304" pitchFamily="49" charset="-128"/>
-                <a:cs typeface="Vrinda" panose="020B0502040204020203" pitchFamily="34" charset="0"/>
-              </a:rPr>
-              <a:t>    x = 20 / </a:t>
-            </a:r>
-            <a:r>
-              <a:rPr lang="en-US" sz="1500" dirty="0">
-                <a:effectLst/>
-                <a:latin typeface="MS Mincho" panose="02020609040205080304" pitchFamily="49" charset="-128"/>
-                <a:ea typeface="MS Mincho" panose="02020609040205080304" pitchFamily="49" charset="-128"/>
-                <a:cs typeface="Vrinda" panose="020B0502040204020203" pitchFamily="34" charset="0"/>
-              </a:rPr>
-              <a:t>√</a:t>
-            </a:r>
-            <a:r>
-              <a:rPr lang="en-US" sz="1500" dirty="0">
-                <a:effectLst/>
-                <a:latin typeface="Cambria" panose="02040503050406030204" pitchFamily="18" charset="0"/>
-                <a:ea typeface="MS Mincho" panose="02020609040205080304" pitchFamily="49" charset="-128"/>
-                <a:cs typeface="Vrinda" panose="020B0502040204020203" pitchFamily="34" charset="0"/>
-              </a:rPr>
-              <a:t>25 = 20 / 5 = 4</a:t>
-            </a:r>
-          </a:p>
-          <a:p>
-            <a:pPr marL="0" marR="0" algn="just">
-              <a:lnSpc>
-                <a:spcPct val="115000"/>
-              </a:lnSpc>
-            </a:pPr>
-            <a:r>
-              <a:rPr lang="en-US" sz="1500" dirty="0">
-                <a:effectLst/>
-                <a:latin typeface="Cambria" panose="02040503050406030204" pitchFamily="18" charset="0"/>
-                <a:ea typeface="MS Mincho" panose="02020609040205080304" pitchFamily="49" charset="-128"/>
-                <a:cs typeface="Vrinda" panose="020B0502040204020203" pitchFamily="34" charset="0"/>
-              </a:rPr>
-              <a:t>Calculate the width and height:</a:t>
-            </a:r>
-          </a:p>
-          <a:p>
-            <a:pPr marL="0" marR="0" algn="just">
-              <a:lnSpc>
-                <a:spcPct val="115000"/>
-              </a:lnSpc>
-            </a:pPr>
-            <a:r>
-              <a:rPr lang="en-US" sz="1500" dirty="0">
-                <a:effectLst/>
-                <a:latin typeface="Cambria" panose="02040503050406030204" pitchFamily="18" charset="0"/>
-                <a:ea typeface="MS Mincho" panose="02020609040205080304" pitchFamily="49" charset="-128"/>
-                <a:cs typeface="Vrinda" panose="020B0502040204020203" pitchFamily="34" charset="0"/>
-              </a:rPr>
-              <a:t>    Width = 4x = 4 * 4 = 16 inches</a:t>
-            </a:r>
-          </a:p>
-          <a:p>
-            <a:pPr marL="0" marR="0" algn="just">
-              <a:lnSpc>
-                <a:spcPct val="115000"/>
-              </a:lnSpc>
-            </a:pPr>
-            <a:r>
-              <a:rPr lang="en-US" sz="1500" dirty="0">
-                <a:effectLst/>
-                <a:latin typeface="Cambria" panose="02040503050406030204" pitchFamily="18" charset="0"/>
-                <a:ea typeface="MS Mincho" panose="02020609040205080304" pitchFamily="49" charset="-128"/>
-                <a:cs typeface="Vrinda" panose="020B0502040204020203" pitchFamily="34" charset="0"/>
-              </a:rPr>
-              <a:t>    Height = 3x = 3 * 4 = 12 inches</a:t>
-            </a:r>
-          </a:p>
-          <a:p>
-            <a:pPr marL="0" marR="0" algn="just">
-              <a:lnSpc>
-                <a:spcPct val="115000"/>
-              </a:lnSpc>
-            </a:pPr>
-            <a:endParaRPr lang="en-US" sz="1500" dirty="0">
-              <a:effectLst/>
-              <a:latin typeface="Cambria" panose="02040503050406030204" pitchFamily="18" charset="0"/>
-              <a:ea typeface="MS Mincho" panose="02020609040205080304" pitchFamily="49" charset="-128"/>
-              <a:cs typeface="Vrinda" panose="020B0502040204020203" pitchFamily="34" charset="0"/>
-            </a:endParaRPr>
-          </a:p>
-          <a:p>
-            <a:pPr marL="0" marR="0" algn="just">
-              <a:lnSpc>
-                <a:spcPct val="115000"/>
-              </a:lnSpc>
-            </a:pPr>
-            <a:r>
-              <a:rPr lang="en-US" sz="1500" dirty="0">
-                <a:effectLst/>
-                <a:latin typeface="Cambria" panose="02040503050406030204" pitchFamily="18" charset="0"/>
-                <a:ea typeface="MS Mincho" panose="02020609040205080304" pitchFamily="49" charset="-128"/>
-                <a:cs typeface="Vrinda" panose="020B0502040204020203" pitchFamily="34" charset="0"/>
-              </a:rPr>
-              <a:t>Answer: Width = 16 inches, </a:t>
-            </a:r>
-          </a:p>
-          <a:p>
-            <a:pPr marL="0" marR="0" algn="just">
-              <a:lnSpc>
-                <a:spcPct val="115000"/>
-              </a:lnSpc>
-            </a:pPr>
-            <a:r>
-              <a:rPr lang="en-US" sz="1500" dirty="0">
-                <a:effectLst/>
-                <a:latin typeface="Cambria" panose="02040503050406030204" pitchFamily="18" charset="0"/>
-                <a:ea typeface="MS Mincho" panose="02020609040205080304" pitchFamily="49" charset="-128"/>
-                <a:cs typeface="Vrinda" panose="020B0502040204020203" pitchFamily="34" charset="0"/>
-              </a:rPr>
-              <a:t>Height = 12 inches</a:t>
-            </a:r>
-          </a:p>
-        </p:txBody>
-      </p:sp>
-    </p:spTree>
-    <p:extLst>
-      <p:ext uri="{BB962C8B-B14F-4D97-AF65-F5344CB8AC3E}">
-        <p14:creationId xmlns:p14="http://schemas.microsoft.com/office/powerpoint/2010/main" val="1755854299"/>
       </p:ext>
     </p:extLst>
   </p:cSld>
@@ -12011,6 +10643,1626 @@
       </p:grpSpPr>
       <p:sp>
         <p:nvSpPr>
+          <p:cNvPr id="4" name="TextBox 3">
+            <a:extLst>
+              <a:ext uri="{FF2B5EF4-FFF2-40B4-BE49-F238E27FC236}">
+                <a16:creationId xmlns:a16="http://schemas.microsoft.com/office/drawing/2014/main" id="{40E2B443-B860-AF61-21D7-6DD7B5F8D00B}"/>
+              </a:ext>
+            </a:extLst>
+          </p:cNvPr>
+          <p:cNvSpPr txBox="1"/>
+          <p:nvPr/>
+        </p:nvSpPr>
+        <p:spPr>
+          <a:xfrm>
+            <a:off x="142202" y="94718"/>
+            <a:ext cx="11275340" cy="523220"/>
+          </a:xfrm>
+          <a:prstGeom prst="rect">
+            <a:avLst/>
+          </a:prstGeom>
+          <a:noFill/>
+        </p:spPr>
+        <p:txBody>
+          <a:bodyPr wrap="square" rtlCol="0">
+            <a:spAutoFit/>
+          </a:bodyPr>
+          <a:lstStyle/>
+          <a:p>
+            <a:r>
+              <a:rPr lang="en-US" sz="2800" b="1" u="sng" dirty="0">
+                <a:effectLst>
+                  <a:outerShdw blurRad="38100" dist="38100" dir="2700000" algn="tl">
+                    <a:srgbClr val="000000">
+                      <a:alpha val="43137"/>
+                    </a:srgbClr>
+                  </a:outerShdw>
+                </a:effectLst>
+                <a:latin typeface="Aptos" panose="020B0004020202020204" pitchFamily="34" charset="0"/>
+              </a:rPr>
+              <a:t>Aspect Ratio &amp; Pixel Density Solved Problems</a:t>
+            </a:r>
+          </a:p>
+        </p:txBody>
+      </p:sp>
+      <p:sp>
+        <p:nvSpPr>
+          <p:cNvPr id="8" name="TextBox 7">
+            <a:extLst>
+              <a:ext uri="{FF2B5EF4-FFF2-40B4-BE49-F238E27FC236}">
+                <a16:creationId xmlns:a16="http://schemas.microsoft.com/office/drawing/2014/main" id="{43D01090-4F76-F816-D9AD-B9ED5462AF25}"/>
+              </a:ext>
+            </a:extLst>
+          </p:cNvPr>
+          <p:cNvSpPr txBox="1"/>
+          <p:nvPr/>
+        </p:nvSpPr>
+        <p:spPr>
+          <a:xfrm>
+            <a:off x="235895" y="712355"/>
+            <a:ext cx="3752445" cy="5909823"/>
+          </a:xfrm>
+          <a:prstGeom prst="rect">
+            <a:avLst/>
+          </a:prstGeom>
+          <a:noFill/>
+          <a:ln>
+            <a:solidFill>
+              <a:schemeClr val="accent1"/>
+            </a:solidFill>
+          </a:ln>
+        </p:spPr>
+        <p:txBody>
+          <a:bodyPr wrap="square">
+            <a:spAutoFit/>
+          </a:bodyPr>
+          <a:lstStyle/>
+          <a:p>
+            <a:pPr marL="0" marR="0" algn="just">
+              <a:lnSpc>
+                <a:spcPct val="115000"/>
+              </a:lnSpc>
+            </a:pPr>
+            <a:r>
+              <a:rPr lang="en-US" sz="1500" b="1" dirty="0">
+                <a:effectLst/>
+                <a:latin typeface="Cambria" panose="02040503050406030204" pitchFamily="18" charset="0"/>
+                <a:ea typeface="MS Mincho" panose="02020609040205080304" pitchFamily="49" charset="-128"/>
+                <a:cs typeface="Vrinda" panose="020B0502040204020203" pitchFamily="34" charset="0"/>
+              </a:rPr>
+              <a:t>Example-1: </a:t>
+            </a:r>
+          </a:p>
+          <a:p>
+            <a:pPr marL="0" marR="0" algn="just">
+              <a:lnSpc>
+                <a:spcPct val="115000"/>
+              </a:lnSpc>
+            </a:pPr>
+            <a:r>
+              <a:rPr lang="en-US" sz="1500" b="1" dirty="0">
+                <a:effectLst/>
+                <a:latin typeface="Cambria" panose="02040503050406030204" pitchFamily="18" charset="0"/>
+                <a:ea typeface="MS Mincho" panose="02020609040205080304" pitchFamily="49" charset="-128"/>
+                <a:cs typeface="Vrinda" panose="020B0502040204020203" pitchFamily="34" charset="0"/>
+              </a:rPr>
+              <a:t>Given that a 22 inch monitor with an aspect ratio of 16:9 has a monitor resolution of 1920 x 1080, what is the width of the monitor?</a:t>
+            </a:r>
+          </a:p>
+          <a:p>
+            <a:pPr marL="0" marR="0" algn="just">
+              <a:lnSpc>
+                <a:spcPct val="115000"/>
+              </a:lnSpc>
+            </a:pPr>
+            <a:r>
+              <a:rPr lang="en-US" sz="1500" b="1" dirty="0">
+                <a:effectLst/>
+                <a:latin typeface="Cambria" panose="02040503050406030204" pitchFamily="18" charset="0"/>
+                <a:ea typeface="MS Mincho" panose="02020609040205080304" pitchFamily="49" charset="-128"/>
+                <a:cs typeface="Vrinda" panose="020B0502040204020203" pitchFamily="34" charset="0"/>
+              </a:rPr>
+              <a:t>Solution:</a:t>
+            </a:r>
+          </a:p>
+          <a:p>
+            <a:pPr marL="0" marR="0" algn="just">
+              <a:lnSpc>
+                <a:spcPct val="115000"/>
+              </a:lnSpc>
+            </a:pPr>
+            <a:r>
+              <a:rPr lang="en-US" sz="1500" dirty="0">
+                <a:effectLst/>
+                <a:latin typeface="Cambria" panose="02040503050406030204" pitchFamily="18" charset="0"/>
+                <a:ea typeface="MS Mincho" panose="02020609040205080304" pitchFamily="49" charset="-128"/>
+                <a:cs typeface="Vrinda" panose="020B0502040204020203" pitchFamily="34" charset="0"/>
+              </a:rPr>
+              <a:t>1. Screen size: 22 inches (diagonal)</a:t>
+            </a:r>
+          </a:p>
+          <a:p>
+            <a:pPr marL="0" marR="0" algn="just">
+              <a:lnSpc>
+                <a:spcPct val="115000"/>
+              </a:lnSpc>
+            </a:pPr>
+            <a:r>
+              <a:rPr lang="en-US" sz="1500" dirty="0">
+                <a:effectLst/>
+                <a:latin typeface="Cambria" panose="02040503050406030204" pitchFamily="18" charset="0"/>
+                <a:ea typeface="MS Mincho" panose="02020609040205080304" pitchFamily="49" charset="-128"/>
+                <a:cs typeface="Vrinda" panose="020B0502040204020203" pitchFamily="34" charset="0"/>
+              </a:rPr>
+              <a:t>2. Aspect ratio: 16:9</a:t>
+            </a:r>
+          </a:p>
+          <a:p>
+            <a:pPr marL="0" marR="0" algn="just">
+              <a:lnSpc>
+                <a:spcPct val="115000"/>
+              </a:lnSpc>
+            </a:pPr>
+            <a:r>
+              <a:rPr lang="en-US" sz="1500" dirty="0">
+                <a:effectLst/>
+                <a:latin typeface="Cambria" panose="02040503050406030204" pitchFamily="18" charset="0"/>
+                <a:ea typeface="MS Mincho" panose="02020609040205080304" pitchFamily="49" charset="-128"/>
+                <a:cs typeface="Vrinda" panose="020B0502040204020203" pitchFamily="34" charset="0"/>
+              </a:rPr>
+              <a:t>Using the Pythagorean theorem with the aspect ratio, </a:t>
+            </a:r>
+          </a:p>
+          <a:p>
+            <a:pPr marL="0" marR="0" algn="just">
+              <a:lnSpc>
+                <a:spcPct val="115000"/>
+              </a:lnSpc>
+            </a:pPr>
+            <a:r>
+              <a:rPr lang="en-US" sz="1500" dirty="0">
+                <a:effectLst/>
+                <a:latin typeface="Cambria" panose="02040503050406030204" pitchFamily="18" charset="0"/>
+                <a:ea typeface="MS Mincho" panose="02020609040205080304" pitchFamily="49" charset="-128"/>
+                <a:cs typeface="Vrinda" panose="020B0502040204020203" pitchFamily="34" charset="0"/>
+              </a:rPr>
+              <a:t>Let, width = 16x</a:t>
+            </a:r>
+          </a:p>
+          <a:p>
+            <a:pPr marL="0" marR="0" algn="just">
+              <a:lnSpc>
+                <a:spcPct val="115000"/>
+              </a:lnSpc>
+            </a:pPr>
+            <a:r>
+              <a:rPr lang="en-US" sz="1500" dirty="0">
+                <a:effectLst/>
+                <a:latin typeface="Cambria" panose="02040503050406030204" pitchFamily="18" charset="0"/>
+                <a:ea typeface="MS Mincho" panose="02020609040205080304" pitchFamily="49" charset="-128"/>
+                <a:cs typeface="Vrinda" panose="020B0502040204020203" pitchFamily="34" charset="0"/>
+              </a:rPr>
+              <a:t>height = 9x.</a:t>
+            </a:r>
+          </a:p>
+          <a:p>
+            <a:pPr marL="0" marR="0" algn="just">
+              <a:lnSpc>
+                <a:spcPct val="115000"/>
+              </a:lnSpc>
+            </a:pPr>
+            <a:r>
+              <a:rPr lang="en-US" sz="1500" dirty="0">
+                <a:effectLst/>
+                <a:latin typeface="Cambria" panose="02040503050406030204" pitchFamily="18" charset="0"/>
+                <a:ea typeface="MS Mincho" panose="02020609040205080304" pitchFamily="49" charset="-128"/>
+                <a:cs typeface="Vrinda" panose="020B0502040204020203" pitchFamily="34" charset="0"/>
+              </a:rPr>
+              <a:t>The diagonal in terms of x is:</a:t>
+            </a:r>
+          </a:p>
+          <a:p>
+            <a:pPr marL="0" marR="0" algn="just">
+              <a:lnSpc>
+                <a:spcPct val="115000"/>
+              </a:lnSpc>
+            </a:pPr>
+            <a:r>
+              <a:rPr lang="en-US" sz="1500" dirty="0">
+                <a:effectLst/>
+                <a:latin typeface="Cambria" panose="02040503050406030204" pitchFamily="18" charset="0"/>
+                <a:ea typeface="MS Mincho" panose="02020609040205080304" pitchFamily="49" charset="-128"/>
+                <a:cs typeface="Vrinda" panose="020B0502040204020203" pitchFamily="34" charset="0"/>
+              </a:rPr>
+              <a:t>    </a:t>
+            </a:r>
+            <a:r>
+              <a:rPr lang="en-US" sz="1500" dirty="0">
+                <a:effectLst/>
+                <a:latin typeface="MS Mincho" panose="02020609040205080304" pitchFamily="49" charset="-128"/>
+                <a:ea typeface="MS Mincho" panose="02020609040205080304" pitchFamily="49" charset="-128"/>
+                <a:cs typeface="Vrinda" panose="020B0502040204020203" pitchFamily="34" charset="0"/>
+              </a:rPr>
+              <a:t>√</a:t>
+            </a:r>
+            <a:r>
+              <a:rPr lang="en-US" sz="1500" dirty="0">
+                <a:effectLst/>
+                <a:latin typeface="Cambria" panose="02040503050406030204" pitchFamily="18" charset="0"/>
+                <a:ea typeface="MS Mincho" panose="02020609040205080304" pitchFamily="49" charset="-128"/>
+                <a:cs typeface="Vrinda" panose="020B0502040204020203" pitchFamily="34" charset="0"/>
+              </a:rPr>
+              <a:t>((16x)</a:t>
+            </a:r>
+            <a:r>
+              <a:rPr lang="en-US" sz="1500" baseline="30000" dirty="0">
+                <a:effectLst/>
+                <a:latin typeface="Cambria" panose="02040503050406030204" pitchFamily="18" charset="0"/>
+                <a:ea typeface="MS Mincho" panose="02020609040205080304" pitchFamily="49" charset="-128"/>
+                <a:cs typeface="Vrinda" panose="020B0502040204020203" pitchFamily="34" charset="0"/>
+              </a:rPr>
+              <a:t>2</a:t>
+            </a:r>
+            <a:r>
+              <a:rPr lang="en-US" sz="1500" dirty="0">
+                <a:effectLst/>
+                <a:latin typeface="Cambria" panose="02040503050406030204" pitchFamily="18" charset="0"/>
+                <a:ea typeface="MS Mincho" panose="02020609040205080304" pitchFamily="49" charset="-128"/>
+                <a:cs typeface="Vrinda" panose="020B0502040204020203" pitchFamily="34" charset="0"/>
+              </a:rPr>
+              <a:t> + (9x)</a:t>
+            </a:r>
+            <a:r>
+              <a:rPr lang="en-US" sz="1500" baseline="30000" dirty="0">
+                <a:effectLst/>
+                <a:latin typeface="Cambria" panose="02040503050406030204" pitchFamily="18" charset="0"/>
+                <a:ea typeface="MS Mincho" panose="02020609040205080304" pitchFamily="49" charset="-128"/>
+                <a:cs typeface="Vrinda" panose="020B0502040204020203" pitchFamily="34" charset="0"/>
+              </a:rPr>
+              <a:t>2</a:t>
+            </a:r>
+            <a:r>
+              <a:rPr lang="en-US" sz="1500" dirty="0">
+                <a:effectLst/>
+                <a:latin typeface="Cambria" panose="02040503050406030204" pitchFamily="18" charset="0"/>
+                <a:ea typeface="MS Mincho" panose="02020609040205080304" pitchFamily="49" charset="-128"/>
+                <a:cs typeface="Vrinda" panose="020B0502040204020203" pitchFamily="34" charset="0"/>
+              </a:rPr>
+              <a:t>) = 22</a:t>
+            </a:r>
+          </a:p>
+          <a:p>
+            <a:pPr marL="0" marR="0" algn="just">
+              <a:lnSpc>
+                <a:spcPct val="115000"/>
+              </a:lnSpc>
+            </a:pPr>
+            <a:r>
+              <a:rPr lang="en-US" sz="1500" dirty="0">
+                <a:effectLst/>
+                <a:latin typeface="Cambria" panose="02040503050406030204" pitchFamily="18" charset="0"/>
+                <a:ea typeface="MS Mincho" panose="02020609040205080304" pitchFamily="49" charset="-128"/>
+                <a:cs typeface="Vrinda" panose="020B0502040204020203" pitchFamily="34" charset="0"/>
+              </a:rPr>
+              <a:t>    </a:t>
+            </a:r>
+            <a:r>
+              <a:rPr lang="en-US" sz="1500" dirty="0">
+                <a:effectLst/>
+                <a:latin typeface="MS Mincho" panose="02020609040205080304" pitchFamily="49" charset="-128"/>
+                <a:ea typeface="MS Mincho" panose="02020609040205080304" pitchFamily="49" charset="-128"/>
+                <a:cs typeface="Vrinda" panose="020B0502040204020203" pitchFamily="34" charset="0"/>
+              </a:rPr>
+              <a:t>√</a:t>
+            </a:r>
+            <a:r>
+              <a:rPr lang="en-US" sz="1500" dirty="0">
+                <a:effectLst/>
+                <a:latin typeface="Cambria" panose="02040503050406030204" pitchFamily="18" charset="0"/>
+                <a:ea typeface="MS Mincho" panose="02020609040205080304" pitchFamily="49" charset="-128"/>
+                <a:cs typeface="Vrinda" panose="020B0502040204020203" pitchFamily="34" charset="0"/>
+              </a:rPr>
+              <a:t>(256x</a:t>
+            </a:r>
+            <a:r>
+              <a:rPr lang="en-US" sz="1500" baseline="30000" dirty="0">
+                <a:effectLst/>
+                <a:latin typeface="Cambria" panose="02040503050406030204" pitchFamily="18" charset="0"/>
+                <a:ea typeface="MS Mincho" panose="02020609040205080304" pitchFamily="49" charset="-128"/>
+                <a:cs typeface="Vrinda" panose="020B0502040204020203" pitchFamily="34" charset="0"/>
+              </a:rPr>
+              <a:t>2</a:t>
+            </a:r>
+            <a:r>
+              <a:rPr lang="en-US" sz="1500" dirty="0">
+                <a:effectLst/>
+                <a:latin typeface="Cambria" panose="02040503050406030204" pitchFamily="18" charset="0"/>
+                <a:ea typeface="MS Mincho" panose="02020609040205080304" pitchFamily="49" charset="-128"/>
+                <a:cs typeface="Vrinda" panose="020B0502040204020203" pitchFamily="34" charset="0"/>
+              </a:rPr>
+              <a:t> + 81x</a:t>
+            </a:r>
+            <a:r>
+              <a:rPr lang="en-US" sz="1500" baseline="30000" dirty="0">
+                <a:effectLst/>
+                <a:latin typeface="Cambria" panose="02040503050406030204" pitchFamily="18" charset="0"/>
+                <a:ea typeface="MS Mincho" panose="02020609040205080304" pitchFamily="49" charset="-128"/>
+                <a:cs typeface="Vrinda" panose="020B0502040204020203" pitchFamily="34" charset="0"/>
+              </a:rPr>
+              <a:t>2</a:t>
+            </a:r>
+            <a:r>
+              <a:rPr lang="en-US" sz="1500" dirty="0">
+                <a:effectLst/>
+                <a:latin typeface="Cambria" panose="02040503050406030204" pitchFamily="18" charset="0"/>
+                <a:ea typeface="MS Mincho" panose="02020609040205080304" pitchFamily="49" charset="-128"/>
+                <a:cs typeface="Vrinda" panose="020B0502040204020203" pitchFamily="34" charset="0"/>
+              </a:rPr>
+              <a:t>) = 22</a:t>
+            </a:r>
+          </a:p>
+          <a:p>
+            <a:pPr marL="0" marR="0" algn="just">
+              <a:lnSpc>
+                <a:spcPct val="115000"/>
+              </a:lnSpc>
+            </a:pPr>
+            <a:r>
+              <a:rPr lang="en-US" sz="1500" dirty="0">
+                <a:effectLst/>
+                <a:latin typeface="Cambria" panose="02040503050406030204" pitchFamily="18" charset="0"/>
+                <a:ea typeface="MS Mincho" panose="02020609040205080304" pitchFamily="49" charset="-128"/>
+                <a:cs typeface="Vrinda" panose="020B0502040204020203" pitchFamily="34" charset="0"/>
+              </a:rPr>
+              <a:t>    </a:t>
+            </a:r>
+            <a:r>
+              <a:rPr lang="en-US" sz="1500" dirty="0">
+                <a:effectLst/>
+                <a:latin typeface="MS Mincho" panose="02020609040205080304" pitchFamily="49" charset="-128"/>
+                <a:ea typeface="MS Mincho" panose="02020609040205080304" pitchFamily="49" charset="-128"/>
+                <a:cs typeface="Vrinda" panose="020B0502040204020203" pitchFamily="34" charset="0"/>
+              </a:rPr>
+              <a:t>√</a:t>
+            </a:r>
+            <a:r>
+              <a:rPr lang="en-US" sz="1500" dirty="0">
+                <a:effectLst/>
+                <a:latin typeface="Cambria" panose="02040503050406030204" pitchFamily="18" charset="0"/>
+                <a:ea typeface="MS Mincho" panose="02020609040205080304" pitchFamily="49" charset="-128"/>
+                <a:cs typeface="Vrinda" panose="020B0502040204020203" pitchFamily="34" charset="0"/>
+              </a:rPr>
+              <a:t>337x</a:t>
+            </a:r>
+            <a:r>
+              <a:rPr lang="en-US" sz="1500" baseline="30000" dirty="0">
+                <a:effectLst/>
+                <a:latin typeface="Cambria" panose="02040503050406030204" pitchFamily="18" charset="0"/>
+                <a:ea typeface="MS Mincho" panose="02020609040205080304" pitchFamily="49" charset="-128"/>
+                <a:cs typeface="Vrinda" panose="020B0502040204020203" pitchFamily="34" charset="0"/>
+              </a:rPr>
+              <a:t>2</a:t>
+            </a:r>
+            <a:r>
+              <a:rPr lang="en-US" sz="1500" dirty="0">
+                <a:effectLst/>
+                <a:latin typeface="Cambria" panose="02040503050406030204" pitchFamily="18" charset="0"/>
+                <a:ea typeface="MS Mincho" panose="02020609040205080304" pitchFamily="49" charset="-128"/>
+                <a:cs typeface="Vrinda" panose="020B0502040204020203" pitchFamily="34" charset="0"/>
+              </a:rPr>
+              <a:t> = 22</a:t>
+            </a:r>
+          </a:p>
+          <a:p>
+            <a:pPr marL="0" marR="0" algn="just">
+              <a:lnSpc>
+                <a:spcPct val="115000"/>
+              </a:lnSpc>
+            </a:pPr>
+            <a:r>
+              <a:rPr lang="en-US" sz="1500" dirty="0">
+                <a:effectLst/>
+                <a:latin typeface="Cambria" panose="02040503050406030204" pitchFamily="18" charset="0"/>
+                <a:ea typeface="MS Mincho" panose="02020609040205080304" pitchFamily="49" charset="-128"/>
+                <a:cs typeface="Vrinda" panose="020B0502040204020203" pitchFamily="34" charset="0"/>
+              </a:rPr>
+              <a:t>    x = 22 / </a:t>
+            </a:r>
+            <a:r>
+              <a:rPr lang="en-US" sz="1500" dirty="0">
+                <a:effectLst/>
+                <a:latin typeface="MS Mincho" panose="02020609040205080304" pitchFamily="49" charset="-128"/>
+                <a:ea typeface="MS Mincho" panose="02020609040205080304" pitchFamily="49" charset="-128"/>
+                <a:cs typeface="Vrinda" panose="020B0502040204020203" pitchFamily="34" charset="0"/>
+              </a:rPr>
+              <a:t>√</a:t>
+            </a:r>
+            <a:r>
+              <a:rPr lang="en-US" sz="1500" dirty="0">
+                <a:effectLst/>
+                <a:latin typeface="Cambria" panose="02040503050406030204" pitchFamily="18" charset="0"/>
+                <a:ea typeface="MS Mincho" panose="02020609040205080304" pitchFamily="49" charset="-128"/>
+                <a:cs typeface="Vrinda" panose="020B0502040204020203" pitchFamily="34" charset="0"/>
+              </a:rPr>
+              <a:t>337 ≈ 1.198</a:t>
+            </a:r>
+          </a:p>
+          <a:p>
+            <a:pPr marL="0" marR="0" algn="just">
+              <a:lnSpc>
+                <a:spcPct val="115000"/>
+              </a:lnSpc>
+            </a:pPr>
+            <a:r>
+              <a:rPr lang="en-US" sz="1500" dirty="0">
+                <a:effectLst/>
+                <a:latin typeface="Cambria" panose="02040503050406030204" pitchFamily="18" charset="0"/>
+                <a:ea typeface="MS Mincho" panose="02020609040205080304" pitchFamily="49" charset="-128"/>
+                <a:cs typeface="Vrinda" panose="020B0502040204020203" pitchFamily="34" charset="0"/>
+              </a:rPr>
+              <a:t>Calculate the width:</a:t>
+            </a:r>
+          </a:p>
+          <a:p>
+            <a:pPr marL="0" marR="0" algn="just">
+              <a:lnSpc>
+                <a:spcPct val="115000"/>
+              </a:lnSpc>
+            </a:pPr>
+            <a:r>
+              <a:rPr lang="en-US" sz="1500" dirty="0">
+                <a:effectLst/>
+                <a:latin typeface="Cambria" panose="02040503050406030204" pitchFamily="18" charset="0"/>
+                <a:ea typeface="MS Mincho" panose="02020609040205080304" pitchFamily="49" charset="-128"/>
+                <a:cs typeface="Vrinda" panose="020B0502040204020203" pitchFamily="34" charset="0"/>
+              </a:rPr>
+              <a:t>    Width = 16x ≈ 16 * 1.198 </a:t>
+            </a:r>
+          </a:p>
+          <a:p>
+            <a:pPr marL="0" marR="0" algn="just">
+              <a:lnSpc>
+                <a:spcPct val="115000"/>
+              </a:lnSpc>
+            </a:pPr>
+            <a:r>
+              <a:rPr lang="en-US" sz="1500" dirty="0">
+                <a:latin typeface="Cambria" panose="02040503050406030204" pitchFamily="18" charset="0"/>
+                <a:ea typeface="MS Mincho" panose="02020609040205080304" pitchFamily="49" charset="-128"/>
+                <a:cs typeface="Vrinda" panose="020B0502040204020203" pitchFamily="34" charset="0"/>
+              </a:rPr>
+              <a:t>                 </a:t>
+            </a:r>
+            <a:r>
+              <a:rPr lang="en-US" sz="1500" dirty="0">
+                <a:effectLst/>
+                <a:latin typeface="Cambria" panose="02040503050406030204" pitchFamily="18" charset="0"/>
+                <a:ea typeface="MS Mincho" panose="02020609040205080304" pitchFamily="49" charset="-128"/>
+                <a:cs typeface="Vrinda" panose="020B0502040204020203" pitchFamily="34" charset="0"/>
+              </a:rPr>
+              <a:t>≈ 19.17 inches</a:t>
+            </a:r>
+          </a:p>
+          <a:p>
+            <a:pPr marL="0" marR="0" algn="just">
+              <a:lnSpc>
+                <a:spcPct val="115000"/>
+              </a:lnSpc>
+            </a:pPr>
+            <a:endParaRPr lang="en-US" sz="1500" dirty="0">
+              <a:effectLst/>
+              <a:latin typeface="Cambria" panose="02040503050406030204" pitchFamily="18" charset="0"/>
+              <a:ea typeface="MS Mincho" panose="02020609040205080304" pitchFamily="49" charset="-128"/>
+              <a:cs typeface="Vrinda" panose="020B0502040204020203" pitchFamily="34" charset="0"/>
+            </a:endParaRPr>
+          </a:p>
+          <a:p>
+            <a:pPr marL="0" marR="0" algn="just">
+              <a:lnSpc>
+                <a:spcPct val="115000"/>
+              </a:lnSpc>
+            </a:pPr>
+            <a:r>
+              <a:rPr lang="en-US" sz="1500" dirty="0">
+                <a:effectLst/>
+                <a:latin typeface="Cambria" panose="02040503050406030204" pitchFamily="18" charset="0"/>
+                <a:ea typeface="MS Mincho" panose="02020609040205080304" pitchFamily="49" charset="-128"/>
+                <a:cs typeface="Vrinda" panose="020B0502040204020203" pitchFamily="34" charset="0"/>
+              </a:rPr>
+              <a:t>Answer: Width ≈ 19.17 inches</a:t>
+            </a:r>
+          </a:p>
+        </p:txBody>
+      </p:sp>
+      <p:sp>
+        <p:nvSpPr>
+          <p:cNvPr id="10" name="TextBox 9">
+            <a:extLst>
+              <a:ext uri="{FF2B5EF4-FFF2-40B4-BE49-F238E27FC236}">
+                <a16:creationId xmlns:a16="http://schemas.microsoft.com/office/drawing/2014/main" id="{430051D2-B80C-74BA-7BEB-8ABCC135A761}"/>
+              </a:ext>
+            </a:extLst>
+          </p:cNvPr>
+          <p:cNvSpPr txBox="1"/>
+          <p:nvPr/>
+        </p:nvSpPr>
+        <p:spPr>
+          <a:xfrm>
+            <a:off x="4533899" y="712355"/>
+            <a:ext cx="3581402" cy="5909823"/>
+          </a:xfrm>
+          <a:prstGeom prst="rect">
+            <a:avLst/>
+          </a:prstGeom>
+          <a:noFill/>
+          <a:ln>
+            <a:solidFill>
+              <a:schemeClr val="accent1"/>
+            </a:solidFill>
+          </a:ln>
+        </p:spPr>
+        <p:txBody>
+          <a:bodyPr wrap="square">
+            <a:spAutoFit/>
+          </a:bodyPr>
+          <a:lstStyle/>
+          <a:p>
+            <a:pPr marL="0" marR="0">
+              <a:lnSpc>
+                <a:spcPct val="115000"/>
+              </a:lnSpc>
+            </a:pPr>
+            <a:r>
+              <a:rPr lang="en-US" sz="1500" b="1" dirty="0">
+                <a:effectLst/>
+                <a:latin typeface="Cambria" panose="02040503050406030204" pitchFamily="18" charset="0"/>
+                <a:ea typeface="MS Mincho" panose="02020609040205080304" pitchFamily="49" charset="-128"/>
+                <a:cs typeface="Vrinda" panose="020B0502040204020203" pitchFamily="34" charset="0"/>
+              </a:rPr>
+              <a:t>Example-2:</a:t>
+            </a:r>
+          </a:p>
+          <a:p>
+            <a:pPr marL="0" marR="0">
+              <a:lnSpc>
+                <a:spcPct val="115000"/>
+              </a:lnSpc>
+            </a:pPr>
+            <a:r>
+              <a:rPr lang="en-US" sz="1500" b="1" dirty="0">
+                <a:effectLst/>
+                <a:latin typeface="Cambria" panose="02040503050406030204" pitchFamily="18" charset="0"/>
+                <a:ea typeface="MS Mincho" panose="02020609040205080304" pitchFamily="49" charset="-128"/>
+                <a:cs typeface="Vrinda" panose="020B0502040204020203" pitchFamily="34" charset="0"/>
+              </a:rPr>
+              <a:t>Find the width and height of a 40 inch full HD(1920 X 1080) TV screen.</a:t>
+            </a:r>
+          </a:p>
+          <a:p>
+            <a:pPr marL="0" marR="0">
+              <a:lnSpc>
+                <a:spcPct val="115000"/>
+              </a:lnSpc>
+            </a:pPr>
+            <a:r>
+              <a:rPr lang="en-US" sz="1500" b="1" dirty="0">
+                <a:effectLst/>
+                <a:latin typeface="Cambria" panose="02040503050406030204" pitchFamily="18" charset="0"/>
+                <a:ea typeface="MS Mincho" panose="02020609040205080304" pitchFamily="49" charset="-128"/>
+                <a:cs typeface="Vrinda" panose="020B0502040204020203" pitchFamily="34" charset="0"/>
+              </a:rPr>
+              <a:t>Solution:</a:t>
+            </a:r>
+          </a:p>
+          <a:p>
+            <a:pPr marL="0" marR="0">
+              <a:lnSpc>
+                <a:spcPct val="115000"/>
+              </a:lnSpc>
+            </a:pPr>
+            <a:r>
+              <a:rPr lang="en-US" sz="1500" dirty="0">
+                <a:effectLst/>
+                <a:latin typeface="Cambria" panose="02040503050406030204" pitchFamily="18" charset="0"/>
+                <a:ea typeface="MS Mincho" panose="02020609040205080304" pitchFamily="49" charset="-128"/>
+                <a:cs typeface="Vrinda" panose="020B0502040204020203" pitchFamily="34" charset="0"/>
+              </a:rPr>
+              <a:t>1. Screen size: 40 inches (diagonal)</a:t>
+            </a:r>
+          </a:p>
+          <a:p>
+            <a:pPr marL="0" marR="0">
+              <a:lnSpc>
+                <a:spcPct val="115000"/>
+              </a:lnSpc>
+            </a:pPr>
+            <a:r>
+              <a:rPr lang="en-US" sz="1500" dirty="0">
+                <a:effectLst/>
+                <a:latin typeface="Cambria" panose="02040503050406030204" pitchFamily="18" charset="0"/>
+                <a:ea typeface="MS Mincho" panose="02020609040205080304" pitchFamily="49" charset="-128"/>
+                <a:cs typeface="Vrinda" panose="020B0502040204020203" pitchFamily="34" charset="0"/>
+              </a:rPr>
+              <a:t>2. Aspect ratio: 16:9</a:t>
+            </a:r>
+          </a:p>
+          <a:p>
+            <a:pPr marL="0" marR="0">
+              <a:lnSpc>
+                <a:spcPct val="115000"/>
+              </a:lnSpc>
+            </a:pPr>
+            <a:r>
+              <a:rPr lang="en-US" sz="1500" dirty="0">
+                <a:effectLst/>
+                <a:latin typeface="Cambria" panose="02040503050406030204" pitchFamily="18" charset="0"/>
+                <a:ea typeface="MS Mincho" panose="02020609040205080304" pitchFamily="49" charset="-128"/>
+                <a:cs typeface="Vrinda" panose="020B0502040204020203" pitchFamily="34" charset="0"/>
+              </a:rPr>
+              <a:t>Using the same method, </a:t>
+            </a:r>
+          </a:p>
+          <a:p>
+            <a:pPr marL="0" marR="0">
+              <a:lnSpc>
+                <a:spcPct val="115000"/>
+              </a:lnSpc>
+            </a:pPr>
+            <a:r>
+              <a:rPr lang="en-US" sz="1500" dirty="0">
+                <a:effectLst/>
+                <a:latin typeface="Cambria" panose="02040503050406030204" pitchFamily="18" charset="0"/>
+                <a:ea typeface="MS Mincho" panose="02020609040205080304" pitchFamily="49" charset="-128"/>
+                <a:cs typeface="Vrinda" panose="020B0502040204020203" pitchFamily="34" charset="0"/>
+              </a:rPr>
+              <a:t>Let, width = 16x </a:t>
+            </a:r>
+          </a:p>
+          <a:p>
+            <a:pPr marL="0" marR="0">
+              <a:lnSpc>
+                <a:spcPct val="115000"/>
+              </a:lnSpc>
+            </a:pPr>
+            <a:r>
+              <a:rPr lang="en-US" sz="1500" dirty="0">
+                <a:effectLst/>
+                <a:latin typeface="Cambria" panose="02040503050406030204" pitchFamily="18" charset="0"/>
+                <a:ea typeface="MS Mincho" panose="02020609040205080304" pitchFamily="49" charset="-128"/>
+                <a:cs typeface="Vrinda" panose="020B0502040204020203" pitchFamily="34" charset="0"/>
+              </a:rPr>
+              <a:t>height = 9x.</a:t>
+            </a:r>
+          </a:p>
+          <a:p>
+            <a:pPr>
+              <a:lnSpc>
+                <a:spcPct val="115000"/>
+              </a:lnSpc>
+            </a:pPr>
+            <a:r>
+              <a:rPr lang="en-US" sz="1500" dirty="0">
+                <a:effectLst/>
+                <a:latin typeface="Cambria" panose="02040503050406030204" pitchFamily="18" charset="0"/>
+                <a:ea typeface="MS Mincho" panose="02020609040205080304" pitchFamily="49" charset="-128"/>
+                <a:cs typeface="Vrinda" panose="020B0502040204020203" pitchFamily="34" charset="0"/>
+              </a:rPr>
+              <a:t>The diagonal in terms of x is:</a:t>
+            </a:r>
+          </a:p>
+          <a:p>
+            <a:pPr marL="0" marR="0">
+              <a:lnSpc>
+                <a:spcPct val="115000"/>
+              </a:lnSpc>
+            </a:pPr>
+            <a:r>
+              <a:rPr lang="en-US" sz="1500" dirty="0">
+                <a:effectLst/>
+                <a:latin typeface="Cambria" panose="02040503050406030204" pitchFamily="18" charset="0"/>
+                <a:ea typeface="MS Mincho" panose="02020609040205080304" pitchFamily="49" charset="-128"/>
+                <a:cs typeface="Vrinda" panose="020B0502040204020203" pitchFamily="34" charset="0"/>
+              </a:rPr>
+              <a:t>    </a:t>
+            </a:r>
+            <a:r>
+              <a:rPr lang="en-US" sz="1500" dirty="0">
+                <a:effectLst/>
+                <a:latin typeface="MS Mincho" panose="02020609040205080304" pitchFamily="49" charset="-128"/>
+                <a:ea typeface="MS Mincho" panose="02020609040205080304" pitchFamily="49" charset="-128"/>
+                <a:cs typeface="Vrinda" panose="020B0502040204020203" pitchFamily="34" charset="0"/>
+              </a:rPr>
+              <a:t>√</a:t>
+            </a:r>
+            <a:r>
+              <a:rPr lang="en-US" sz="1500" dirty="0">
+                <a:effectLst/>
+                <a:latin typeface="Cambria" panose="02040503050406030204" pitchFamily="18" charset="0"/>
+                <a:ea typeface="MS Mincho" panose="02020609040205080304" pitchFamily="49" charset="-128"/>
+                <a:cs typeface="Vrinda" panose="020B0502040204020203" pitchFamily="34" charset="0"/>
+              </a:rPr>
+              <a:t>((16x)</a:t>
+            </a:r>
+            <a:r>
+              <a:rPr lang="en-US" sz="1500" baseline="30000" dirty="0">
+                <a:effectLst/>
+                <a:latin typeface="Cambria" panose="02040503050406030204" pitchFamily="18" charset="0"/>
+                <a:ea typeface="MS Mincho" panose="02020609040205080304" pitchFamily="49" charset="-128"/>
+                <a:cs typeface="Vrinda" panose="020B0502040204020203" pitchFamily="34" charset="0"/>
+              </a:rPr>
+              <a:t>2 </a:t>
+            </a:r>
+            <a:r>
+              <a:rPr lang="en-US" sz="1500" dirty="0">
+                <a:effectLst/>
+                <a:latin typeface="Cambria" panose="02040503050406030204" pitchFamily="18" charset="0"/>
+                <a:ea typeface="MS Mincho" panose="02020609040205080304" pitchFamily="49" charset="-128"/>
+                <a:cs typeface="Vrinda" panose="020B0502040204020203" pitchFamily="34" charset="0"/>
+              </a:rPr>
+              <a:t>+ (9x)</a:t>
+            </a:r>
+            <a:r>
+              <a:rPr lang="en-US" sz="1500" baseline="30000" dirty="0">
+                <a:effectLst/>
+                <a:latin typeface="Cambria" panose="02040503050406030204" pitchFamily="18" charset="0"/>
+                <a:ea typeface="MS Mincho" panose="02020609040205080304" pitchFamily="49" charset="-128"/>
+                <a:cs typeface="Vrinda" panose="020B0502040204020203" pitchFamily="34" charset="0"/>
+              </a:rPr>
+              <a:t>2</a:t>
+            </a:r>
+            <a:r>
+              <a:rPr lang="en-US" sz="1500" dirty="0">
+                <a:effectLst/>
+                <a:latin typeface="Cambria" panose="02040503050406030204" pitchFamily="18" charset="0"/>
+                <a:ea typeface="MS Mincho" panose="02020609040205080304" pitchFamily="49" charset="-128"/>
+                <a:cs typeface="Vrinda" panose="020B0502040204020203" pitchFamily="34" charset="0"/>
+              </a:rPr>
+              <a:t>) = 40</a:t>
+            </a:r>
+          </a:p>
+          <a:p>
+            <a:pPr marL="0" marR="0">
+              <a:lnSpc>
+                <a:spcPct val="115000"/>
+              </a:lnSpc>
+            </a:pPr>
+            <a:r>
+              <a:rPr lang="en-US" sz="1500" dirty="0">
+                <a:effectLst/>
+                <a:latin typeface="Cambria" panose="02040503050406030204" pitchFamily="18" charset="0"/>
+                <a:ea typeface="MS Mincho" panose="02020609040205080304" pitchFamily="49" charset="-128"/>
+                <a:cs typeface="Vrinda" panose="020B0502040204020203" pitchFamily="34" charset="0"/>
+              </a:rPr>
+              <a:t>    </a:t>
+            </a:r>
+            <a:r>
+              <a:rPr lang="en-US" sz="1500" dirty="0">
+                <a:effectLst/>
+                <a:latin typeface="MS Mincho" panose="02020609040205080304" pitchFamily="49" charset="-128"/>
+                <a:ea typeface="MS Mincho" panose="02020609040205080304" pitchFamily="49" charset="-128"/>
+                <a:cs typeface="Vrinda" panose="020B0502040204020203" pitchFamily="34" charset="0"/>
+              </a:rPr>
+              <a:t>√</a:t>
+            </a:r>
+            <a:r>
+              <a:rPr lang="en-US" sz="1500" dirty="0">
+                <a:effectLst/>
+                <a:latin typeface="Cambria" panose="02040503050406030204" pitchFamily="18" charset="0"/>
+                <a:ea typeface="MS Mincho" panose="02020609040205080304" pitchFamily="49" charset="-128"/>
+                <a:cs typeface="Vrinda" panose="020B0502040204020203" pitchFamily="34" charset="0"/>
+              </a:rPr>
+              <a:t>(256x</a:t>
+            </a:r>
+            <a:r>
+              <a:rPr lang="en-US" sz="1500" baseline="30000" dirty="0">
+                <a:effectLst/>
+                <a:latin typeface="Cambria" panose="02040503050406030204" pitchFamily="18" charset="0"/>
+                <a:ea typeface="MS Mincho" panose="02020609040205080304" pitchFamily="49" charset="-128"/>
+                <a:cs typeface="Vrinda" panose="020B0502040204020203" pitchFamily="34" charset="0"/>
+              </a:rPr>
+              <a:t>2</a:t>
+            </a:r>
+            <a:r>
+              <a:rPr lang="en-US" sz="1500" dirty="0">
+                <a:effectLst/>
+                <a:latin typeface="Cambria" panose="02040503050406030204" pitchFamily="18" charset="0"/>
+                <a:ea typeface="MS Mincho" panose="02020609040205080304" pitchFamily="49" charset="-128"/>
+                <a:cs typeface="Vrinda" panose="020B0502040204020203" pitchFamily="34" charset="0"/>
+              </a:rPr>
+              <a:t> + 81x</a:t>
+            </a:r>
+            <a:r>
+              <a:rPr lang="en-US" sz="1500" baseline="30000" dirty="0">
+                <a:effectLst/>
+                <a:latin typeface="Cambria" panose="02040503050406030204" pitchFamily="18" charset="0"/>
+                <a:ea typeface="MS Mincho" panose="02020609040205080304" pitchFamily="49" charset="-128"/>
+                <a:cs typeface="Vrinda" panose="020B0502040204020203" pitchFamily="34" charset="0"/>
+              </a:rPr>
+              <a:t>2</a:t>
+            </a:r>
+            <a:r>
+              <a:rPr lang="en-US" sz="1500" dirty="0">
+                <a:effectLst/>
+                <a:latin typeface="Cambria" panose="02040503050406030204" pitchFamily="18" charset="0"/>
+                <a:ea typeface="MS Mincho" panose="02020609040205080304" pitchFamily="49" charset="-128"/>
+                <a:cs typeface="Vrinda" panose="020B0502040204020203" pitchFamily="34" charset="0"/>
+              </a:rPr>
+              <a:t>) = 40</a:t>
+            </a:r>
+          </a:p>
+          <a:p>
+            <a:pPr marL="0" marR="0">
+              <a:lnSpc>
+                <a:spcPct val="115000"/>
+              </a:lnSpc>
+            </a:pPr>
+            <a:r>
+              <a:rPr lang="en-US" sz="1500" dirty="0">
+                <a:effectLst/>
+                <a:latin typeface="Cambria" panose="02040503050406030204" pitchFamily="18" charset="0"/>
+                <a:ea typeface="MS Mincho" panose="02020609040205080304" pitchFamily="49" charset="-128"/>
+                <a:cs typeface="Vrinda" panose="020B0502040204020203" pitchFamily="34" charset="0"/>
+              </a:rPr>
+              <a:t>    </a:t>
+            </a:r>
+            <a:r>
+              <a:rPr lang="en-US" sz="1500" dirty="0">
+                <a:effectLst/>
+                <a:latin typeface="MS Mincho" panose="02020609040205080304" pitchFamily="49" charset="-128"/>
+                <a:ea typeface="MS Mincho" panose="02020609040205080304" pitchFamily="49" charset="-128"/>
+                <a:cs typeface="Vrinda" panose="020B0502040204020203" pitchFamily="34" charset="0"/>
+              </a:rPr>
+              <a:t>√</a:t>
+            </a:r>
+            <a:r>
+              <a:rPr lang="en-US" sz="1500" dirty="0">
+                <a:effectLst/>
+                <a:latin typeface="Cambria" panose="02040503050406030204" pitchFamily="18" charset="0"/>
+                <a:ea typeface="MS Mincho" panose="02020609040205080304" pitchFamily="49" charset="-128"/>
+                <a:cs typeface="Vrinda" panose="020B0502040204020203" pitchFamily="34" charset="0"/>
+              </a:rPr>
+              <a:t>337x</a:t>
+            </a:r>
+            <a:r>
+              <a:rPr lang="en-US" sz="1500" baseline="30000" dirty="0">
+                <a:effectLst/>
+                <a:latin typeface="Cambria" panose="02040503050406030204" pitchFamily="18" charset="0"/>
+                <a:ea typeface="MS Mincho" panose="02020609040205080304" pitchFamily="49" charset="-128"/>
+                <a:cs typeface="Vrinda" panose="020B0502040204020203" pitchFamily="34" charset="0"/>
+              </a:rPr>
+              <a:t>2</a:t>
+            </a:r>
+            <a:r>
+              <a:rPr lang="en-US" sz="1500" dirty="0">
+                <a:effectLst/>
+                <a:latin typeface="Cambria" panose="02040503050406030204" pitchFamily="18" charset="0"/>
+                <a:ea typeface="MS Mincho" panose="02020609040205080304" pitchFamily="49" charset="-128"/>
+                <a:cs typeface="Vrinda" panose="020B0502040204020203" pitchFamily="34" charset="0"/>
+              </a:rPr>
+              <a:t> = 40</a:t>
+            </a:r>
+          </a:p>
+          <a:p>
+            <a:pPr marL="0" marR="0">
+              <a:lnSpc>
+                <a:spcPct val="115000"/>
+              </a:lnSpc>
+            </a:pPr>
+            <a:r>
+              <a:rPr lang="en-US" sz="1500" dirty="0">
+                <a:effectLst/>
+                <a:latin typeface="Cambria" panose="02040503050406030204" pitchFamily="18" charset="0"/>
+                <a:ea typeface="MS Mincho" panose="02020609040205080304" pitchFamily="49" charset="-128"/>
+                <a:cs typeface="Vrinda" panose="020B0502040204020203" pitchFamily="34" charset="0"/>
+              </a:rPr>
+              <a:t>    x = 40 / </a:t>
+            </a:r>
+            <a:r>
+              <a:rPr lang="en-US" sz="1500" dirty="0">
+                <a:effectLst/>
+                <a:latin typeface="MS Mincho" panose="02020609040205080304" pitchFamily="49" charset="-128"/>
+                <a:ea typeface="MS Mincho" panose="02020609040205080304" pitchFamily="49" charset="-128"/>
+                <a:cs typeface="Vrinda" panose="020B0502040204020203" pitchFamily="34" charset="0"/>
+              </a:rPr>
+              <a:t>√</a:t>
+            </a:r>
+            <a:r>
+              <a:rPr lang="en-US" sz="1500" dirty="0">
+                <a:effectLst/>
+                <a:latin typeface="Cambria" panose="02040503050406030204" pitchFamily="18" charset="0"/>
+                <a:ea typeface="MS Mincho" panose="02020609040205080304" pitchFamily="49" charset="-128"/>
+                <a:cs typeface="Vrinda" panose="020B0502040204020203" pitchFamily="34" charset="0"/>
+              </a:rPr>
+              <a:t>337 = 2.178</a:t>
+            </a:r>
+          </a:p>
+          <a:p>
+            <a:pPr marL="0" marR="0">
+              <a:lnSpc>
+                <a:spcPct val="115000"/>
+              </a:lnSpc>
+            </a:pPr>
+            <a:r>
+              <a:rPr lang="en-US" sz="1500" dirty="0">
+                <a:effectLst/>
+                <a:latin typeface="Cambria" panose="02040503050406030204" pitchFamily="18" charset="0"/>
+                <a:ea typeface="MS Mincho" panose="02020609040205080304" pitchFamily="49" charset="-128"/>
+                <a:cs typeface="Vrinda" panose="020B0502040204020203" pitchFamily="34" charset="0"/>
+              </a:rPr>
+              <a:t>Calculate the width and height:</a:t>
+            </a:r>
+          </a:p>
+          <a:p>
+            <a:pPr marL="0" marR="0">
+              <a:lnSpc>
+                <a:spcPct val="115000"/>
+              </a:lnSpc>
+            </a:pPr>
+            <a:r>
+              <a:rPr lang="en-US" sz="1500" dirty="0">
+                <a:effectLst/>
+                <a:latin typeface="Cambria" panose="02040503050406030204" pitchFamily="18" charset="0"/>
+                <a:ea typeface="MS Mincho" panose="02020609040205080304" pitchFamily="49" charset="-128"/>
+                <a:cs typeface="Vrinda" panose="020B0502040204020203" pitchFamily="34" charset="0"/>
+              </a:rPr>
+              <a:t>    Width = 16x ≈ 16 * 2.178 </a:t>
+            </a:r>
+          </a:p>
+          <a:p>
+            <a:pPr marL="0" marR="0">
+              <a:lnSpc>
+                <a:spcPct val="115000"/>
+              </a:lnSpc>
+            </a:pPr>
+            <a:r>
+              <a:rPr lang="en-US" sz="1500" dirty="0">
+                <a:latin typeface="Cambria" panose="02040503050406030204" pitchFamily="18" charset="0"/>
+                <a:ea typeface="MS Mincho" panose="02020609040205080304" pitchFamily="49" charset="-128"/>
+                <a:cs typeface="Vrinda" panose="020B0502040204020203" pitchFamily="34" charset="0"/>
+              </a:rPr>
+              <a:t>                 </a:t>
+            </a:r>
+            <a:r>
+              <a:rPr lang="en-US" sz="1500" dirty="0">
+                <a:effectLst/>
+                <a:latin typeface="Cambria" panose="02040503050406030204" pitchFamily="18" charset="0"/>
+                <a:ea typeface="MS Mincho" panose="02020609040205080304" pitchFamily="49" charset="-128"/>
+                <a:cs typeface="Vrinda" panose="020B0502040204020203" pitchFamily="34" charset="0"/>
+              </a:rPr>
+              <a:t>≈ 34.863 inches</a:t>
+            </a:r>
+          </a:p>
+          <a:p>
+            <a:pPr marL="0" marR="0">
+              <a:lnSpc>
+                <a:spcPct val="115000"/>
+              </a:lnSpc>
+            </a:pPr>
+            <a:r>
+              <a:rPr lang="en-US" sz="1500" dirty="0">
+                <a:effectLst/>
+                <a:latin typeface="Cambria" panose="02040503050406030204" pitchFamily="18" charset="0"/>
+                <a:ea typeface="MS Mincho" panose="02020609040205080304" pitchFamily="49" charset="-128"/>
+                <a:cs typeface="Vrinda" panose="020B0502040204020203" pitchFamily="34" charset="0"/>
+              </a:rPr>
+              <a:t>    Height = 9x ≈ 9 *2.178 </a:t>
+            </a:r>
+          </a:p>
+          <a:p>
+            <a:pPr marL="0" marR="0">
+              <a:lnSpc>
+                <a:spcPct val="115000"/>
+              </a:lnSpc>
+            </a:pPr>
+            <a:r>
+              <a:rPr lang="en-US" sz="1500" dirty="0">
+                <a:latin typeface="Cambria" panose="02040503050406030204" pitchFamily="18" charset="0"/>
+                <a:ea typeface="MS Mincho" panose="02020609040205080304" pitchFamily="49" charset="-128"/>
+                <a:cs typeface="Vrinda" panose="020B0502040204020203" pitchFamily="34" charset="0"/>
+              </a:rPr>
+              <a:t>                  </a:t>
+            </a:r>
+            <a:r>
+              <a:rPr lang="en-US" sz="1500" dirty="0">
+                <a:effectLst/>
+                <a:latin typeface="Cambria" panose="02040503050406030204" pitchFamily="18" charset="0"/>
+                <a:ea typeface="MS Mincho" panose="02020609040205080304" pitchFamily="49" charset="-128"/>
+                <a:cs typeface="Vrinda" panose="020B0502040204020203" pitchFamily="34" charset="0"/>
+              </a:rPr>
+              <a:t>≈ 19.61 inches</a:t>
+            </a:r>
+          </a:p>
+          <a:p>
+            <a:pPr marL="0" marR="0">
+              <a:lnSpc>
+                <a:spcPct val="115000"/>
+              </a:lnSpc>
+            </a:pPr>
+            <a:endParaRPr lang="en-US" sz="1500" dirty="0">
+              <a:effectLst/>
+              <a:latin typeface="Cambria" panose="02040503050406030204" pitchFamily="18" charset="0"/>
+              <a:ea typeface="MS Mincho" panose="02020609040205080304" pitchFamily="49" charset="-128"/>
+              <a:cs typeface="Vrinda" panose="020B0502040204020203" pitchFamily="34" charset="0"/>
+            </a:endParaRPr>
+          </a:p>
+          <a:p>
+            <a:pPr marL="0" marR="0">
+              <a:lnSpc>
+                <a:spcPct val="115000"/>
+              </a:lnSpc>
+            </a:pPr>
+            <a:r>
+              <a:rPr lang="en-US" sz="1500" dirty="0">
+                <a:effectLst/>
+                <a:latin typeface="Cambria" panose="02040503050406030204" pitchFamily="18" charset="0"/>
+                <a:ea typeface="MS Mincho" panose="02020609040205080304" pitchFamily="49" charset="-128"/>
+                <a:cs typeface="Vrinda" panose="020B0502040204020203" pitchFamily="34" charset="0"/>
+              </a:rPr>
+              <a:t>Answer: Width ≈ 34.863 inches, </a:t>
+            </a:r>
+          </a:p>
+          <a:p>
+            <a:pPr marL="0" marR="0">
+              <a:lnSpc>
+                <a:spcPct val="115000"/>
+              </a:lnSpc>
+            </a:pPr>
+            <a:r>
+              <a:rPr lang="en-US" sz="1500" dirty="0">
+                <a:effectLst/>
+                <a:latin typeface="Cambria" panose="02040503050406030204" pitchFamily="18" charset="0"/>
+                <a:ea typeface="MS Mincho" panose="02020609040205080304" pitchFamily="49" charset="-128"/>
+                <a:cs typeface="Vrinda" panose="020B0502040204020203" pitchFamily="34" charset="0"/>
+              </a:rPr>
+              <a:t>Height ≈ 19.61 inches</a:t>
+            </a:r>
+          </a:p>
+        </p:txBody>
+      </p:sp>
+      <p:sp>
+        <p:nvSpPr>
+          <p:cNvPr id="11" name="TextBox 10">
+            <a:extLst>
+              <a:ext uri="{FF2B5EF4-FFF2-40B4-BE49-F238E27FC236}">
+                <a16:creationId xmlns:a16="http://schemas.microsoft.com/office/drawing/2014/main" id="{C55ED1E7-633B-E035-2BF3-8AF5BE55227B}"/>
+              </a:ext>
+            </a:extLst>
+          </p:cNvPr>
+          <p:cNvSpPr txBox="1"/>
+          <p:nvPr/>
+        </p:nvSpPr>
+        <p:spPr>
+          <a:xfrm>
+            <a:off x="8660861" y="712355"/>
+            <a:ext cx="3295244" cy="5644366"/>
+          </a:xfrm>
+          <a:prstGeom prst="rect">
+            <a:avLst/>
+          </a:prstGeom>
+          <a:noFill/>
+          <a:ln>
+            <a:solidFill>
+              <a:schemeClr val="accent1"/>
+            </a:solidFill>
+          </a:ln>
+        </p:spPr>
+        <p:txBody>
+          <a:bodyPr wrap="square">
+            <a:spAutoFit/>
+          </a:bodyPr>
+          <a:lstStyle/>
+          <a:p>
+            <a:pPr marL="0" marR="0" algn="just">
+              <a:lnSpc>
+                <a:spcPct val="115000"/>
+              </a:lnSpc>
+            </a:pPr>
+            <a:r>
+              <a:rPr lang="en-US" sz="1500" b="1" dirty="0">
+                <a:effectLst/>
+                <a:latin typeface="Cambria" panose="02040503050406030204" pitchFamily="18" charset="0"/>
+                <a:ea typeface="MS Mincho" panose="02020609040205080304" pitchFamily="49" charset="-128"/>
+                <a:cs typeface="Vrinda" panose="020B0502040204020203" pitchFamily="34" charset="0"/>
+              </a:rPr>
+              <a:t>Example-3:</a:t>
+            </a:r>
+          </a:p>
+          <a:p>
+            <a:pPr marL="0" marR="0" algn="just">
+              <a:lnSpc>
+                <a:spcPct val="115000"/>
+              </a:lnSpc>
+            </a:pPr>
+            <a:r>
+              <a:rPr lang="en-US" sz="1500" b="1" dirty="0">
+                <a:effectLst/>
+                <a:latin typeface="Cambria" panose="02040503050406030204" pitchFamily="18" charset="0"/>
+                <a:ea typeface="MS Mincho" panose="02020609040205080304" pitchFamily="49" charset="-128"/>
+                <a:cs typeface="Vrinda" panose="020B0502040204020203" pitchFamily="34" charset="0"/>
+              </a:rPr>
+              <a:t>Find the width and </a:t>
+            </a:r>
+            <a:r>
+              <a:rPr lang="en-US" sz="1500" b="1" dirty="0" err="1">
+                <a:effectLst/>
+                <a:latin typeface="Cambria" panose="02040503050406030204" pitchFamily="18" charset="0"/>
+                <a:ea typeface="MS Mincho" panose="02020609040205080304" pitchFamily="49" charset="-128"/>
+                <a:cs typeface="Vrinda" panose="020B0502040204020203" pitchFamily="34" charset="0"/>
+              </a:rPr>
+              <a:t>heigth</a:t>
+            </a:r>
+            <a:r>
+              <a:rPr lang="en-US" sz="1500" b="1" dirty="0">
+                <a:effectLst/>
+                <a:latin typeface="Cambria" panose="02040503050406030204" pitchFamily="18" charset="0"/>
+                <a:ea typeface="MS Mincho" panose="02020609040205080304" pitchFamily="49" charset="-128"/>
+                <a:cs typeface="Vrinda" panose="020B0502040204020203" pitchFamily="34" charset="0"/>
+              </a:rPr>
+              <a:t> of an older 20 inch TV whose screen has an aspect ratio of 4:3.</a:t>
+            </a:r>
+          </a:p>
+          <a:p>
+            <a:pPr marL="0" marR="0" algn="just">
+              <a:lnSpc>
+                <a:spcPct val="115000"/>
+              </a:lnSpc>
+            </a:pPr>
+            <a:r>
+              <a:rPr lang="en-US" sz="1500" b="1" dirty="0">
+                <a:effectLst/>
+                <a:latin typeface="Cambria" panose="02040503050406030204" pitchFamily="18" charset="0"/>
+                <a:ea typeface="MS Mincho" panose="02020609040205080304" pitchFamily="49" charset="-128"/>
+                <a:cs typeface="Vrinda" panose="020B0502040204020203" pitchFamily="34" charset="0"/>
+              </a:rPr>
+              <a:t>Solution:</a:t>
+            </a:r>
+          </a:p>
+          <a:p>
+            <a:pPr marL="0" marR="0" algn="just">
+              <a:lnSpc>
+                <a:spcPct val="115000"/>
+              </a:lnSpc>
+            </a:pPr>
+            <a:r>
+              <a:rPr lang="en-US" sz="1500" dirty="0">
+                <a:effectLst/>
+                <a:latin typeface="Cambria" panose="02040503050406030204" pitchFamily="18" charset="0"/>
+                <a:ea typeface="MS Mincho" panose="02020609040205080304" pitchFamily="49" charset="-128"/>
+                <a:cs typeface="Vrinda" panose="020B0502040204020203" pitchFamily="34" charset="0"/>
+              </a:rPr>
+              <a:t>1. Screen size: 20 inches (diagonal)</a:t>
+            </a:r>
+          </a:p>
+          <a:p>
+            <a:pPr marL="0" marR="0" algn="just">
+              <a:lnSpc>
+                <a:spcPct val="115000"/>
+              </a:lnSpc>
+            </a:pPr>
+            <a:r>
+              <a:rPr lang="en-US" sz="1500" dirty="0">
+                <a:effectLst/>
+                <a:latin typeface="Cambria" panose="02040503050406030204" pitchFamily="18" charset="0"/>
+                <a:ea typeface="MS Mincho" panose="02020609040205080304" pitchFamily="49" charset="-128"/>
+                <a:cs typeface="Vrinda" panose="020B0502040204020203" pitchFamily="34" charset="0"/>
+              </a:rPr>
+              <a:t>2. Aspect ratio: 4:3</a:t>
+            </a:r>
+          </a:p>
+          <a:p>
+            <a:pPr marL="0" marR="0" algn="just">
+              <a:lnSpc>
+                <a:spcPct val="115000"/>
+              </a:lnSpc>
+            </a:pPr>
+            <a:r>
+              <a:rPr lang="en-US" sz="1500" dirty="0">
+                <a:effectLst/>
+                <a:latin typeface="Cambria" panose="02040503050406030204" pitchFamily="18" charset="0"/>
+                <a:ea typeface="MS Mincho" panose="02020609040205080304" pitchFamily="49" charset="-128"/>
+                <a:cs typeface="Vrinda" panose="020B0502040204020203" pitchFamily="34" charset="0"/>
+              </a:rPr>
+              <a:t>Let, width = 4x</a:t>
+            </a:r>
+          </a:p>
+          <a:p>
+            <a:pPr marL="0" marR="0" algn="just">
+              <a:lnSpc>
+                <a:spcPct val="115000"/>
+              </a:lnSpc>
+            </a:pPr>
+            <a:r>
+              <a:rPr lang="en-US" sz="1500" dirty="0">
+                <a:effectLst/>
+                <a:latin typeface="Cambria" panose="02040503050406030204" pitchFamily="18" charset="0"/>
+                <a:ea typeface="MS Mincho" panose="02020609040205080304" pitchFamily="49" charset="-128"/>
+                <a:cs typeface="Vrinda" panose="020B0502040204020203" pitchFamily="34" charset="0"/>
+              </a:rPr>
+              <a:t>height = 3x.</a:t>
+            </a:r>
+          </a:p>
+          <a:p>
+            <a:pPr marL="0" marR="0" algn="just">
+              <a:lnSpc>
+                <a:spcPct val="115000"/>
+              </a:lnSpc>
+            </a:pPr>
+            <a:endParaRPr lang="en-US" sz="1500" dirty="0">
+              <a:effectLst/>
+              <a:latin typeface="Cambria" panose="02040503050406030204" pitchFamily="18" charset="0"/>
+              <a:ea typeface="MS Mincho" panose="02020609040205080304" pitchFamily="49" charset="-128"/>
+              <a:cs typeface="Vrinda" panose="020B0502040204020203" pitchFamily="34" charset="0"/>
+            </a:endParaRPr>
+          </a:p>
+          <a:p>
+            <a:pPr algn="just">
+              <a:lnSpc>
+                <a:spcPct val="115000"/>
+              </a:lnSpc>
+            </a:pPr>
+            <a:r>
+              <a:rPr lang="en-US" sz="1500" dirty="0">
+                <a:effectLst/>
+                <a:latin typeface="Cambria" panose="02040503050406030204" pitchFamily="18" charset="0"/>
+                <a:ea typeface="MS Mincho" panose="02020609040205080304" pitchFamily="49" charset="-128"/>
+                <a:cs typeface="Vrinda" panose="020B0502040204020203" pitchFamily="34" charset="0"/>
+              </a:rPr>
+              <a:t>The diagonal in terms of x is:</a:t>
+            </a:r>
+          </a:p>
+          <a:p>
+            <a:pPr marL="0" marR="0" algn="just">
+              <a:lnSpc>
+                <a:spcPct val="115000"/>
+              </a:lnSpc>
+            </a:pPr>
+            <a:r>
+              <a:rPr lang="en-US" sz="1500" dirty="0">
+                <a:effectLst/>
+                <a:latin typeface="Cambria" panose="02040503050406030204" pitchFamily="18" charset="0"/>
+                <a:ea typeface="MS Mincho" panose="02020609040205080304" pitchFamily="49" charset="-128"/>
+                <a:cs typeface="Vrinda" panose="020B0502040204020203" pitchFamily="34" charset="0"/>
+              </a:rPr>
+              <a:t>    </a:t>
+            </a:r>
+            <a:r>
+              <a:rPr lang="en-US" sz="1500" dirty="0">
+                <a:effectLst/>
+                <a:latin typeface="MS Mincho" panose="02020609040205080304" pitchFamily="49" charset="-128"/>
+                <a:ea typeface="MS Mincho" panose="02020609040205080304" pitchFamily="49" charset="-128"/>
+                <a:cs typeface="Vrinda" panose="020B0502040204020203" pitchFamily="34" charset="0"/>
+              </a:rPr>
+              <a:t>√</a:t>
+            </a:r>
+            <a:r>
+              <a:rPr lang="en-US" sz="1500" dirty="0">
+                <a:effectLst/>
+                <a:latin typeface="Cambria" panose="02040503050406030204" pitchFamily="18" charset="0"/>
+                <a:ea typeface="MS Mincho" panose="02020609040205080304" pitchFamily="49" charset="-128"/>
+                <a:cs typeface="Vrinda" panose="020B0502040204020203" pitchFamily="34" charset="0"/>
+              </a:rPr>
+              <a:t>((4x)</a:t>
+            </a:r>
+            <a:r>
+              <a:rPr lang="en-US" sz="1500" baseline="30000" dirty="0">
+                <a:effectLst/>
+                <a:latin typeface="Cambria" panose="02040503050406030204" pitchFamily="18" charset="0"/>
+                <a:ea typeface="MS Mincho" panose="02020609040205080304" pitchFamily="49" charset="-128"/>
+                <a:cs typeface="Vrinda" panose="020B0502040204020203" pitchFamily="34" charset="0"/>
+              </a:rPr>
+              <a:t>2</a:t>
+            </a:r>
+            <a:r>
+              <a:rPr lang="en-US" sz="1500" dirty="0">
+                <a:effectLst/>
+                <a:latin typeface="Cambria" panose="02040503050406030204" pitchFamily="18" charset="0"/>
+                <a:ea typeface="MS Mincho" panose="02020609040205080304" pitchFamily="49" charset="-128"/>
+                <a:cs typeface="Vrinda" panose="020B0502040204020203" pitchFamily="34" charset="0"/>
+              </a:rPr>
+              <a:t> + (3x)</a:t>
+            </a:r>
+            <a:r>
+              <a:rPr lang="en-US" sz="1500" baseline="30000" dirty="0">
+                <a:effectLst/>
+                <a:latin typeface="Cambria" panose="02040503050406030204" pitchFamily="18" charset="0"/>
+                <a:ea typeface="MS Mincho" panose="02020609040205080304" pitchFamily="49" charset="-128"/>
+                <a:cs typeface="Vrinda" panose="020B0502040204020203" pitchFamily="34" charset="0"/>
+              </a:rPr>
+              <a:t>2</a:t>
+            </a:r>
+            <a:r>
+              <a:rPr lang="en-US" sz="1500" dirty="0">
+                <a:effectLst/>
+                <a:latin typeface="Cambria" panose="02040503050406030204" pitchFamily="18" charset="0"/>
+                <a:ea typeface="MS Mincho" panose="02020609040205080304" pitchFamily="49" charset="-128"/>
+                <a:cs typeface="Vrinda" panose="020B0502040204020203" pitchFamily="34" charset="0"/>
+              </a:rPr>
+              <a:t>) = 20</a:t>
+            </a:r>
+          </a:p>
+          <a:p>
+            <a:pPr marL="0" marR="0" algn="just">
+              <a:lnSpc>
+                <a:spcPct val="115000"/>
+              </a:lnSpc>
+            </a:pPr>
+            <a:r>
+              <a:rPr lang="en-US" sz="1500" dirty="0">
+                <a:effectLst/>
+                <a:latin typeface="Cambria" panose="02040503050406030204" pitchFamily="18" charset="0"/>
+                <a:ea typeface="MS Mincho" panose="02020609040205080304" pitchFamily="49" charset="-128"/>
+                <a:cs typeface="Vrinda" panose="020B0502040204020203" pitchFamily="34" charset="0"/>
+              </a:rPr>
+              <a:t>    </a:t>
+            </a:r>
+            <a:r>
+              <a:rPr lang="en-US" sz="1500" dirty="0">
+                <a:effectLst/>
+                <a:latin typeface="MS Mincho" panose="02020609040205080304" pitchFamily="49" charset="-128"/>
+                <a:ea typeface="MS Mincho" panose="02020609040205080304" pitchFamily="49" charset="-128"/>
+                <a:cs typeface="Vrinda" panose="020B0502040204020203" pitchFamily="34" charset="0"/>
+              </a:rPr>
+              <a:t>√</a:t>
+            </a:r>
+            <a:r>
+              <a:rPr lang="en-US" sz="1500" dirty="0">
+                <a:effectLst/>
+                <a:latin typeface="Cambria" panose="02040503050406030204" pitchFamily="18" charset="0"/>
+                <a:ea typeface="MS Mincho" panose="02020609040205080304" pitchFamily="49" charset="-128"/>
+                <a:cs typeface="Vrinda" panose="020B0502040204020203" pitchFamily="34" charset="0"/>
+              </a:rPr>
+              <a:t>(16x</a:t>
+            </a:r>
+            <a:r>
+              <a:rPr lang="en-US" sz="1500" baseline="30000" dirty="0">
+                <a:effectLst/>
+                <a:latin typeface="Cambria" panose="02040503050406030204" pitchFamily="18" charset="0"/>
+                <a:ea typeface="MS Mincho" panose="02020609040205080304" pitchFamily="49" charset="-128"/>
+                <a:cs typeface="Vrinda" panose="020B0502040204020203" pitchFamily="34" charset="0"/>
+              </a:rPr>
+              <a:t>2</a:t>
+            </a:r>
+            <a:r>
+              <a:rPr lang="en-US" sz="1500" dirty="0">
+                <a:effectLst/>
+                <a:latin typeface="Cambria" panose="02040503050406030204" pitchFamily="18" charset="0"/>
+                <a:ea typeface="MS Mincho" panose="02020609040205080304" pitchFamily="49" charset="-128"/>
+                <a:cs typeface="Vrinda" panose="020B0502040204020203" pitchFamily="34" charset="0"/>
+              </a:rPr>
+              <a:t> + 9x</a:t>
+            </a:r>
+            <a:r>
+              <a:rPr lang="en-US" sz="1500" baseline="30000" dirty="0">
+                <a:effectLst/>
+                <a:latin typeface="Cambria" panose="02040503050406030204" pitchFamily="18" charset="0"/>
+                <a:ea typeface="MS Mincho" panose="02020609040205080304" pitchFamily="49" charset="-128"/>
+                <a:cs typeface="Vrinda" panose="020B0502040204020203" pitchFamily="34" charset="0"/>
+              </a:rPr>
+              <a:t>2</a:t>
+            </a:r>
+            <a:r>
+              <a:rPr lang="en-US" sz="1500" dirty="0">
+                <a:effectLst/>
+                <a:latin typeface="Cambria" panose="02040503050406030204" pitchFamily="18" charset="0"/>
+                <a:ea typeface="MS Mincho" panose="02020609040205080304" pitchFamily="49" charset="-128"/>
+                <a:cs typeface="Vrinda" panose="020B0502040204020203" pitchFamily="34" charset="0"/>
+              </a:rPr>
+              <a:t>) = 20</a:t>
+            </a:r>
+          </a:p>
+          <a:p>
+            <a:pPr marL="0" marR="0" algn="just">
+              <a:lnSpc>
+                <a:spcPct val="115000"/>
+              </a:lnSpc>
+            </a:pPr>
+            <a:r>
+              <a:rPr lang="en-US" sz="1500" dirty="0">
+                <a:effectLst/>
+                <a:latin typeface="Cambria" panose="02040503050406030204" pitchFamily="18" charset="0"/>
+                <a:ea typeface="MS Mincho" panose="02020609040205080304" pitchFamily="49" charset="-128"/>
+                <a:cs typeface="Vrinda" panose="020B0502040204020203" pitchFamily="34" charset="0"/>
+              </a:rPr>
+              <a:t>    </a:t>
+            </a:r>
+            <a:r>
+              <a:rPr lang="en-US" sz="1500" dirty="0">
+                <a:effectLst/>
+                <a:latin typeface="MS Mincho" panose="02020609040205080304" pitchFamily="49" charset="-128"/>
+                <a:ea typeface="MS Mincho" panose="02020609040205080304" pitchFamily="49" charset="-128"/>
+                <a:cs typeface="Vrinda" panose="020B0502040204020203" pitchFamily="34" charset="0"/>
+              </a:rPr>
+              <a:t>√</a:t>
+            </a:r>
+            <a:r>
+              <a:rPr lang="en-US" sz="1500" dirty="0">
+                <a:effectLst/>
+                <a:latin typeface="Cambria" panose="02040503050406030204" pitchFamily="18" charset="0"/>
+                <a:ea typeface="MS Mincho" panose="02020609040205080304" pitchFamily="49" charset="-128"/>
+                <a:cs typeface="Vrinda" panose="020B0502040204020203" pitchFamily="34" charset="0"/>
+              </a:rPr>
+              <a:t>25x</a:t>
+            </a:r>
+            <a:r>
+              <a:rPr lang="en-US" sz="1500" baseline="30000" dirty="0">
+                <a:effectLst/>
+                <a:latin typeface="Cambria" panose="02040503050406030204" pitchFamily="18" charset="0"/>
+                <a:ea typeface="MS Mincho" panose="02020609040205080304" pitchFamily="49" charset="-128"/>
+                <a:cs typeface="Vrinda" panose="020B0502040204020203" pitchFamily="34" charset="0"/>
+              </a:rPr>
+              <a:t>2</a:t>
+            </a:r>
+            <a:r>
+              <a:rPr lang="en-US" sz="1500" dirty="0">
+                <a:effectLst/>
+                <a:latin typeface="Cambria" panose="02040503050406030204" pitchFamily="18" charset="0"/>
+                <a:ea typeface="MS Mincho" panose="02020609040205080304" pitchFamily="49" charset="-128"/>
+                <a:cs typeface="Vrinda" panose="020B0502040204020203" pitchFamily="34" charset="0"/>
+              </a:rPr>
+              <a:t> = 20</a:t>
+            </a:r>
+          </a:p>
+          <a:p>
+            <a:pPr marL="0" marR="0" algn="just">
+              <a:lnSpc>
+                <a:spcPct val="115000"/>
+              </a:lnSpc>
+            </a:pPr>
+            <a:r>
+              <a:rPr lang="en-US" sz="1500" dirty="0">
+                <a:effectLst/>
+                <a:latin typeface="Cambria" panose="02040503050406030204" pitchFamily="18" charset="0"/>
+                <a:ea typeface="MS Mincho" panose="02020609040205080304" pitchFamily="49" charset="-128"/>
+                <a:cs typeface="Vrinda" panose="020B0502040204020203" pitchFamily="34" charset="0"/>
+              </a:rPr>
+              <a:t>    x = 20 / </a:t>
+            </a:r>
+            <a:r>
+              <a:rPr lang="en-US" sz="1500" dirty="0">
+                <a:effectLst/>
+                <a:latin typeface="MS Mincho" panose="02020609040205080304" pitchFamily="49" charset="-128"/>
+                <a:ea typeface="MS Mincho" panose="02020609040205080304" pitchFamily="49" charset="-128"/>
+                <a:cs typeface="Vrinda" panose="020B0502040204020203" pitchFamily="34" charset="0"/>
+              </a:rPr>
+              <a:t>√</a:t>
+            </a:r>
+            <a:r>
+              <a:rPr lang="en-US" sz="1500" dirty="0">
+                <a:effectLst/>
+                <a:latin typeface="Cambria" panose="02040503050406030204" pitchFamily="18" charset="0"/>
+                <a:ea typeface="MS Mincho" panose="02020609040205080304" pitchFamily="49" charset="-128"/>
+                <a:cs typeface="Vrinda" panose="020B0502040204020203" pitchFamily="34" charset="0"/>
+              </a:rPr>
+              <a:t>25 = 20 / 5 = 4</a:t>
+            </a:r>
+          </a:p>
+          <a:p>
+            <a:pPr marL="0" marR="0" algn="just">
+              <a:lnSpc>
+                <a:spcPct val="115000"/>
+              </a:lnSpc>
+            </a:pPr>
+            <a:r>
+              <a:rPr lang="en-US" sz="1500" dirty="0">
+                <a:effectLst/>
+                <a:latin typeface="Cambria" panose="02040503050406030204" pitchFamily="18" charset="0"/>
+                <a:ea typeface="MS Mincho" panose="02020609040205080304" pitchFamily="49" charset="-128"/>
+                <a:cs typeface="Vrinda" panose="020B0502040204020203" pitchFamily="34" charset="0"/>
+              </a:rPr>
+              <a:t>Calculate the width and height:</a:t>
+            </a:r>
+          </a:p>
+          <a:p>
+            <a:pPr marL="0" marR="0" algn="just">
+              <a:lnSpc>
+                <a:spcPct val="115000"/>
+              </a:lnSpc>
+            </a:pPr>
+            <a:r>
+              <a:rPr lang="en-US" sz="1500" dirty="0">
+                <a:effectLst/>
+                <a:latin typeface="Cambria" panose="02040503050406030204" pitchFamily="18" charset="0"/>
+                <a:ea typeface="MS Mincho" panose="02020609040205080304" pitchFamily="49" charset="-128"/>
+                <a:cs typeface="Vrinda" panose="020B0502040204020203" pitchFamily="34" charset="0"/>
+              </a:rPr>
+              <a:t>    Width = 4x = 4 * 4 = 16 inches</a:t>
+            </a:r>
+          </a:p>
+          <a:p>
+            <a:pPr marL="0" marR="0" algn="just">
+              <a:lnSpc>
+                <a:spcPct val="115000"/>
+              </a:lnSpc>
+            </a:pPr>
+            <a:r>
+              <a:rPr lang="en-US" sz="1500" dirty="0">
+                <a:effectLst/>
+                <a:latin typeface="Cambria" panose="02040503050406030204" pitchFamily="18" charset="0"/>
+                <a:ea typeface="MS Mincho" panose="02020609040205080304" pitchFamily="49" charset="-128"/>
+                <a:cs typeface="Vrinda" panose="020B0502040204020203" pitchFamily="34" charset="0"/>
+              </a:rPr>
+              <a:t>    Height = 3x = 3 * 4 = 12 inches</a:t>
+            </a:r>
+          </a:p>
+          <a:p>
+            <a:pPr marL="0" marR="0" algn="just">
+              <a:lnSpc>
+                <a:spcPct val="115000"/>
+              </a:lnSpc>
+            </a:pPr>
+            <a:endParaRPr lang="en-US" sz="1500" dirty="0">
+              <a:effectLst/>
+              <a:latin typeface="Cambria" panose="02040503050406030204" pitchFamily="18" charset="0"/>
+              <a:ea typeface="MS Mincho" panose="02020609040205080304" pitchFamily="49" charset="-128"/>
+              <a:cs typeface="Vrinda" panose="020B0502040204020203" pitchFamily="34" charset="0"/>
+            </a:endParaRPr>
+          </a:p>
+          <a:p>
+            <a:pPr marL="0" marR="0" algn="just">
+              <a:lnSpc>
+                <a:spcPct val="115000"/>
+              </a:lnSpc>
+            </a:pPr>
+            <a:r>
+              <a:rPr lang="en-US" sz="1500" dirty="0">
+                <a:effectLst/>
+                <a:latin typeface="Cambria" panose="02040503050406030204" pitchFamily="18" charset="0"/>
+                <a:ea typeface="MS Mincho" panose="02020609040205080304" pitchFamily="49" charset="-128"/>
+                <a:cs typeface="Vrinda" panose="020B0502040204020203" pitchFamily="34" charset="0"/>
+              </a:rPr>
+              <a:t>Answer: Width = 16 inches, </a:t>
+            </a:r>
+          </a:p>
+          <a:p>
+            <a:pPr marL="0" marR="0" algn="just">
+              <a:lnSpc>
+                <a:spcPct val="115000"/>
+              </a:lnSpc>
+            </a:pPr>
+            <a:r>
+              <a:rPr lang="en-US" sz="1500" dirty="0">
+                <a:effectLst/>
+                <a:latin typeface="Cambria" panose="02040503050406030204" pitchFamily="18" charset="0"/>
+                <a:ea typeface="MS Mincho" panose="02020609040205080304" pitchFamily="49" charset="-128"/>
+                <a:cs typeface="Vrinda" panose="020B0502040204020203" pitchFamily="34" charset="0"/>
+              </a:rPr>
+              <a:t>Height = 12 inches</a:t>
+            </a:r>
+          </a:p>
+        </p:txBody>
+      </p:sp>
+    </p:spTree>
+    <p:extLst>
+      <p:ext uri="{BB962C8B-B14F-4D97-AF65-F5344CB8AC3E}">
+        <p14:creationId xmlns:p14="http://schemas.microsoft.com/office/powerpoint/2010/main" val="1755854299"/>
+      </p:ext>
+    </p:extLst>
+  </p:cSld>
+  <p:clrMapOvr>
+    <a:masterClrMapping/>
+  </p:clrMapOvr>
+</p:sld>
+</file>
+
+<file path=ppt/slides/slide21.xml><?xml version="1.0" encoding="utf-8"?>
+<p:sld xmlns:a="http://schemas.openxmlformats.org/drawingml/2006/main" xmlns:r="http://schemas.openxmlformats.org/officeDocument/2006/relationships" xmlns:p="http://schemas.openxmlformats.org/presentationml/2006/main">
+  <p:cSld>
+    <p:spTree>
+      <p:nvGrpSpPr>
+        <p:cNvPr id="1" name=""/>
+        <p:cNvGrpSpPr/>
+        <p:nvPr/>
+      </p:nvGrpSpPr>
+      <p:grpSpPr>
+        <a:xfrm>
+          <a:off x="0" y="0"/>
+          <a:ext cx="0" cy="0"/>
+          <a:chOff x="0" y="0"/>
+          <a:chExt cx="0" cy="0"/>
+        </a:xfrm>
+      </p:grpSpPr>
+      <p:sp>
+        <p:nvSpPr>
           <p:cNvPr id="7" name="TextBox 6">
             <a:extLst>
               <a:ext uri="{FF2B5EF4-FFF2-40B4-BE49-F238E27FC236}">
@@ -14483,10 +14735,186 @@
   <p:clrMapOvr>
     <a:masterClrMapping/>
   </p:clrMapOvr>
+  <p:timing>
+    <p:tnLst>
+      <p:par>
+        <p:cTn id="1" dur="indefinite" restart="never" nodeType="tmRoot"/>
+      </p:par>
+    </p:tnLst>
+  </p:timing>
 </p:sld>
 </file>
 
 <file path=ppt/slides/slide7.xml><?xml version="1.0" encoding="utf-8"?>
+<p:sld xmlns:a="http://schemas.openxmlformats.org/drawingml/2006/main" xmlns:r="http://schemas.openxmlformats.org/officeDocument/2006/relationships" xmlns:p="http://schemas.openxmlformats.org/presentationml/2006/main">
+  <p:cSld>
+    <p:spTree>
+      <p:nvGrpSpPr>
+        <p:cNvPr id="1" name=""/>
+        <p:cNvGrpSpPr/>
+        <p:nvPr/>
+      </p:nvGrpSpPr>
+      <p:grpSpPr>
+        <a:xfrm>
+          <a:off x="0" y="0"/>
+          <a:ext cx="0" cy="0"/>
+          <a:chOff x="0" y="0"/>
+          <a:chExt cx="0" cy="0"/>
+        </a:xfrm>
+      </p:grpSpPr>
+      <p:sp>
+        <p:nvSpPr>
+          <p:cNvPr id="2" name="Title 1"/>
+          <p:cNvSpPr>
+            <a:spLocks noGrp="1"/>
+          </p:cNvSpPr>
+          <p:nvPr>
+            <p:ph type="title"/>
+          </p:nvPr>
+        </p:nvSpPr>
+        <p:spPr>
+          <a:xfrm>
+            <a:off x="1261872" y="0"/>
+            <a:ext cx="9692640" cy="820103"/>
+          </a:xfrm>
+        </p:spPr>
+        <p:txBody>
+          <a:bodyPr/>
+          <a:lstStyle/>
+          <a:p>
+            <a:r>
+              <a:rPr lang="en-US" dirty="0" smtClean="0"/>
+              <a:t>How CRT works</a:t>
+            </a:r>
+            <a:endParaRPr lang="en-US" dirty="0"/>
+          </a:p>
+        </p:txBody>
+      </p:sp>
+      <p:pic>
+        <p:nvPicPr>
+          <p:cNvPr id="6" name="CRT How to work">
+            <a:hlinkClick r:id="" action="ppaction://media"/>
+          </p:cNvPr>
+          <p:cNvPicPr>
+            <a:picLocks noGrp="1" noChangeAspect="1"/>
+          </p:cNvPicPr>
+          <p:nvPr>
+            <p:ph idx="1"/>
+            <a:videoFile r:link="rId2"/>
+            <p:extLst>
+              <p:ext uri="{DAA4B4D4-6D71-4841-9C94-3DE7FCFB9230}">
+                <p14:media xmlns:p14="http://schemas.microsoft.com/office/powerpoint/2010/main" r:embed="rId1"/>
+              </p:ext>
+            </p:extLst>
+          </p:nvPr>
+        </p:nvPicPr>
+        <p:blipFill>
+          <a:blip r:embed="rId4"/>
+          <a:stretch>
+            <a:fillRect/>
+          </a:stretch>
+        </p:blipFill>
+        <p:spPr>
+          <a:xfrm>
+            <a:off x="1261872" y="820104"/>
+            <a:ext cx="8946019" cy="4994910"/>
+          </a:xfrm>
+        </p:spPr>
+      </p:pic>
+    </p:spTree>
+    <p:extLst>
+      <p:ext uri="{BB962C8B-B14F-4D97-AF65-F5344CB8AC3E}">
+        <p14:creationId xmlns:p14="http://schemas.microsoft.com/office/powerpoint/2010/main" val="2555201115"/>
+      </p:ext>
+    </p:extLst>
+  </p:cSld>
+  <p:clrMapOvr>
+    <a:masterClrMapping/>
+  </p:clrMapOvr>
+  <p:timing>
+    <p:tnLst>
+      <p:par>
+        <p:cTn id="1" dur="indefinite" restart="never" nodeType="tmRoot">
+          <p:childTnLst>
+            <p:seq concurrent="1" nextAc="seek">
+              <p:cTn id="2" restart="whenNotActive" fill="hold" evtFilter="cancelBubble" nodeType="interactiveSeq">
+                <p:stCondLst>
+                  <p:cond evt="onClick" delay="0">
+                    <p:tgtEl>
+                      <p:spTgt spid="6"/>
+                    </p:tgtEl>
+                  </p:cond>
+                </p:stCondLst>
+                <p:endSync evt="end" delay="0">
+                  <p:rtn val="all"/>
+                </p:endSync>
+                <p:childTnLst>
+                  <p:par>
+                    <p:cTn id="3" fill="hold">
+                      <p:stCondLst>
+                        <p:cond delay="0"/>
+                      </p:stCondLst>
+                      <p:childTnLst>
+                        <p:par>
+                          <p:cTn id="4" fill="hold">
+                            <p:stCondLst>
+                              <p:cond delay="0"/>
+                            </p:stCondLst>
+                            <p:childTnLst>
+                              <p:par>
+                                <p:cTn id="5" presetID="2" presetClass="mediacall" presetSubtype="0" fill="hold" nodeType="clickEffect">
+                                  <p:stCondLst>
+                                    <p:cond delay="0"/>
+                                  </p:stCondLst>
+                                  <p:childTnLst>
+                                    <p:cmd type="call" cmd="togglePause">
+                                      <p:cBhvr>
+                                        <p:cTn id="6" dur="1" fill="hold"/>
+                                        <p:tgtEl>
+                                          <p:spTgt spid="6"/>
+                                        </p:tgtEl>
+                                      </p:cBhvr>
+                                    </p:cmd>
+                                  </p:childTnLst>
+                                </p:cTn>
+                              </p:par>
+                            </p:childTnLst>
+                          </p:cTn>
+                        </p:par>
+                      </p:childTnLst>
+                    </p:cTn>
+                  </p:par>
+                </p:childTnLst>
+              </p:cTn>
+              <p:nextCondLst>
+                <p:cond evt="onClick" delay="0">
+                  <p:tgtEl>
+                    <p:spTgt spid="6"/>
+                  </p:tgtEl>
+                </p:cond>
+              </p:nextCondLst>
+            </p:seq>
+            <p:video>
+              <p:cMediaNode vol="80000">
+                <p:cTn id="7" fill="hold" display="0">
+                  <p:stCondLst>
+                    <p:cond delay="indefinite"/>
+                  </p:stCondLst>
+                </p:cTn>
+                <p:tgtEl>
+                  <p:spTgt spid="6"/>
+                </p:tgtEl>
+              </p:cMediaNode>
+            </p:video>
+          </p:childTnLst>
+        </p:cTn>
+      </p:par>
+    </p:tnLst>
+  </p:timing>
+</p:sld>
+</file>
+
+<file path=ppt/slides/slide8.xml><?xml version="1.0" encoding="utf-8"?>
 <p:sld xmlns:a="http://schemas.openxmlformats.org/drawingml/2006/main" xmlns:r="http://schemas.openxmlformats.org/officeDocument/2006/relationships" xmlns:p="http://schemas.openxmlformats.org/presentationml/2006/main" showMasterSp="0">
   <p:cSld>
     <p:spTree>
@@ -14610,10 +15038,17 @@
   <p:clrMapOvr>
     <a:masterClrMapping/>
   </p:clrMapOvr>
+  <p:timing>
+    <p:tnLst>
+      <p:par>
+        <p:cTn id="1" dur="indefinite" restart="never" nodeType="tmRoot"/>
+      </p:par>
+    </p:tnLst>
+  </p:timing>
 </p:sld>
 </file>
 
-<file path=ppt/slides/slide8.xml><?xml version="1.0" encoding="utf-8"?>
+<file path=ppt/slides/slide9.xml><?xml version="1.0" encoding="utf-8"?>
 <p:sld xmlns:a="http://schemas.openxmlformats.org/drawingml/2006/main" xmlns:r="http://schemas.openxmlformats.org/officeDocument/2006/relationships" xmlns:p="http://schemas.openxmlformats.org/presentationml/2006/main" showMasterSp="0">
   <p:cSld>
     <p:spTree>
@@ -14823,257 +15258,6 @@
     <p:extLst>
       <p:ext uri="{BB962C8B-B14F-4D97-AF65-F5344CB8AC3E}">
         <p14:creationId xmlns:p14="http://schemas.microsoft.com/office/powerpoint/2010/main" val="287538990"/>
-      </p:ext>
-    </p:extLst>
-  </p:cSld>
-  <p:clrMapOvr>
-    <a:masterClrMapping/>
-  </p:clrMapOvr>
-</p:sld>
-</file>
-
-<file path=ppt/slides/slide9.xml><?xml version="1.0" encoding="utf-8"?>
-<p:sld xmlns:a="http://schemas.openxmlformats.org/drawingml/2006/main" xmlns:r="http://schemas.openxmlformats.org/officeDocument/2006/relationships" xmlns:p="http://schemas.openxmlformats.org/presentationml/2006/main" showMasterSp="0">
-  <p:cSld>
-    <p:spTree>
-      <p:nvGrpSpPr>
-        <p:cNvPr id="1" name=""/>
-        <p:cNvGrpSpPr/>
-        <p:nvPr/>
-      </p:nvGrpSpPr>
-      <p:grpSpPr>
-        <a:xfrm>
-          <a:off x="0" y="0"/>
-          <a:ext cx="0" cy="0"/>
-          <a:chOff x="0" y="0"/>
-          <a:chExt cx="0" cy="0"/>
-        </a:xfrm>
-      </p:grpSpPr>
-      <p:sp>
-        <p:nvSpPr>
-          <p:cNvPr id="5" name="TextBox 4">
-            <a:extLst>
-              <a:ext uri="{FF2B5EF4-FFF2-40B4-BE49-F238E27FC236}">
-                <a16:creationId xmlns:a16="http://schemas.microsoft.com/office/drawing/2014/main" id="{CB6C1B63-AA89-4CCD-A92C-8EAE74EC00D6}"/>
-              </a:ext>
-            </a:extLst>
-          </p:cNvPr>
-          <p:cNvSpPr txBox="1"/>
-          <p:nvPr/>
-        </p:nvSpPr>
-        <p:spPr>
-          <a:xfrm>
-            <a:off x="449580" y="258901"/>
-            <a:ext cx="11292840" cy="6340197"/>
-          </a:xfrm>
-          <a:prstGeom prst="rect">
-            <a:avLst/>
-          </a:prstGeom>
-          <a:noFill/>
-        </p:spPr>
-        <p:txBody>
-          <a:bodyPr wrap="square">
-            <a:spAutoFit/>
-          </a:bodyPr>
-          <a:lstStyle/>
-          <a:p>
-            <a:pPr marL="285750" indent="-285750" algn="just">
-              <a:buFont typeface="Wingdings" panose="05000000000000000000" pitchFamily="2" charset="2"/>
-              <a:buChar char="q"/>
-            </a:pPr>
-            <a:r>
-              <a:rPr lang="en-US" sz="2800" b="1" u="sng" dirty="0">
-                <a:latin typeface="Aptos" panose="020B0004020202020204" pitchFamily="34" charset="0"/>
-              </a:rPr>
-              <a:t>Properties of CRT:</a:t>
-            </a:r>
-          </a:p>
-          <a:p>
-            <a:pPr algn="just"/>
-            <a:endParaRPr lang="en-US" dirty="0">
-              <a:latin typeface="Aptos" panose="020B0004020202020204" pitchFamily="34" charset="0"/>
-            </a:endParaRPr>
-          </a:p>
-          <a:p>
-            <a:pPr algn="just"/>
-            <a:r>
-              <a:rPr lang="en-US" sz="2400" b="1" u="sng" dirty="0">
-                <a:latin typeface="Aptos" panose="020B0004020202020204" pitchFamily="34" charset="0"/>
-              </a:rPr>
-              <a:t>1. Persistence: </a:t>
-            </a:r>
-            <a:r>
-              <a:rPr lang="en-US" dirty="0">
-                <a:latin typeface="Aptos" panose="020B0004020202020204" pitchFamily="34" charset="0"/>
-              </a:rPr>
-              <a:t>It is defined as the time it takes the emitted light from the phosphor to decay to one-tenth(1/10-th) of it's original intensity. It means how long they continue to emit light after the e-beam is removed.</a:t>
-            </a:r>
-          </a:p>
-          <a:p>
-            <a:pPr algn="just"/>
-            <a:r>
-              <a:rPr lang="en-US" dirty="0">
-                <a:latin typeface="Aptos" panose="020B0004020202020204" pitchFamily="34" charset="0"/>
-              </a:rPr>
-              <a:t>Persistence range from 1- to 60 micro-seconds.</a:t>
-            </a:r>
-          </a:p>
-          <a:p>
-            <a:pPr algn="just"/>
-            <a:r>
-              <a:rPr lang="en-US" dirty="0">
-                <a:latin typeface="Aptos" panose="020B0004020202020204" pitchFamily="34" charset="0"/>
-              </a:rPr>
-              <a:t>In short, Persistence is the duration of phosphorescence exhibited b y a phosphor.</a:t>
-            </a:r>
-          </a:p>
-          <a:p>
-            <a:pPr algn="just"/>
-            <a:r>
-              <a:rPr lang="en-US" sz="2400" b="1" u="sng" dirty="0">
-                <a:latin typeface="Aptos" panose="020B0004020202020204" pitchFamily="34" charset="0"/>
-              </a:rPr>
-              <a:t>2. Refreshing of the screen: </a:t>
-            </a:r>
-            <a:r>
-              <a:rPr lang="en-US" dirty="0">
-                <a:latin typeface="Aptos" panose="020B0004020202020204" pitchFamily="34" charset="0"/>
-              </a:rPr>
-              <a:t>It is done by keeping the phosphorous glowing to redraw the picture repeatedly. By quickly directing the electron beam back to the same points.</a:t>
-            </a:r>
-          </a:p>
-          <a:p>
-            <a:pPr algn="just"/>
-            <a:endParaRPr lang="en-US" dirty="0">
-              <a:latin typeface="Aptos" panose="020B0004020202020204" pitchFamily="34" charset="0"/>
-            </a:endParaRPr>
-          </a:p>
-          <a:p>
-            <a:pPr algn="just"/>
-            <a:r>
-              <a:rPr lang="en-US" sz="2000" b="1" u="sng" dirty="0">
-                <a:latin typeface="Aptos" panose="020B0004020202020204" pitchFamily="34" charset="0"/>
-              </a:rPr>
-              <a:t>3. Refresh rate: </a:t>
-            </a:r>
-            <a:r>
-              <a:rPr lang="en-US" dirty="0">
-                <a:latin typeface="Aptos" panose="020B0004020202020204" pitchFamily="34" charset="0"/>
-              </a:rPr>
-              <a:t>It is the number of time per second the image is redrawn on the screen.</a:t>
-            </a:r>
-          </a:p>
-          <a:p>
-            <a:pPr algn="just"/>
-            <a:r>
-              <a:rPr lang="en-US" sz="2000" b="1" u="sng" dirty="0">
-                <a:latin typeface="Aptos" panose="020B0004020202020204" pitchFamily="34" charset="0"/>
-              </a:rPr>
-              <a:t>4. Critical Fusion Frequency(CFF): </a:t>
-            </a:r>
-            <a:r>
-              <a:rPr lang="en-US" dirty="0">
-                <a:latin typeface="Aptos" panose="020B0004020202020204" pitchFamily="34" charset="0"/>
-              </a:rPr>
-              <a:t>It is the refresh rate at which the image stops flickering and fuses into a steady image.</a:t>
-            </a:r>
-          </a:p>
-          <a:p>
-            <a:pPr algn="just"/>
-            <a:endParaRPr lang="en-US" dirty="0">
-              <a:latin typeface="Aptos" panose="020B0004020202020204" pitchFamily="34" charset="0"/>
-            </a:endParaRPr>
-          </a:p>
-          <a:p>
-            <a:pPr algn="just"/>
-            <a:r>
-              <a:rPr lang="en-US" sz="2000" b="1" u="sng" dirty="0">
-                <a:latin typeface="Aptos" panose="020B0004020202020204" pitchFamily="34" charset="0"/>
-              </a:rPr>
-              <a:t>5. Horizontal Scan Rate(HSN): </a:t>
-            </a:r>
-            <a:r>
-              <a:rPr lang="en-US" dirty="0">
-                <a:latin typeface="Aptos" panose="020B0004020202020204" pitchFamily="34" charset="0"/>
-              </a:rPr>
-              <a:t>It is the number of line that can be scanned per second by the CRT.</a:t>
-            </a:r>
-          </a:p>
-          <a:p>
-            <a:pPr algn="just"/>
-            <a:r>
-              <a:rPr lang="en-US" dirty="0">
-                <a:latin typeface="Aptos" panose="020B0004020202020204" pitchFamily="34" charset="0"/>
-              </a:rPr>
-              <a:t>HSN =  Refresh Rate * No. of scan line</a:t>
-            </a:r>
-          </a:p>
-          <a:p>
-            <a:pPr algn="just"/>
-            <a:endParaRPr lang="en-US" dirty="0">
-              <a:latin typeface="Aptos" panose="020B0004020202020204" pitchFamily="34" charset="0"/>
-            </a:endParaRPr>
-          </a:p>
-          <a:p>
-            <a:pPr algn="just"/>
-            <a:r>
-              <a:rPr lang="en-US" sz="2000" b="1" u="sng" dirty="0">
-                <a:latin typeface="Aptos" panose="020B0004020202020204" pitchFamily="34" charset="0"/>
-              </a:rPr>
-              <a:t>6. Pixel: </a:t>
-            </a:r>
-            <a:r>
-              <a:rPr lang="en-US" dirty="0">
-                <a:latin typeface="Aptos" panose="020B0004020202020204" pitchFamily="34" charset="0"/>
-              </a:rPr>
-              <a:t>Smallest unit of a digital image that can be displayed and represented on a digital display device.</a:t>
-            </a:r>
-          </a:p>
-          <a:p>
-            <a:pPr algn="just"/>
-            <a:r>
-              <a:rPr lang="en-US" dirty="0">
-                <a:latin typeface="Aptos" panose="020B0004020202020204" pitchFamily="34" charset="0"/>
-              </a:rPr>
-              <a:t>If a monitor has a property of 200ppi(pixel per inch), then there are 200pixel of per square inch.</a:t>
-            </a:r>
-          </a:p>
-          <a:p>
-            <a:pPr algn="just"/>
-            <a:endParaRPr lang="en-US" dirty="0">
-              <a:latin typeface="Aptos" panose="020B0004020202020204" pitchFamily="34" charset="0"/>
-            </a:endParaRPr>
-          </a:p>
-          <a:p>
-            <a:pPr algn="just"/>
-            <a:r>
-              <a:rPr lang="en-US" sz="2000" b="1" u="sng" dirty="0">
-                <a:latin typeface="Aptos" panose="020B0004020202020204" pitchFamily="34" charset="0"/>
-              </a:rPr>
-              <a:t>7. Pixel Resolution: </a:t>
-            </a:r>
-            <a:r>
-              <a:rPr lang="en-US" dirty="0">
-                <a:latin typeface="Aptos" panose="020B0004020202020204" pitchFamily="34" charset="0"/>
-              </a:rPr>
-              <a:t>It is the number of points per inch that can be plotted horizontally and vertically. </a:t>
-            </a:r>
-          </a:p>
-          <a:p>
-            <a:pPr algn="just"/>
-            <a:r>
-              <a:rPr lang="en-US" dirty="0">
-                <a:latin typeface="Aptos" panose="020B0004020202020204" pitchFamily="34" charset="0"/>
-              </a:rPr>
-              <a:t>If an image has M rows and N columns, then it's resolution can be defined as M X N</a:t>
-            </a:r>
-          </a:p>
-        </p:txBody>
-      </p:sp>
-    </p:spTree>
-    <p:extLst>
-      <p:ext uri="{BB962C8B-B14F-4D97-AF65-F5344CB8AC3E}">
-        <p14:creationId xmlns:p14="http://schemas.microsoft.com/office/powerpoint/2010/main" val="3487359124"/>
       </p:ext>
     </p:extLst>
   </p:cSld>
